--- a/Lecture_11.pptx
+++ b/Lecture_11.pptx
@@ -269,7 +269,7 @@
           <a:p>
             <a:fld id="{0C5D01E0-290C-4345-9C3A-A17023A74CBD}" type="datetimeFigureOut">
               <a:rPr lang="en-CA" smtClean="0"/>
-              <a:t>2019-10-17</a:t>
+              <a:t>2019-10-20</a:t>
             </a:fld>
             <a:endParaRPr lang="en-CA"/>
           </a:p>
@@ -439,7 +439,7 @@
           <a:p>
             <a:fld id="{0C5D01E0-290C-4345-9C3A-A17023A74CBD}" type="datetimeFigureOut">
               <a:rPr lang="en-CA" smtClean="0"/>
-              <a:t>2019-10-17</a:t>
+              <a:t>2019-10-20</a:t>
             </a:fld>
             <a:endParaRPr lang="en-CA"/>
           </a:p>
@@ -619,7 +619,7 @@
           <a:p>
             <a:fld id="{0C5D01E0-290C-4345-9C3A-A17023A74CBD}" type="datetimeFigureOut">
               <a:rPr lang="en-CA" smtClean="0"/>
-              <a:t>2019-10-17</a:t>
+              <a:t>2019-10-20</a:t>
             </a:fld>
             <a:endParaRPr lang="en-CA"/>
           </a:p>
@@ -789,7 +789,7 @@
           <a:p>
             <a:fld id="{0C5D01E0-290C-4345-9C3A-A17023A74CBD}" type="datetimeFigureOut">
               <a:rPr lang="en-CA" smtClean="0"/>
-              <a:t>2019-10-17</a:t>
+              <a:t>2019-10-20</a:t>
             </a:fld>
             <a:endParaRPr lang="en-CA"/>
           </a:p>
@@ -1035,7 +1035,7 @@
           <a:p>
             <a:fld id="{0C5D01E0-290C-4345-9C3A-A17023A74CBD}" type="datetimeFigureOut">
               <a:rPr lang="en-CA" smtClean="0"/>
-              <a:t>2019-10-17</a:t>
+              <a:t>2019-10-20</a:t>
             </a:fld>
             <a:endParaRPr lang="en-CA"/>
           </a:p>
@@ -1267,7 +1267,7 @@
           <a:p>
             <a:fld id="{0C5D01E0-290C-4345-9C3A-A17023A74CBD}" type="datetimeFigureOut">
               <a:rPr lang="en-CA" smtClean="0"/>
-              <a:t>2019-10-17</a:t>
+              <a:t>2019-10-20</a:t>
             </a:fld>
             <a:endParaRPr lang="en-CA"/>
           </a:p>
@@ -1634,7 +1634,7 @@
           <a:p>
             <a:fld id="{0C5D01E0-290C-4345-9C3A-A17023A74CBD}" type="datetimeFigureOut">
               <a:rPr lang="en-CA" smtClean="0"/>
-              <a:t>2019-10-17</a:t>
+              <a:t>2019-10-20</a:t>
             </a:fld>
             <a:endParaRPr lang="en-CA"/>
           </a:p>
@@ -1752,7 +1752,7 @@
           <a:p>
             <a:fld id="{0C5D01E0-290C-4345-9C3A-A17023A74CBD}" type="datetimeFigureOut">
               <a:rPr lang="en-CA" smtClean="0"/>
-              <a:t>2019-10-17</a:t>
+              <a:t>2019-10-20</a:t>
             </a:fld>
             <a:endParaRPr lang="en-CA"/>
           </a:p>
@@ -1847,7 +1847,7 @@
           <a:p>
             <a:fld id="{0C5D01E0-290C-4345-9C3A-A17023A74CBD}" type="datetimeFigureOut">
               <a:rPr lang="en-CA" smtClean="0"/>
-              <a:t>2019-10-17</a:t>
+              <a:t>2019-10-20</a:t>
             </a:fld>
             <a:endParaRPr lang="en-CA"/>
           </a:p>
@@ -2124,7 +2124,7 @@
           <a:p>
             <a:fld id="{0C5D01E0-290C-4345-9C3A-A17023A74CBD}" type="datetimeFigureOut">
               <a:rPr lang="en-CA" smtClean="0"/>
-              <a:t>2019-10-17</a:t>
+              <a:t>2019-10-20</a:t>
             </a:fld>
             <a:endParaRPr lang="en-CA"/>
           </a:p>
@@ -2377,7 +2377,7 @@
           <a:p>
             <a:fld id="{0C5D01E0-290C-4345-9C3A-A17023A74CBD}" type="datetimeFigureOut">
               <a:rPr lang="en-CA" smtClean="0"/>
-              <a:t>2019-10-17</a:t>
+              <a:t>2019-10-20</a:t>
             </a:fld>
             <a:endParaRPr lang="en-CA"/>
           </a:p>
@@ -2590,7 +2590,7 @@
           <a:p>
             <a:fld id="{0C5D01E0-290C-4345-9C3A-A17023A74CBD}" type="datetimeFigureOut">
               <a:rPr lang="en-CA" smtClean="0"/>
-              <a:t>2019-10-17</a:t>
+              <a:t>2019-10-20</a:t>
             </a:fld>
             <a:endParaRPr lang="en-CA"/>
           </a:p>
@@ -7846,11 +7846,7 @@
             <a:pPr lvl="1"/>
             <a:r>
               <a:rPr lang="en-CA" dirty="0" smtClean="0"/>
-              <a:t>READ_EXTERNAL_STORAGE granted automaticall</a:t>
-            </a:r>
-            <a:r>
-              <a:rPr lang="en-CA" dirty="0" smtClean="0"/>
-              <a:t>y from this permission</a:t>
+              <a:t>READ_EXTERNAL_STORAGE granted automatically from this permission</a:t>
             </a:r>
           </a:p>
           <a:p>
@@ -10819,11 +10815,7 @@
           <a:p>
             <a:r>
               <a:rPr lang="en-CA" dirty="0" smtClean="0"/>
-              <a:t>Some devices hav</a:t>
-            </a:r>
-            <a:r>
-              <a:rPr lang="en-CA" dirty="0" smtClean="0"/>
-              <a:t>e multiple external storage directories, such as when a device allocates a partition of internal memory to external storage</a:t>
+              <a:t>Some devices have multiple external storage directories, such as when a device allocates a partition of internal memory to external storage</a:t>
             </a:r>
           </a:p>
           <a:p>
@@ -11493,11 +11485,7 @@
             </a:r>
             <a:r>
               <a:rPr lang="en-CA" dirty="0" smtClean="0"/>
-              <a:t> tabl</a:t>
-            </a:r>
-            <a:r>
-              <a:rPr lang="en-CA" dirty="0" smtClean="0"/>
-              <a:t>e is itself filtered, showing only image, video, and audio files (for example, .pdf files are not shown)</a:t>
+              <a:t> table is itself filtered, showing only image, video, and audio files (for example, .pdf files are not shown)</a:t>
             </a:r>
           </a:p>
           <a:p>
@@ -11706,11 +11694,7 @@
             </a:r>
             <a:r>
               <a:rPr lang="en-CA" dirty="0" smtClean="0"/>
-              <a:t>(), passin</a:t>
-            </a:r>
-            <a:r>
-              <a:rPr lang="en-CA" dirty="0" smtClean="0"/>
-              <a:t>g in the URI of the photograph</a:t>
+              <a:t>(), passing in the URI of the photograph</a:t>
             </a:r>
             <a:endParaRPr lang="en-CA" dirty="0"/>
           </a:p>
@@ -13736,7 +13720,55 @@
           <a:bodyPr/>
           <a:lstStyle/>
           <a:p>
-            <a:endParaRPr lang="en-CA"/>
+            <a:r>
+              <a:rPr lang="en-CA" dirty="0" err="1" smtClean="0"/>
+              <a:t>MediaStore</a:t>
+            </a:r>
+            <a:r>
+              <a:rPr lang="en-CA" dirty="0" smtClean="0"/>
+              <a:t> APIs provide interface for accessing following media file types:</a:t>
+            </a:r>
+            <a:endParaRPr lang="en-CA" dirty="0"/>
+          </a:p>
+          <a:p>
+            <a:r>
+              <a:rPr lang="en-CA" dirty="0" smtClean="0"/>
+              <a:t>1) photos – stored in </a:t>
+            </a:r>
+            <a:r>
+              <a:rPr lang="en-CA" dirty="0" err="1" smtClean="0"/>
+              <a:t>MediaStore.Images</a:t>
+            </a:r>
+            <a:endParaRPr lang="en-CA" dirty="0" smtClean="0"/>
+          </a:p>
+          <a:p>
+            <a:r>
+              <a:rPr lang="en-CA" dirty="0" smtClean="0"/>
+              <a:t>2) Videos – stored in </a:t>
+            </a:r>
+            <a:r>
+              <a:rPr lang="en-CA" dirty="0" err="1" smtClean="0"/>
+              <a:t>MediaStore.Video</a:t>
+            </a:r>
+            <a:endParaRPr lang="en-CA" dirty="0" smtClean="0"/>
+          </a:p>
+          <a:p>
+            <a:r>
+              <a:rPr lang="en-CA" dirty="0" smtClean="0"/>
+              <a:t>3) Audio – stored in </a:t>
+            </a:r>
+            <a:r>
+              <a:rPr lang="en-CA" dirty="0" err="1" smtClean="0"/>
+              <a:t>MediaStore.Audio</a:t>
+            </a:r>
+            <a:endParaRPr lang="en-CA" dirty="0" smtClean="0"/>
+          </a:p>
+          <a:p>
+            <a:r>
+              <a:rPr lang="en-CA" dirty="0" smtClean="0"/>
+              <a:t>We will now learn how to access and share media files, typically stored on an external storage device</a:t>
+            </a:r>
+            <a:endParaRPr lang="en-CA" dirty="0" smtClean="0"/>
           </a:p>
         </p:txBody>
       </p:sp>
@@ -13762,12 +13794,12 @@
           <a:lstStyle/>
           <a:p>
             <a:r>
-              <a:rPr lang="en-CA">
+              <a:rPr lang="en-CA" dirty="0">
                 <a:hlinkClick r:id="rId2"/>
               </a:rPr>
               <a:t>https://developer.android.com/training/data-storage/files/media</a:t>
             </a:r>
-            <a:endParaRPr lang="en-CA"/>
+            <a:endParaRPr lang="en-CA" dirty="0"/>
           </a:p>
         </p:txBody>
       </p:sp>
@@ -13828,6 +13860,10 @@
           <a:bodyPr/>
           <a:lstStyle/>
           <a:p>
+            <a:r>
+              <a:rPr lang="en-CA" dirty="0" smtClean="0"/>
+              <a:t>Access files</a:t>
+            </a:r>
             <a:endParaRPr lang="en-CA" dirty="0"/>
           </a:p>
         </p:txBody>
@@ -13852,7 +13888,67 @@
           <a:bodyPr/>
           <a:lstStyle/>
           <a:p>
-            <a:endParaRPr lang="en-CA"/>
+            <a:r>
+              <a:rPr lang="en-CA" dirty="0" smtClean="0"/>
+              <a:t>To load media files, call one of the following from </a:t>
+            </a:r>
+            <a:r>
+              <a:rPr lang="en-CA" dirty="0" err="1" smtClean="0"/>
+              <a:t>ContentResolver</a:t>
+            </a:r>
+            <a:r>
+              <a:rPr lang="en-CA" dirty="0" smtClean="0"/>
+              <a:t>:</a:t>
+            </a:r>
+          </a:p>
+          <a:p>
+            <a:r>
+              <a:rPr lang="en-CA" dirty="0" smtClean="0"/>
+              <a:t>1) for a single media file, use </a:t>
+            </a:r>
+            <a:r>
+              <a:rPr lang="en-CA" dirty="0" err="1" smtClean="0"/>
+              <a:t>openFileDescriptor</a:t>
+            </a:r>
+            <a:r>
+              <a:rPr lang="en-CA" dirty="0" smtClean="0"/>
+              <a:t>()</a:t>
+            </a:r>
+          </a:p>
+          <a:p>
+            <a:r>
+              <a:rPr lang="en-CA" dirty="0" smtClean="0"/>
+              <a:t>2) for the thumbnail of a single media file, use </a:t>
+            </a:r>
+            <a:r>
+              <a:rPr lang="en-CA" dirty="0" err="1" smtClean="0"/>
+              <a:t>loadThumbnail</a:t>
+            </a:r>
+            <a:r>
+              <a:rPr lang="en-CA" dirty="0" smtClean="0"/>
+              <a:t>(), passing in size</a:t>
+            </a:r>
+          </a:p>
+          <a:p>
+            <a:r>
+              <a:rPr lang="en-CA" dirty="0" smtClean="0"/>
+              <a:t>3) for a collection of media files, use query()</a:t>
+            </a:r>
+          </a:p>
+          <a:p>
+            <a:r>
+              <a:rPr lang="en-CA" b="1" dirty="0" smtClean="0"/>
+              <a:t>Acces</a:t>
+            </a:r>
+            <a:r>
+              <a:rPr lang="en-CA" b="1" dirty="0" smtClean="0"/>
+              <a:t>s </a:t>
+            </a:r>
+            <a:r>
+              <a:rPr lang="en-CA" b="1" smtClean="0"/>
+              <a:t>from native code</a:t>
+            </a:r>
+            <a:endParaRPr lang="en-CA" b="1" dirty="0"/>
           </a:p>
         </p:txBody>
       </p:sp>

--- a/Lecture_11.pptx
+++ b/Lecture_11.pptx
@@ -32,6 +32,13 @@
     <p:sldId id="280" r:id="rId26"/>
     <p:sldId id="281" r:id="rId27"/>
     <p:sldId id="282" r:id="rId28"/>
+    <p:sldId id="283" r:id="rId29"/>
+    <p:sldId id="284" r:id="rId30"/>
+    <p:sldId id="285" r:id="rId31"/>
+    <p:sldId id="286" r:id="rId32"/>
+    <p:sldId id="287" r:id="rId33"/>
+    <p:sldId id="288" r:id="rId34"/>
+    <p:sldId id="289" r:id="rId35"/>
   </p:sldIdLst>
   <p:sldSz cx="12192000" cy="6858000"/>
   <p:notesSz cx="6858000" cy="9144000"/>
@@ -13768,7 +13775,6 @@
               <a:rPr lang="en-CA" dirty="0" smtClean="0"/>
               <a:t>We will now learn how to access and share media files, typically stored on an external storage device</a:t>
             </a:r>
-            <a:endParaRPr lang="en-CA" dirty="0" smtClean="0"/>
           </a:p>
         </p:txBody>
       </p:sp>
@@ -13881,7 +13887,7 @@
         <p:spPr>
           <a:xfrm>
             <a:off x="0" y="869660"/>
-            <a:ext cx="12192000" cy="5619007"/>
+            <a:ext cx="5056909" cy="5619007"/>
           </a:xfrm>
         </p:spPr>
         <p:txBody>
@@ -13932,23 +13938,12 @@
           <a:p>
             <a:r>
               <a:rPr lang="en-CA" dirty="0" smtClean="0"/>
-              <a:t>3) for a collection of media files, use query()</a:t>
-            </a:r>
-          </a:p>
-          <a:p>
-            <a:r>
-              <a:rPr lang="en-CA" b="1" dirty="0" smtClean="0"/>
-              <a:t>Acces</a:t>
-            </a:r>
-            <a:r>
-              <a:rPr lang="en-CA" b="1" dirty="0" smtClean="0"/>
-              <a:t>s </a:t>
-            </a:r>
-            <a:r>
-              <a:rPr lang="en-CA" b="1" smtClean="0"/>
-              <a:t>from native code</a:t>
-            </a:r>
-            <a:endParaRPr lang="en-CA" b="1" dirty="0"/>
+              <a:t>3) for a collection of media files, use query</a:t>
+            </a:r>
+            <a:r>
+              <a:rPr lang="en-CA" dirty="0" smtClean="0"/>
+              <a:t>()</a:t>
+            </a:r>
           </a:p>
         </p:txBody>
       </p:sp>
@@ -13974,12 +13969,975 @@
           <a:lstStyle/>
           <a:p>
             <a:r>
-              <a:rPr lang="en-CA">
+              <a:rPr lang="en-CA" dirty="0">
                 <a:hlinkClick r:id="rId2"/>
               </a:rPr>
               <a:t>https://developer.android.com/training/data-storage/files/media</a:t>
             </a:r>
-            <a:endParaRPr lang="en-CA"/>
+            <a:endParaRPr lang="en-CA" dirty="0"/>
+          </a:p>
+        </p:txBody>
+      </p:sp>
+      <p:sp>
+        <p:nvSpPr>
+          <p:cNvPr id="6" name="Rectangle 2"/>
+          <p:cNvSpPr>
+            <a:spLocks noChangeArrowheads="1"/>
+          </p:cNvSpPr>
+          <p:nvPr/>
+        </p:nvSpPr>
+        <p:spPr bwMode="auto">
+          <a:xfrm>
+            <a:off x="5313218" y="1199016"/>
+            <a:ext cx="6785832" cy="3600986"/>
+          </a:xfrm>
+          <a:prstGeom prst="rect">
+            <a:avLst/>
+          </a:prstGeom>
+          <a:solidFill>
+            <a:srgbClr val="FFFFFF"/>
+          </a:solidFill>
+          <a:ln>
+            <a:noFill/>
+          </a:ln>
+          <a:effectLst/>
+          <a:extLst>
+            <a:ext uri="{91240B29-F687-4F45-9708-019B960494DF}">
+              <a14:hiddenLine xmlns:a14="http://schemas.microsoft.com/office/drawing/2010/main" w="9525">
+                <a:solidFill>
+                  <a:schemeClr val="tx1"/>
+                </a:solidFill>
+                <a:miter lim="800000"/>
+                <a:headEnd/>
+                <a:tailEnd/>
+              </a14:hiddenLine>
+            </a:ext>
+            <a:ext uri="{AF507438-7753-43E0-B8FC-AC1667EBCBE1}">
+              <a14:hiddenEffects xmlns:a14="http://schemas.microsoft.com/office/drawing/2010/main">
+                <a:effectLst>
+                  <a:outerShdw dist="35921" dir="2700000" algn="ctr" rotWithShape="0">
+                    <a:schemeClr val="bg2"/>
+                  </a:outerShdw>
+                </a:effectLst>
+              </a14:hiddenEffects>
+            </a:ext>
+          </a:extLst>
+        </p:spPr>
+        <p:txBody>
+          <a:bodyPr vert="horz" wrap="none" lIns="91440" tIns="45720" rIns="91440" bIns="45720" numCol="1" anchor="ctr" anchorCtr="0" compatLnSpc="1">
+            <a:prstTxWarp prst="textNoShape">
+              <a:avLst/>
+            </a:prstTxWarp>
+            <a:spAutoFit/>
+          </a:bodyPr>
+          <a:lstStyle/>
+          <a:p>
+            <a:pPr marL="0" marR="0" lvl="0" indent="0" algn="l" defTabSz="914400" rtl="0" eaLnBrk="0" fontAlgn="base" latinLnBrk="0" hangingPunct="0">
+              <a:lnSpc>
+                <a:spcPct val="100000"/>
+              </a:lnSpc>
+              <a:spcBef>
+                <a:spcPct val="0"/>
+              </a:spcBef>
+              <a:spcAft>
+                <a:spcPct val="0"/>
+              </a:spcAft>
+              <a:buClrTx/>
+              <a:buSzTx/>
+              <a:buFontTx/>
+              <a:buNone/>
+              <a:tabLst/>
+            </a:pPr>
+            <a:r>
+              <a:rPr kumimoji="0" lang="en-US" altLang="en-US" sz="1200" b="1" i="0" u="none" strike="noStrike" cap="none" normalizeH="0" baseline="0" smtClean="0">
+                <a:ln>
+                  <a:noFill/>
+                </a:ln>
+                <a:solidFill>
+                  <a:srgbClr val="000080"/>
+                </a:solidFill>
+                <a:effectLst/>
+                <a:latin typeface="Courier New" panose="02070309020205020404" pitchFamily="49" charset="0"/>
+                <a:cs typeface="Courier New" panose="02070309020205020404" pitchFamily="49" charset="0"/>
+              </a:rPr>
+              <a:t>val </a:t>
+            </a:r>
+            <a:r>
+              <a:rPr kumimoji="0" lang="en-US" altLang="en-US" sz="1200" b="0" i="0" u="none" strike="noStrike" cap="none" normalizeH="0" baseline="0" smtClean="0">
+                <a:ln>
+                  <a:noFill/>
+                </a:ln>
+                <a:solidFill>
+                  <a:srgbClr val="000000"/>
+                </a:solidFill>
+                <a:effectLst/>
+                <a:latin typeface="Courier New" panose="02070309020205020404" pitchFamily="49" charset="0"/>
+                <a:cs typeface="Courier New" panose="02070309020205020404" pitchFamily="49" charset="0"/>
+              </a:rPr>
+              <a:t>resolver = context.getContentResolver()</a:t>
+            </a:r>
+            <a:br>
+              <a:rPr kumimoji="0" lang="en-US" altLang="en-US" sz="1200" b="0" i="0" u="none" strike="noStrike" cap="none" normalizeH="0" baseline="0" smtClean="0">
+                <a:ln>
+                  <a:noFill/>
+                </a:ln>
+                <a:solidFill>
+                  <a:srgbClr val="000000"/>
+                </a:solidFill>
+                <a:effectLst/>
+                <a:latin typeface="Courier New" panose="02070309020205020404" pitchFamily="49" charset="0"/>
+                <a:cs typeface="Courier New" panose="02070309020205020404" pitchFamily="49" charset="0"/>
+              </a:rPr>
+            </a:br>
+            <a:r>
+              <a:rPr kumimoji="0" lang="en-US" altLang="en-US" sz="1200" b="0" i="1" u="none" strike="noStrike" cap="none" normalizeH="0" baseline="0" smtClean="0">
+                <a:ln>
+                  <a:noFill/>
+                </a:ln>
+                <a:solidFill>
+                  <a:srgbClr val="808080"/>
+                </a:solidFill>
+                <a:effectLst/>
+                <a:latin typeface="Courier New" panose="02070309020205020404" pitchFamily="49" charset="0"/>
+                <a:cs typeface="Courier New" panose="02070309020205020404" pitchFamily="49" charset="0"/>
+              </a:rPr>
+              <a:t>// Open a specific media item.</a:t>
+            </a:r>
+            <a:br>
+              <a:rPr kumimoji="0" lang="en-US" altLang="en-US" sz="1200" b="0" i="1" u="none" strike="noStrike" cap="none" normalizeH="0" baseline="0" smtClean="0">
+                <a:ln>
+                  <a:noFill/>
+                </a:ln>
+                <a:solidFill>
+                  <a:srgbClr val="808080"/>
+                </a:solidFill>
+                <a:effectLst/>
+                <a:latin typeface="Courier New" panose="02070309020205020404" pitchFamily="49" charset="0"/>
+                <a:cs typeface="Courier New" panose="02070309020205020404" pitchFamily="49" charset="0"/>
+              </a:rPr>
+            </a:br>
+            <a:r>
+              <a:rPr kumimoji="0" lang="en-US" altLang="en-US" sz="1200" b="0" i="0" u="none" strike="noStrike" cap="none" normalizeH="0" baseline="0" smtClean="0">
+                <a:ln>
+                  <a:noFill/>
+                </a:ln>
+                <a:solidFill>
+                  <a:srgbClr val="000000"/>
+                </a:solidFill>
+                <a:effectLst/>
+                <a:latin typeface="Courier New" panose="02070309020205020404" pitchFamily="49" charset="0"/>
+                <a:cs typeface="Courier New" panose="02070309020205020404" pitchFamily="49" charset="0"/>
+              </a:rPr>
+              <a:t>resolver.openFileDescriptor(item, mode).use { pfd -&gt;</a:t>
+            </a:r>
+            <a:br>
+              <a:rPr kumimoji="0" lang="en-US" altLang="en-US" sz="1200" b="0" i="0" u="none" strike="noStrike" cap="none" normalizeH="0" baseline="0" smtClean="0">
+                <a:ln>
+                  <a:noFill/>
+                </a:ln>
+                <a:solidFill>
+                  <a:srgbClr val="000000"/>
+                </a:solidFill>
+                <a:effectLst/>
+                <a:latin typeface="Courier New" panose="02070309020205020404" pitchFamily="49" charset="0"/>
+                <a:cs typeface="Courier New" panose="02070309020205020404" pitchFamily="49" charset="0"/>
+              </a:rPr>
+            </a:br>
+            <a:r>
+              <a:rPr kumimoji="0" lang="en-US" altLang="en-US" sz="1200" b="0" i="0" u="none" strike="noStrike" cap="none" normalizeH="0" baseline="0" smtClean="0">
+                <a:ln>
+                  <a:noFill/>
+                </a:ln>
+                <a:solidFill>
+                  <a:srgbClr val="000000"/>
+                </a:solidFill>
+                <a:effectLst/>
+                <a:latin typeface="Courier New" panose="02070309020205020404" pitchFamily="49" charset="0"/>
+                <a:cs typeface="Courier New" panose="02070309020205020404" pitchFamily="49" charset="0"/>
+              </a:rPr>
+              <a:t>    </a:t>
+            </a:r>
+            <a:r>
+              <a:rPr kumimoji="0" lang="en-US" altLang="en-US" sz="1200" b="0" i="1" u="none" strike="noStrike" cap="none" normalizeH="0" baseline="0" smtClean="0">
+                <a:ln>
+                  <a:noFill/>
+                </a:ln>
+                <a:solidFill>
+                  <a:srgbClr val="808080"/>
+                </a:solidFill>
+                <a:effectLst/>
+                <a:latin typeface="Courier New" panose="02070309020205020404" pitchFamily="49" charset="0"/>
+                <a:cs typeface="Courier New" panose="02070309020205020404" pitchFamily="49" charset="0"/>
+              </a:rPr>
+              <a:t>// ...</a:t>
+            </a:r>
+            <a:br>
+              <a:rPr kumimoji="0" lang="en-US" altLang="en-US" sz="1200" b="0" i="1" u="none" strike="noStrike" cap="none" normalizeH="0" baseline="0" smtClean="0">
+                <a:ln>
+                  <a:noFill/>
+                </a:ln>
+                <a:solidFill>
+                  <a:srgbClr val="808080"/>
+                </a:solidFill>
+                <a:effectLst/>
+                <a:latin typeface="Courier New" panose="02070309020205020404" pitchFamily="49" charset="0"/>
+                <a:cs typeface="Courier New" panose="02070309020205020404" pitchFamily="49" charset="0"/>
+              </a:rPr>
+            </a:br>
+            <a:r>
+              <a:rPr kumimoji="0" lang="en-US" altLang="en-US" sz="1200" b="0" i="0" u="none" strike="noStrike" cap="none" normalizeH="0" baseline="0" smtClean="0">
+                <a:ln>
+                  <a:noFill/>
+                </a:ln>
+                <a:solidFill>
+                  <a:srgbClr val="000000"/>
+                </a:solidFill>
+                <a:effectLst/>
+                <a:latin typeface="Courier New" panose="02070309020205020404" pitchFamily="49" charset="0"/>
+                <a:cs typeface="Courier New" panose="02070309020205020404" pitchFamily="49" charset="0"/>
+              </a:rPr>
+              <a:t>}</a:t>
+            </a:r>
+            <a:br>
+              <a:rPr kumimoji="0" lang="en-US" altLang="en-US" sz="1200" b="0" i="0" u="none" strike="noStrike" cap="none" normalizeH="0" baseline="0" smtClean="0">
+                <a:ln>
+                  <a:noFill/>
+                </a:ln>
+                <a:solidFill>
+                  <a:srgbClr val="000000"/>
+                </a:solidFill>
+                <a:effectLst/>
+                <a:latin typeface="Courier New" panose="02070309020205020404" pitchFamily="49" charset="0"/>
+                <a:cs typeface="Courier New" panose="02070309020205020404" pitchFamily="49" charset="0"/>
+              </a:rPr>
+            </a:br>
+            <a:r>
+              <a:rPr kumimoji="0" lang="en-US" altLang="en-US" sz="1200" b="0" i="1" u="none" strike="noStrike" cap="none" normalizeH="0" baseline="0" smtClean="0">
+                <a:ln>
+                  <a:noFill/>
+                </a:ln>
+                <a:solidFill>
+                  <a:srgbClr val="808080"/>
+                </a:solidFill>
+                <a:effectLst/>
+                <a:latin typeface="Courier New" panose="02070309020205020404" pitchFamily="49" charset="0"/>
+                <a:cs typeface="Courier New" panose="02070309020205020404" pitchFamily="49" charset="0"/>
+              </a:rPr>
+              <a:t>// Load thumbnail of a specific media item.</a:t>
+            </a:r>
+            <a:br>
+              <a:rPr kumimoji="0" lang="en-US" altLang="en-US" sz="1200" b="0" i="1" u="none" strike="noStrike" cap="none" normalizeH="0" baseline="0" smtClean="0">
+                <a:ln>
+                  <a:noFill/>
+                </a:ln>
+                <a:solidFill>
+                  <a:srgbClr val="808080"/>
+                </a:solidFill>
+                <a:effectLst/>
+                <a:latin typeface="Courier New" panose="02070309020205020404" pitchFamily="49" charset="0"/>
+                <a:cs typeface="Courier New" panose="02070309020205020404" pitchFamily="49" charset="0"/>
+              </a:rPr>
+            </a:br>
+            <a:r>
+              <a:rPr kumimoji="0" lang="en-US" altLang="en-US" sz="1200" b="1" i="0" u="none" strike="noStrike" cap="none" normalizeH="0" baseline="0" smtClean="0">
+                <a:ln>
+                  <a:noFill/>
+                </a:ln>
+                <a:solidFill>
+                  <a:srgbClr val="000080"/>
+                </a:solidFill>
+                <a:effectLst/>
+                <a:latin typeface="Courier New" panose="02070309020205020404" pitchFamily="49" charset="0"/>
+                <a:cs typeface="Courier New" panose="02070309020205020404" pitchFamily="49" charset="0"/>
+              </a:rPr>
+              <a:t>val </a:t>
+            </a:r>
+            <a:r>
+              <a:rPr kumimoji="0" lang="en-US" altLang="en-US" sz="1200" b="0" i="0" u="none" strike="noStrike" cap="none" normalizeH="0" baseline="0" smtClean="0">
+                <a:ln>
+                  <a:noFill/>
+                </a:ln>
+                <a:solidFill>
+                  <a:srgbClr val="000000"/>
+                </a:solidFill>
+                <a:effectLst/>
+                <a:latin typeface="Courier New" panose="02070309020205020404" pitchFamily="49" charset="0"/>
+                <a:cs typeface="Courier New" panose="02070309020205020404" pitchFamily="49" charset="0"/>
+              </a:rPr>
+              <a:t>mediaThumbnail = resolver.loadThumbnail(item, Size(</a:t>
+            </a:r>
+            <a:r>
+              <a:rPr kumimoji="0" lang="en-US" altLang="en-US" sz="1200" b="0" i="0" u="none" strike="noStrike" cap="none" normalizeH="0" baseline="0" smtClean="0">
+                <a:ln>
+                  <a:noFill/>
+                </a:ln>
+                <a:solidFill>
+                  <a:srgbClr val="0000FF"/>
+                </a:solidFill>
+                <a:effectLst/>
+                <a:latin typeface="Courier New" panose="02070309020205020404" pitchFamily="49" charset="0"/>
+                <a:cs typeface="Courier New" panose="02070309020205020404" pitchFamily="49" charset="0"/>
+              </a:rPr>
+              <a:t>640</a:t>
+            </a:r>
+            <a:r>
+              <a:rPr kumimoji="0" lang="en-US" altLang="en-US" sz="1200" b="0" i="0" u="none" strike="noStrike" cap="none" normalizeH="0" baseline="0" smtClean="0">
+                <a:ln>
+                  <a:noFill/>
+                </a:ln>
+                <a:solidFill>
+                  <a:srgbClr val="000000"/>
+                </a:solidFill>
+                <a:effectLst/>
+                <a:latin typeface="Courier New" panose="02070309020205020404" pitchFamily="49" charset="0"/>
+                <a:cs typeface="Courier New" panose="02070309020205020404" pitchFamily="49" charset="0"/>
+              </a:rPr>
+              <a:t>, </a:t>
+            </a:r>
+            <a:r>
+              <a:rPr kumimoji="0" lang="en-US" altLang="en-US" sz="1200" b="0" i="0" u="none" strike="noStrike" cap="none" normalizeH="0" baseline="0" smtClean="0">
+                <a:ln>
+                  <a:noFill/>
+                </a:ln>
+                <a:solidFill>
+                  <a:srgbClr val="0000FF"/>
+                </a:solidFill>
+                <a:effectLst/>
+                <a:latin typeface="Courier New" panose="02070309020205020404" pitchFamily="49" charset="0"/>
+                <a:cs typeface="Courier New" panose="02070309020205020404" pitchFamily="49" charset="0"/>
+              </a:rPr>
+              <a:t>480</a:t>
+            </a:r>
+            <a:r>
+              <a:rPr kumimoji="0" lang="en-US" altLang="en-US" sz="1200" b="0" i="0" u="none" strike="noStrike" cap="none" normalizeH="0" baseline="0" smtClean="0">
+                <a:ln>
+                  <a:noFill/>
+                </a:ln>
+                <a:solidFill>
+                  <a:srgbClr val="000000"/>
+                </a:solidFill>
+                <a:effectLst/>
+                <a:latin typeface="Courier New" panose="02070309020205020404" pitchFamily="49" charset="0"/>
+                <a:cs typeface="Courier New" panose="02070309020205020404" pitchFamily="49" charset="0"/>
+              </a:rPr>
+              <a:t>), </a:t>
+            </a:r>
+            <a:r>
+              <a:rPr kumimoji="0" lang="en-US" altLang="en-US" sz="1200" b="1" i="0" u="none" strike="noStrike" cap="none" normalizeH="0" baseline="0" smtClean="0">
+                <a:ln>
+                  <a:noFill/>
+                </a:ln>
+                <a:solidFill>
+                  <a:srgbClr val="000080"/>
+                </a:solidFill>
+                <a:effectLst/>
+                <a:latin typeface="Courier New" panose="02070309020205020404" pitchFamily="49" charset="0"/>
+                <a:cs typeface="Courier New" panose="02070309020205020404" pitchFamily="49" charset="0"/>
+              </a:rPr>
+              <a:t>null</a:t>
+            </a:r>
+            <a:r>
+              <a:rPr kumimoji="0" lang="en-US" altLang="en-US" sz="1200" b="0" i="0" u="none" strike="noStrike" cap="none" normalizeH="0" baseline="0" smtClean="0">
+                <a:ln>
+                  <a:noFill/>
+                </a:ln>
+                <a:solidFill>
+                  <a:srgbClr val="000000"/>
+                </a:solidFill>
+                <a:effectLst/>
+                <a:latin typeface="Courier New" panose="02070309020205020404" pitchFamily="49" charset="0"/>
+                <a:cs typeface="Courier New" panose="02070309020205020404" pitchFamily="49" charset="0"/>
+              </a:rPr>
+              <a:t>)</a:t>
+            </a:r>
+            <a:br>
+              <a:rPr kumimoji="0" lang="en-US" altLang="en-US" sz="1200" b="0" i="0" u="none" strike="noStrike" cap="none" normalizeH="0" baseline="0" smtClean="0">
+                <a:ln>
+                  <a:noFill/>
+                </a:ln>
+                <a:solidFill>
+                  <a:srgbClr val="000000"/>
+                </a:solidFill>
+                <a:effectLst/>
+                <a:latin typeface="Courier New" panose="02070309020205020404" pitchFamily="49" charset="0"/>
+                <a:cs typeface="Courier New" panose="02070309020205020404" pitchFamily="49" charset="0"/>
+              </a:rPr>
+            </a:br>
+            <a:r>
+              <a:rPr kumimoji="0" lang="en-US" altLang="en-US" sz="1200" b="0" i="1" u="none" strike="noStrike" cap="none" normalizeH="0" baseline="0" smtClean="0">
+                <a:ln>
+                  <a:noFill/>
+                </a:ln>
+                <a:solidFill>
+                  <a:srgbClr val="808080"/>
+                </a:solidFill>
+                <a:effectLst/>
+                <a:latin typeface="Courier New" panose="02070309020205020404" pitchFamily="49" charset="0"/>
+                <a:cs typeface="Courier New" panose="02070309020205020404" pitchFamily="49" charset="0"/>
+              </a:rPr>
+              <a:t>// Find all videos on a given storage device, including pending files.</a:t>
+            </a:r>
+            <a:br>
+              <a:rPr kumimoji="0" lang="en-US" altLang="en-US" sz="1200" b="0" i="1" u="none" strike="noStrike" cap="none" normalizeH="0" baseline="0" smtClean="0">
+                <a:ln>
+                  <a:noFill/>
+                </a:ln>
+                <a:solidFill>
+                  <a:srgbClr val="808080"/>
+                </a:solidFill>
+                <a:effectLst/>
+                <a:latin typeface="Courier New" panose="02070309020205020404" pitchFamily="49" charset="0"/>
+                <a:cs typeface="Courier New" panose="02070309020205020404" pitchFamily="49" charset="0"/>
+              </a:rPr>
+            </a:br>
+            <a:r>
+              <a:rPr kumimoji="0" lang="en-US" altLang="en-US" sz="1200" b="1" i="0" u="none" strike="noStrike" cap="none" normalizeH="0" baseline="0" smtClean="0">
+                <a:ln>
+                  <a:noFill/>
+                </a:ln>
+                <a:solidFill>
+                  <a:srgbClr val="000080"/>
+                </a:solidFill>
+                <a:effectLst/>
+                <a:latin typeface="Courier New" panose="02070309020205020404" pitchFamily="49" charset="0"/>
+                <a:cs typeface="Courier New" panose="02070309020205020404" pitchFamily="49" charset="0"/>
+              </a:rPr>
+              <a:t>val </a:t>
+            </a:r>
+            <a:r>
+              <a:rPr kumimoji="0" lang="en-US" altLang="en-US" sz="1200" b="0" i="0" u="none" strike="noStrike" cap="none" normalizeH="0" baseline="0" smtClean="0">
+                <a:ln>
+                  <a:noFill/>
+                </a:ln>
+                <a:solidFill>
+                  <a:srgbClr val="000000"/>
+                </a:solidFill>
+                <a:effectLst/>
+                <a:latin typeface="Courier New" panose="02070309020205020404" pitchFamily="49" charset="0"/>
+                <a:cs typeface="Courier New" panose="02070309020205020404" pitchFamily="49" charset="0"/>
+              </a:rPr>
+              <a:t>collection = MediaStore.Video.Media.getContentUri(volumeName)</a:t>
+            </a:r>
+            <a:br>
+              <a:rPr kumimoji="0" lang="en-US" altLang="en-US" sz="1200" b="0" i="0" u="none" strike="noStrike" cap="none" normalizeH="0" baseline="0" smtClean="0">
+                <a:ln>
+                  <a:noFill/>
+                </a:ln>
+                <a:solidFill>
+                  <a:srgbClr val="000000"/>
+                </a:solidFill>
+                <a:effectLst/>
+                <a:latin typeface="Courier New" panose="02070309020205020404" pitchFamily="49" charset="0"/>
+                <a:cs typeface="Courier New" panose="02070309020205020404" pitchFamily="49" charset="0"/>
+              </a:rPr>
+            </a:br>
+            <a:r>
+              <a:rPr kumimoji="0" lang="en-US" altLang="en-US" sz="1200" b="1" i="0" u="none" strike="noStrike" cap="none" normalizeH="0" baseline="0" smtClean="0">
+                <a:ln>
+                  <a:noFill/>
+                </a:ln>
+                <a:solidFill>
+                  <a:srgbClr val="000080"/>
+                </a:solidFill>
+                <a:effectLst/>
+                <a:latin typeface="Courier New" panose="02070309020205020404" pitchFamily="49" charset="0"/>
+                <a:cs typeface="Courier New" panose="02070309020205020404" pitchFamily="49" charset="0"/>
+              </a:rPr>
+              <a:t>val </a:t>
+            </a:r>
+            <a:r>
+              <a:rPr kumimoji="0" lang="en-US" altLang="en-US" sz="1200" b="0" i="0" u="none" strike="noStrike" cap="none" normalizeH="0" baseline="0" smtClean="0">
+                <a:ln>
+                  <a:noFill/>
+                </a:ln>
+                <a:solidFill>
+                  <a:srgbClr val="000000"/>
+                </a:solidFill>
+                <a:effectLst/>
+                <a:latin typeface="Courier New" panose="02070309020205020404" pitchFamily="49" charset="0"/>
+                <a:cs typeface="Courier New" panose="02070309020205020404" pitchFamily="49" charset="0"/>
+              </a:rPr>
+              <a:t>collectionWithPending = MediaStore.setIncludePending(collection)</a:t>
+            </a:r>
+            <a:br>
+              <a:rPr kumimoji="0" lang="en-US" altLang="en-US" sz="1200" b="0" i="0" u="none" strike="noStrike" cap="none" normalizeH="0" baseline="0" smtClean="0">
+                <a:ln>
+                  <a:noFill/>
+                </a:ln>
+                <a:solidFill>
+                  <a:srgbClr val="000000"/>
+                </a:solidFill>
+                <a:effectLst/>
+                <a:latin typeface="Courier New" panose="02070309020205020404" pitchFamily="49" charset="0"/>
+                <a:cs typeface="Courier New" panose="02070309020205020404" pitchFamily="49" charset="0"/>
+              </a:rPr>
+            </a:br>
+            <a:r>
+              <a:rPr kumimoji="0" lang="en-US" altLang="en-US" sz="1200" b="0" i="0" u="none" strike="noStrike" cap="none" normalizeH="0" baseline="0" smtClean="0">
+                <a:ln>
+                  <a:noFill/>
+                </a:ln>
+                <a:solidFill>
+                  <a:srgbClr val="000000"/>
+                </a:solidFill>
+                <a:effectLst/>
+                <a:latin typeface="Courier New" panose="02070309020205020404" pitchFamily="49" charset="0"/>
+                <a:cs typeface="Courier New" panose="02070309020205020404" pitchFamily="49" charset="0"/>
+              </a:rPr>
+              <a:t>resolver.query(collectionWithPending, </a:t>
+            </a:r>
+            <a:r>
+              <a:rPr kumimoji="0" lang="en-US" altLang="en-US" sz="1200" b="1" i="0" u="none" strike="noStrike" cap="none" normalizeH="0" baseline="0" smtClean="0">
+                <a:ln>
+                  <a:noFill/>
+                </a:ln>
+                <a:solidFill>
+                  <a:srgbClr val="000080"/>
+                </a:solidFill>
+                <a:effectLst/>
+                <a:latin typeface="Courier New" panose="02070309020205020404" pitchFamily="49" charset="0"/>
+                <a:cs typeface="Courier New" panose="02070309020205020404" pitchFamily="49" charset="0"/>
+              </a:rPr>
+              <a:t>null</a:t>
+            </a:r>
+            <a:r>
+              <a:rPr kumimoji="0" lang="en-US" altLang="en-US" sz="1200" b="0" i="0" u="none" strike="noStrike" cap="none" normalizeH="0" baseline="0" smtClean="0">
+                <a:ln>
+                  <a:noFill/>
+                </a:ln>
+                <a:solidFill>
+                  <a:srgbClr val="000000"/>
+                </a:solidFill>
+                <a:effectLst/>
+                <a:latin typeface="Courier New" panose="02070309020205020404" pitchFamily="49" charset="0"/>
+                <a:cs typeface="Courier New" panose="02070309020205020404" pitchFamily="49" charset="0"/>
+              </a:rPr>
+              <a:t>, </a:t>
+            </a:r>
+            <a:r>
+              <a:rPr kumimoji="0" lang="en-US" altLang="en-US" sz="1200" b="1" i="0" u="none" strike="noStrike" cap="none" normalizeH="0" baseline="0" smtClean="0">
+                <a:ln>
+                  <a:noFill/>
+                </a:ln>
+                <a:solidFill>
+                  <a:srgbClr val="000080"/>
+                </a:solidFill>
+                <a:effectLst/>
+                <a:latin typeface="Courier New" panose="02070309020205020404" pitchFamily="49" charset="0"/>
+                <a:cs typeface="Courier New" panose="02070309020205020404" pitchFamily="49" charset="0"/>
+              </a:rPr>
+              <a:t>null</a:t>
+            </a:r>
+            <a:r>
+              <a:rPr kumimoji="0" lang="en-US" altLang="en-US" sz="1200" b="0" i="0" u="none" strike="noStrike" cap="none" normalizeH="0" baseline="0" smtClean="0">
+                <a:ln>
+                  <a:noFill/>
+                </a:ln>
+                <a:solidFill>
+                  <a:srgbClr val="000000"/>
+                </a:solidFill>
+                <a:effectLst/>
+                <a:latin typeface="Courier New" panose="02070309020205020404" pitchFamily="49" charset="0"/>
+                <a:cs typeface="Courier New" panose="02070309020205020404" pitchFamily="49" charset="0"/>
+              </a:rPr>
+              <a:t>, </a:t>
+            </a:r>
+            <a:r>
+              <a:rPr kumimoji="0" lang="en-US" altLang="en-US" sz="1200" b="1" i="0" u="none" strike="noStrike" cap="none" normalizeH="0" baseline="0" smtClean="0">
+                <a:ln>
+                  <a:noFill/>
+                </a:ln>
+                <a:solidFill>
+                  <a:srgbClr val="000080"/>
+                </a:solidFill>
+                <a:effectLst/>
+                <a:latin typeface="Courier New" panose="02070309020205020404" pitchFamily="49" charset="0"/>
+                <a:cs typeface="Courier New" panose="02070309020205020404" pitchFamily="49" charset="0"/>
+              </a:rPr>
+              <a:t>null</a:t>
+            </a:r>
+            <a:r>
+              <a:rPr kumimoji="0" lang="en-US" altLang="en-US" sz="1200" b="0" i="0" u="none" strike="noStrike" cap="none" normalizeH="0" baseline="0" smtClean="0">
+                <a:ln>
+                  <a:noFill/>
+                </a:ln>
+                <a:solidFill>
+                  <a:srgbClr val="000000"/>
+                </a:solidFill>
+                <a:effectLst/>
+                <a:latin typeface="Courier New" panose="02070309020205020404" pitchFamily="49" charset="0"/>
+                <a:cs typeface="Courier New" panose="02070309020205020404" pitchFamily="49" charset="0"/>
+              </a:rPr>
+              <a:t>).use { c -&gt;</a:t>
+            </a:r>
+            <a:br>
+              <a:rPr kumimoji="0" lang="en-US" altLang="en-US" sz="1200" b="0" i="0" u="none" strike="noStrike" cap="none" normalizeH="0" baseline="0" smtClean="0">
+                <a:ln>
+                  <a:noFill/>
+                </a:ln>
+                <a:solidFill>
+                  <a:srgbClr val="000000"/>
+                </a:solidFill>
+                <a:effectLst/>
+                <a:latin typeface="Courier New" panose="02070309020205020404" pitchFamily="49" charset="0"/>
+                <a:cs typeface="Courier New" panose="02070309020205020404" pitchFamily="49" charset="0"/>
+              </a:rPr>
+            </a:br>
+            <a:r>
+              <a:rPr kumimoji="0" lang="en-US" altLang="en-US" sz="1200" b="0" i="0" u="none" strike="noStrike" cap="none" normalizeH="0" baseline="0" smtClean="0">
+                <a:ln>
+                  <a:noFill/>
+                </a:ln>
+                <a:solidFill>
+                  <a:srgbClr val="000000"/>
+                </a:solidFill>
+                <a:effectLst/>
+                <a:latin typeface="Courier New" panose="02070309020205020404" pitchFamily="49" charset="0"/>
+                <a:cs typeface="Courier New" panose="02070309020205020404" pitchFamily="49" charset="0"/>
+              </a:rPr>
+              <a:t>    </a:t>
+            </a:r>
+            <a:r>
+              <a:rPr kumimoji="0" lang="en-US" altLang="en-US" sz="1200" b="0" i="1" u="none" strike="noStrike" cap="none" normalizeH="0" baseline="0" smtClean="0">
+                <a:ln>
+                  <a:noFill/>
+                </a:ln>
+                <a:solidFill>
+                  <a:srgbClr val="808080"/>
+                </a:solidFill>
+                <a:effectLst/>
+                <a:latin typeface="Courier New" panose="02070309020205020404" pitchFamily="49" charset="0"/>
+                <a:cs typeface="Courier New" panose="02070309020205020404" pitchFamily="49" charset="0"/>
+              </a:rPr>
+              <a:t>// ...</a:t>
+            </a:r>
+            <a:br>
+              <a:rPr kumimoji="0" lang="en-US" altLang="en-US" sz="1200" b="0" i="1" u="none" strike="noStrike" cap="none" normalizeH="0" baseline="0" smtClean="0">
+                <a:ln>
+                  <a:noFill/>
+                </a:ln>
+                <a:solidFill>
+                  <a:srgbClr val="808080"/>
+                </a:solidFill>
+                <a:effectLst/>
+                <a:latin typeface="Courier New" panose="02070309020205020404" pitchFamily="49" charset="0"/>
+                <a:cs typeface="Courier New" panose="02070309020205020404" pitchFamily="49" charset="0"/>
+              </a:rPr>
+            </a:br>
+            <a:r>
+              <a:rPr kumimoji="0" lang="en-US" altLang="en-US" sz="1200" b="0" i="0" u="none" strike="noStrike" cap="none" normalizeH="0" baseline="0" smtClean="0">
+                <a:ln>
+                  <a:noFill/>
+                </a:ln>
+                <a:solidFill>
+                  <a:srgbClr val="000000"/>
+                </a:solidFill>
+                <a:effectLst/>
+                <a:latin typeface="Courier New" panose="02070309020205020404" pitchFamily="49" charset="0"/>
+                <a:cs typeface="Courier New" panose="02070309020205020404" pitchFamily="49" charset="0"/>
+              </a:rPr>
+              <a:t>}</a:t>
+            </a:r>
+            <a:br>
+              <a:rPr kumimoji="0" lang="en-US" altLang="en-US" sz="1200" b="0" i="0" u="none" strike="noStrike" cap="none" normalizeH="0" baseline="0" smtClean="0">
+                <a:ln>
+                  <a:noFill/>
+                </a:ln>
+                <a:solidFill>
+                  <a:srgbClr val="000000"/>
+                </a:solidFill>
+                <a:effectLst/>
+                <a:latin typeface="Courier New" panose="02070309020205020404" pitchFamily="49" charset="0"/>
+                <a:cs typeface="Courier New" panose="02070309020205020404" pitchFamily="49" charset="0"/>
+              </a:rPr>
+            </a:br>
+            <a:r>
+              <a:rPr kumimoji="0" lang="en-US" altLang="en-US" sz="1200" b="0" i="1" u="none" strike="noStrike" cap="none" normalizeH="0" baseline="0" smtClean="0">
+                <a:ln>
+                  <a:noFill/>
+                </a:ln>
+                <a:solidFill>
+                  <a:srgbClr val="808080"/>
+                </a:solidFill>
+                <a:effectLst/>
+                <a:latin typeface="Courier New" panose="02070309020205020404" pitchFamily="49" charset="0"/>
+                <a:cs typeface="Courier New" panose="02070309020205020404" pitchFamily="49" charset="0"/>
+              </a:rPr>
+              <a:t>// Publish a video onto an external storage device.</a:t>
+            </a:r>
+            <a:br>
+              <a:rPr kumimoji="0" lang="en-US" altLang="en-US" sz="1200" b="0" i="1" u="none" strike="noStrike" cap="none" normalizeH="0" baseline="0" smtClean="0">
+                <a:ln>
+                  <a:noFill/>
+                </a:ln>
+                <a:solidFill>
+                  <a:srgbClr val="808080"/>
+                </a:solidFill>
+                <a:effectLst/>
+                <a:latin typeface="Courier New" panose="02070309020205020404" pitchFamily="49" charset="0"/>
+                <a:cs typeface="Courier New" panose="02070309020205020404" pitchFamily="49" charset="0"/>
+              </a:rPr>
+            </a:br>
+            <a:r>
+              <a:rPr kumimoji="0" lang="en-US" altLang="en-US" sz="1200" b="1" i="0" u="none" strike="noStrike" cap="none" normalizeH="0" baseline="0" smtClean="0">
+                <a:ln>
+                  <a:noFill/>
+                </a:ln>
+                <a:solidFill>
+                  <a:srgbClr val="000080"/>
+                </a:solidFill>
+                <a:effectLst/>
+                <a:latin typeface="Courier New" panose="02070309020205020404" pitchFamily="49" charset="0"/>
+                <a:cs typeface="Courier New" panose="02070309020205020404" pitchFamily="49" charset="0"/>
+              </a:rPr>
+              <a:t>val </a:t>
+            </a:r>
+            <a:r>
+              <a:rPr kumimoji="0" lang="en-US" altLang="en-US" sz="1200" b="0" i="0" u="none" strike="noStrike" cap="none" normalizeH="0" baseline="0" smtClean="0">
+                <a:ln>
+                  <a:noFill/>
+                </a:ln>
+                <a:solidFill>
+                  <a:srgbClr val="000000"/>
+                </a:solidFill>
+                <a:effectLst/>
+                <a:latin typeface="Courier New" panose="02070309020205020404" pitchFamily="49" charset="0"/>
+                <a:cs typeface="Courier New" panose="02070309020205020404" pitchFamily="49" charset="0"/>
+              </a:rPr>
+              <a:t>values = ContentValues().apply {</a:t>
+            </a:r>
+            <a:br>
+              <a:rPr kumimoji="0" lang="en-US" altLang="en-US" sz="1200" b="0" i="0" u="none" strike="noStrike" cap="none" normalizeH="0" baseline="0" smtClean="0">
+                <a:ln>
+                  <a:noFill/>
+                </a:ln>
+                <a:solidFill>
+                  <a:srgbClr val="000000"/>
+                </a:solidFill>
+                <a:effectLst/>
+                <a:latin typeface="Courier New" panose="02070309020205020404" pitchFamily="49" charset="0"/>
+                <a:cs typeface="Courier New" panose="02070309020205020404" pitchFamily="49" charset="0"/>
+              </a:rPr>
+            </a:br>
+            <a:r>
+              <a:rPr kumimoji="0" lang="en-US" altLang="en-US" sz="1200" b="0" i="0" u="none" strike="noStrike" cap="none" normalizeH="0" baseline="0" smtClean="0">
+                <a:ln>
+                  <a:noFill/>
+                </a:ln>
+                <a:solidFill>
+                  <a:srgbClr val="000000"/>
+                </a:solidFill>
+                <a:effectLst/>
+                <a:latin typeface="Courier New" panose="02070309020205020404" pitchFamily="49" charset="0"/>
+                <a:cs typeface="Courier New" panose="02070309020205020404" pitchFamily="49" charset="0"/>
+              </a:rPr>
+              <a:t>    put(MediaStore.Audio.Media.RELATIVE_PATH, </a:t>
+            </a:r>
+            <a:r>
+              <a:rPr kumimoji="0" lang="en-US" altLang="en-US" sz="1200" b="1" i="0" u="none" strike="noStrike" cap="none" normalizeH="0" baseline="0" smtClean="0">
+                <a:ln>
+                  <a:noFill/>
+                </a:ln>
+                <a:solidFill>
+                  <a:srgbClr val="008000"/>
+                </a:solidFill>
+                <a:effectLst/>
+                <a:latin typeface="Courier New" panose="02070309020205020404" pitchFamily="49" charset="0"/>
+                <a:cs typeface="Courier New" panose="02070309020205020404" pitchFamily="49" charset="0"/>
+              </a:rPr>
+              <a:t>"Video/My Videos"</a:t>
+            </a:r>
+            <a:r>
+              <a:rPr kumimoji="0" lang="en-US" altLang="en-US" sz="1200" b="0" i="0" u="none" strike="noStrike" cap="none" normalizeH="0" baseline="0" smtClean="0">
+                <a:ln>
+                  <a:noFill/>
+                </a:ln>
+                <a:solidFill>
+                  <a:srgbClr val="000000"/>
+                </a:solidFill>
+                <a:effectLst/>
+                <a:latin typeface="Courier New" panose="02070309020205020404" pitchFamily="49" charset="0"/>
+                <a:cs typeface="Courier New" panose="02070309020205020404" pitchFamily="49" charset="0"/>
+              </a:rPr>
+              <a:t>)</a:t>
+            </a:r>
+            <a:br>
+              <a:rPr kumimoji="0" lang="en-US" altLang="en-US" sz="1200" b="0" i="0" u="none" strike="noStrike" cap="none" normalizeH="0" baseline="0" smtClean="0">
+                <a:ln>
+                  <a:noFill/>
+                </a:ln>
+                <a:solidFill>
+                  <a:srgbClr val="000000"/>
+                </a:solidFill>
+                <a:effectLst/>
+                <a:latin typeface="Courier New" panose="02070309020205020404" pitchFamily="49" charset="0"/>
+                <a:cs typeface="Courier New" panose="02070309020205020404" pitchFamily="49" charset="0"/>
+              </a:rPr>
+            </a:br>
+            <a:r>
+              <a:rPr kumimoji="0" lang="en-US" altLang="en-US" sz="1200" b="0" i="0" u="none" strike="noStrike" cap="none" normalizeH="0" baseline="0" smtClean="0">
+                <a:ln>
+                  <a:noFill/>
+                </a:ln>
+                <a:solidFill>
+                  <a:srgbClr val="000000"/>
+                </a:solidFill>
+                <a:effectLst/>
+                <a:latin typeface="Courier New" panose="02070309020205020404" pitchFamily="49" charset="0"/>
+                <a:cs typeface="Courier New" panose="02070309020205020404" pitchFamily="49" charset="0"/>
+              </a:rPr>
+              <a:t>    put(MediaStore.Audio.Media.DISPLAY_NAME, </a:t>
+            </a:r>
+            <a:r>
+              <a:rPr kumimoji="0" lang="en-US" altLang="en-US" sz="1200" b="1" i="0" u="none" strike="noStrike" cap="none" normalizeH="0" baseline="0" smtClean="0">
+                <a:ln>
+                  <a:noFill/>
+                </a:ln>
+                <a:solidFill>
+                  <a:srgbClr val="008000"/>
+                </a:solidFill>
+                <a:effectLst/>
+                <a:latin typeface="Courier New" panose="02070309020205020404" pitchFamily="49" charset="0"/>
+                <a:cs typeface="Courier New" panose="02070309020205020404" pitchFamily="49" charset="0"/>
+              </a:rPr>
+              <a:t>"My Video.mp4"</a:t>
+            </a:r>
+            <a:r>
+              <a:rPr kumimoji="0" lang="en-US" altLang="en-US" sz="1200" b="0" i="0" u="none" strike="noStrike" cap="none" normalizeH="0" baseline="0" smtClean="0">
+                <a:ln>
+                  <a:noFill/>
+                </a:ln>
+                <a:solidFill>
+                  <a:srgbClr val="000000"/>
+                </a:solidFill>
+                <a:effectLst/>
+                <a:latin typeface="Courier New" panose="02070309020205020404" pitchFamily="49" charset="0"/>
+                <a:cs typeface="Courier New" panose="02070309020205020404" pitchFamily="49" charset="0"/>
+              </a:rPr>
+              <a:t>)</a:t>
+            </a:r>
+            <a:br>
+              <a:rPr kumimoji="0" lang="en-US" altLang="en-US" sz="1200" b="0" i="0" u="none" strike="noStrike" cap="none" normalizeH="0" baseline="0" smtClean="0">
+                <a:ln>
+                  <a:noFill/>
+                </a:ln>
+                <a:solidFill>
+                  <a:srgbClr val="000000"/>
+                </a:solidFill>
+                <a:effectLst/>
+                <a:latin typeface="Courier New" panose="02070309020205020404" pitchFamily="49" charset="0"/>
+                <a:cs typeface="Courier New" panose="02070309020205020404" pitchFamily="49" charset="0"/>
+              </a:rPr>
+            </a:br>
+            <a:r>
+              <a:rPr kumimoji="0" lang="en-US" altLang="en-US" sz="1200" b="0" i="0" u="none" strike="noStrike" cap="none" normalizeH="0" baseline="0" smtClean="0">
+                <a:ln>
+                  <a:noFill/>
+                </a:ln>
+                <a:solidFill>
+                  <a:srgbClr val="000000"/>
+                </a:solidFill>
+                <a:effectLst/>
+                <a:latin typeface="Courier New" panose="02070309020205020404" pitchFamily="49" charset="0"/>
+                <a:cs typeface="Courier New" panose="02070309020205020404" pitchFamily="49" charset="0"/>
+              </a:rPr>
+              <a:t>}</a:t>
+            </a:r>
+            <a:br>
+              <a:rPr kumimoji="0" lang="en-US" altLang="en-US" sz="1200" b="0" i="0" u="none" strike="noStrike" cap="none" normalizeH="0" baseline="0" smtClean="0">
+                <a:ln>
+                  <a:noFill/>
+                </a:ln>
+                <a:solidFill>
+                  <a:srgbClr val="000000"/>
+                </a:solidFill>
+                <a:effectLst/>
+                <a:latin typeface="Courier New" panose="02070309020205020404" pitchFamily="49" charset="0"/>
+                <a:cs typeface="Courier New" panose="02070309020205020404" pitchFamily="49" charset="0"/>
+              </a:rPr>
+            </a:br>
+            <a:r>
+              <a:rPr kumimoji="0" lang="en-US" altLang="en-US" sz="1200" b="1" i="0" u="none" strike="noStrike" cap="none" normalizeH="0" baseline="0" smtClean="0">
+                <a:ln>
+                  <a:noFill/>
+                </a:ln>
+                <a:solidFill>
+                  <a:srgbClr val="000080"/>
+                </a:solidFill>
+                <a:effectLst/>
+                <a:latin typeface="Courier New" panose="02070309020205020404" pitchFamily="49" charset="0"/>
+                <a:cs typeface="Courier New" panose="02070309020205020404" pitchFamily="49" charset="0"/>
+              </a:rPr>
+              <a:t>val </a:t>
+            </a:r>
+            <a:r>
+              <a:rPr kumimoji="0" lang="en-US" altLang="en-US" sz="1200" b="0" i="0" u="none" strike="noStrike" cap="none" normalizeH="0" baseline="0" smtClean="0">
+                <a:ln>
+                  <a:noFill/>
+                </a:ln>
+                <a:solidFill>
+                  <a:srgbClr val="000000"/>
+                </a:solidFill>
+                <a:effectLst/>
+                <a:latin typeface="Courier New" panose="02070309020205020404" pitchFamily="49" charset="0"/>
+                <a:cs typeface="Courier New" panose="02070309020205020404" pitchFamily="49" charset="0"/>
+              </a:rPr>
+              <a:t>item = resolver.insert(collection, values)</a:t>
+            </a:r>
+            <a:endParaRPr kumimoji="0" lang="en-US" altLang="en-US" sz="1200" b="0" i="0" u="none" strike="noStrike" cap="none" normalizeH="0" baseline="0" smtClean="0">
+              <a:ln>
+                <a:noFill/>
+              </a:ln>
+              <a:solidFill>
+                <a:schemeClr val="tx1"/>
+              </a:solidFill>
+              <a:effectLst/>
+              <a:latin typeface="Arial" panose="020B0604020202020204" pitchFamily="34" charset="0"/>
+            </a:endParaRPr>
+          </a:p>
+        </p:txBody>
+      </p:sp>
+      <p:sp>
+        <p:nvSpPr>
+          <p:cNvPr id="7" name="TextBox 6"/>
+          <p:cNvSpPr txBox="1"/>
+          <p:nvPr/>
+        </p:nvSpPr>
+        <p:spPr>
+          <a:xfrm>
+            <a:off x="5638800" y="263236"/>
+            <a:ext cx="5306291" cy="646331"/>
+          </a:xfrm>
+          <a:prstGeom prst="rect">
+            <a:avLst/>
+          </a:prstGeom>
+          <a:noFill/>
+        </p:spPr>
+        <p:txBody>
+          <a:bodyPr wrap="square" rtlCol="0">
+            <a:spAutoFit/>
+          </a:bodyPr>
+          <a:lstStyle/>
+          <a:p>
+            <a:r>
+              <a:rPr lang="en-CA" dirty="0" smtClean="0"/>
+              <a:t>Snippet showing how to access media files</a:t>
+            </a:r>
+          </a:p>
+          <a:p>
+            <a:r>
+              <a:rPr lang="en-CA" dirty="0" smtClean="0"/>
+              <a:t>(</a:t>
+            </a:r>
+            <a:r>
+              <a:rPr lang="en-CA" dirty="0" err="1" smtClean="0"/>
+              <a:t>kotlin</a:t>
+            </a:r>
+            <a:r>
+              <a:rPr lang="en-CA" dirty="0" smtClean="0"/>
+              <a:t>)</a:t>
+            </a:r>
+            <a:endParaRPr lang="en-CA" dirty="0"/>
           </a:p>
         </p:txBody>
       </p:sp>
@@ -14040,6 +14998,10 @@
           <a:bodyPr/>
           <a:lstStyle/>
           <a:p>
+            <a:r>
+              <a:rPr lang="en-CA" dirty="0" smtClean="0"/>
+              <a:t>Access from native code</a:t>
+            </a:r>
             <a:endParaRPr lang="en-CA" dirty="0"/>
           </a:p>
         </p:txBody>
@@ -14057,14 +15019,38 @@
         <p:spPr>
           <a:xfrm>
             <a:off x="0" y="869660"/>
-            <a:ext cx="12192000" cy="5619007"/>
+            <a:ext cx="12192000" cy="2677103"/>
           </a:xfrm>
         </p:spPr>
         <p:txBody>
           <a:bodyPr/>
           <a:lstStyle/>
           <a:p>
-            <a:endParaRPr lang="en-CA"/>
+            <a:r>
+              <a:rPr lang="en-CA" dirty="0" smtClean="0"/>
+              <a:t>You may encounter situations where you need to work with a particular media file in native code</a:t>
+            </a:r>
+          </a:p>
+          <a:p>
+            <a:pPr lvl="1"/>
+            <a:r>
+              <a:rPr lang="en-CA" dirty="0" smtClean="0"/>
+              <a:t>Example: a file that another app has shared with your app, </a:t>
+            </a:r>
+          </a:p>
+          <a:p>
+            <a:pPr lvl="1"/>
+            <a:r>
+              <a:rPr lang="en-CA" dirty="0" smtClean="0"/>
+              <a:t>Example: a media file from the user’s media collection</a:t>
+            </a:r>
+          </a:p>
+          <a:p>
+            <a:r>
+              <a:rPr lang="en-CA" dirty="0" smtClean="0"/>
+              <a:t>In these cases, begin media file discovery in java based code, and then pass the file’s associated file descriptor to native code</a:t>
+            </a:r>
+            <a:endParaRPr lang="en-CA" dirty="0"/>
           </a:p>
         </p:txBody>
       </p:sp>
@@ -14096,6 +15082,431 @@
               <a:t>https://developer.android.com/training/data-storage/files/media</a:t>
             </a:r>
             <a:endParaRPr lang="en-CA"/>
+          </a:p>
+        </p:txBody>
+      </p:sp>
+      <p:sp>
+        <p:nvSpPr>
+          <p:cNvPr id="7" name="Rectangle 3"/>
+          <p:cNvSpPr>
+            <a:spLocks noChangeArrowheads="1"/>
+          </p:cNvSpPr>
+          <p:nvPr/>
+        </p:nvSpPr>
+        <p:spPr bwMode="auto">
+          <a:xfrm>
+            <a:off x="879629" y="3854211"/>
+            <a:ext cx="9635971" cy="2031325"/>
+          </a:xfrm>
+          <a:prstGeom prst="rect">
+            <a:avLst/>
+          </a:prstGeom>
+          <a:solidFill>
+            <a:srgbClr val="FFFFFF"/>
+          </a:solidFill>
+          <a:ln>
+            <a:noFill/>
+          </a:ln>
+          <a:effectLst/>
+          <a:extLst>
+            <a:ext uri="{91240B29-F687-4F45-9708-019B960494DF}">
+              <a14:hiddenLine xmlns:a14="http://schemas.microsoft.com/office/drawing/2010/main" w="9525">
+                <a:solidFill>
+                  <a:schemeClr val="tx1"/>
+                </a:solidFill>
+                <a:miter lim="800000"/>
+                <a:headEnd/>
+                <a:tailEnd/>
+              </a14:hiddenLine>
+            </a:ext>
+            <a:ext uri="{AF507438-7753-43E0-B8FC-AC1667EBCBE1}">
+              <a14:hiddenEffects xmlns:a14="http://schemas.microsoft.com/office/drawing/2010/main">
+                <a:effectLst>
+                  <a:outerShdw dist="35921" dir="2700000" algn="ctr" rotWithShape="0">
+                    <a:schemeClr val="bg2"/>
+                  </a:outerShdw>
+                </a:effectLst>
+              </a14:hiddenEffects>
+            </a:ext>
+          </a:extLst>
+        </p:spPr>
+        <p:txBody>
+          <a:bodyPr vert="horz" wrap="none" lIns="91440" tIns="45720" rIns="91440" bIns="45720" numCol="1" anchor="ctr" anchorCtr="0" compatLnSpc="1">
+            <a:prstTxWarp prst="textNoShape">
+              <a:avLst/>
+            </a:prstTxWarp>
+            <a:spAutoFit/>
+          </a:bodyPr>
+          <a:lstStyle/>
+          <a:p>
+            <a:pPr marL="0" marR="0" lvl="0" indent="0" algn="l" defTabSz="914400" rtl="0" eaLnBrk="0" fontAlgn="base" latinLnBrk="0" hangingPunct="0">
+              <a:lnSpc>
+                <a:spcPct val="100000"/>
+              </a:lnSpc>
+              <a:spcBef>
+                <a:spcPct val="0"/>
+              </a:spcBef>
+              <a:spcAft>
+                <a:spcPct val="0"/>
+              </a:spcAft>
+              <a:buClrTx/>
+              <a:buSzTx/>
+              <a:buFontTx/>
+              <a:buNone/>
+              <a:tabLst/>
+            </a:pPr>
+            <a:r>
+              <a:rPr kumimoji="0" lang="en-US" altLang="en-US" sz="1400" b="0" i="0" u="none" strike="noStrike" cap="none" normalizeH="0" baseline="0" smtClean="0">
+                <a:ln>
+                  <a:noFill/>
+                </a:ln>
+                <a:solidFill>
+                  <a:srgbClr val="000000"/>
+                </a:solidFill>
+                <a:effectLst/>
+                <a:latin typeface="Courier New" panose="02070309020205020404" pitchFamily="49" charset="0"/>
+                <a:cs typeface="Courier New" panose="02070309020205020404" pitchFamily="49" charset="0"/>
+              </a:rPr>
+              <a:t>Uri contentUri = ContentUris.withAppendedId(MediaStore.Audio.Media.EXTERNAL_CONTENT_URI,</a:t>
+            </a:r>
+            <a:br>
+              <a:rPr kumimoji="0" lang="en-US" altLang="en-US" sz="1400" b="0" i="0" u="none" strike="noStrike" cap="none" normalizeH="0" baseline="0" smtClean="0">
+                <a:ln>
+                  <a:noFill/>
+                </a:ln>
+                <a:solidFill>
+                  <a:srgbClr val="000000"/>
+                </a:solidFill>
+                <a:effectLst/>
+                <a:latin typeface="Courier New" panose="02070309020205020404" pitchFamily="49" charset="0"/>
+                <a:cs typeface="Courier New" panose="02070309020205020404" pitchFamily="49" charset="0"/>
+              </a:rPr>
+            </a:br>
+            <a:r>
+              <a:rPr kumimoji="0" lang="en-US" altLang="en-US" sz="1400" b="0" i="0" u="none" strike="noStrike" cap="none" normalizeH="0" baseline="0" smtClean="0">
+                <a:ln>
+                  <a:noFill/>
+                </a:ln>
+                <a:solidFill>
+                  <a:srgbClr val="000000"/>
+                </a:solidFill>
+                <a:effectLst/>
+                <a:latin typeface="Courier New" panose="02070309020205020404" pitchFamily="49" charset="0"/>
+                <a:cs typeface="Courier New" panose="02070309020205020404" pitchFamily="49" charset="0"/>
+              </a:rPr>
+              <a:t>        cursor.getLong(Integer.parseInt(BaseColumns._ID)));</a:t>
+            </a:r>
+            <a:br>
+              <a:rPr kumimoji="0" lang="en-US" altLang="en-US" sz="1400" b="0" i="0" u="none" strike="noStrike" cap="none" normalizeH="0" baseline="0" smtClean="0">
+                <a:ln>
+                  <a:noFill/>
+                </a:ln>
+                <a:solidFill>
+                  <a:srgbClr val="000000"/>
+                </a:solidFill>
+                <a:effectLst/>
+                <a:latin typeface="Courier New" panose="02070309020205020404" pitchFamily="49" charset="0"/>
+                <a:cs typeface="Courier New" panose="02070309020205020404" pitchFamily="49" charset="0"/>
+              </a:rPr>
+            </a:br>
+            <a:r>
+              <a:rPr kumimoji="0" lang="en-US" altLang="en-US" sz="1400" b="0" i="0" u="none" strike="noStrike" cap="none" normalizeH="0" baseline="0" smtClean="0">
+                <a:ln>
+                  <a:noFill/>
+                </a:ln>
+                <a:solidFill>
+                  <a:srgbClr val="000000"/>
+                </a:solidFill>
+                <a:effectLst/>
+                <a:latin typeface="Courier New" panose="02070309020205020404" pitchFamily="49" charset="0"/>
+                <a:cs typeface="Courier New" panose="02070309020205020404" pitchFamily="49" charset="0"/>
+              </a:rPr>
+              <a:t>String fileOpenMode = </a:t>
+            </a:r>
+            <a:r>
+              <a:rPr kumimoji="0" lang="en-US" altLang="en-US" sz="1400" b="1" i="0" u="none" strike="noStrike" cap="none" normalizeH="0" baseline="0" smtClean="0">
+                <a:ln>
+                  <a:noFill/>
+                </a:ln>
+                <a:solidFill>
+                  <a:srgbClr val="008000"/>
+                </a:solidFill>
+                <a:effectLst/>
+                <a:latin typeface="Courier New" panose="02070309020205020404" pitchFamily="49" charset="0"/>
+                <a:cs typeface="Courier New" panose="02070309020205020404" pitchFamily="49" charset="0"/>
+              </a:rPr>
+              <a:t>"r"</a:t>
+            </a:r>
+            <a:r>
+              <a:rPr kumimoji="0" lang="en-US" altLang="en-US" sz="1400" b="0" i="0" u="none" strike="noStrike" cap="none" normalizeH="0" baseline="0" smtClean="0">
+                <a:ln>
+                  <a:noFill/>
+                </a:ln>
+                <a:solidFill>
+                  <a:srgbClr val="000000"/>
+                </a:solidFill>
+                <a:effectLst/>
+                <a:latin typeface="Courier New" panose="02070309020205020404" pitchFamily="49" charset="0"/>
+                <a:cs typeface="Courier New" panose="02070309020205020404" pitchFamily="49" charset="0"/>
+              </a:rPr>
+              <a:t>;</a:t>
+            </a:r>
+            <a:br>
+              <a:rPr kumimoji="0" lang="en-US" altLang="en-US" sz="1400" b="0" i="0" u="none" strike="noStrike" cap="none" normalizeH="0" baseline="0" smtClean="0">
+                <a:ln>
+                  <a:noFill/>
+                </a:ln>
+                <a:solidFill>
+                  <a:srgbClr val="000000"/>
+                </a:solidFill>
+                <a:effectLst/>
+                <a:latin typeface="Courier New" panose="02070309020205020404" pitchFamily="49" charset="0"/>
+                <a:cs typeface="Courier New" panose="02070309020205020404" pitchFamily="49" charset="0"/>
+              </a:rPr>
+            </a:br>
+            <a:r>
+              <a:rPr kumimoji="0" lang="en-US" altLang="en-US" sz="1400" b="0" i="0" u="none" strike="noStrike" cap="none" normalizeH="0" baseline="0" smtClean="0">
+                <a:ln>
+                  <a:noFill/>
+                </a:ln>
+                <a:solidFill>
+                  <a:srgbClr val="000000"/>
+                </a:solidFill>
+                <a:effectLst/>
+                <a:latin typeface="Courier New" panose="02070309020205020404" pitchFamily="49" charset="0"/>
+                <a:cs typeface="Courier New" panose="02070309020205020404" pitchFamily="49" charset="0"/>
+              </a:rPr>
+              <a:t>ParcelFileDescriptor parcelFd = resolver.openFileDescriptor(uri, fileOpenMode);</a:t>
+            </a:r>
+            <a:br>
+              <a:rPr kumimoji="0" lang="en-US" altLang="en-US" sz="1400" b="0" i="0" u="none" strike="noStrike" cap="none" normalizeH="0" baseline="0" smtClean="0">
+                <a:ln>
+                  <a:noFill/>
+                </a:ln>
+                <a:solidFill>
+                  <a:srgbClr val="000000"/>
+                </a:solidFill>
+                <a:effectLst/>
+                <a:latin typeface="Courier New" panose="02070309020205020404" pitchFamily="49" charset="0"/>
+                <a:cs typeface="Courier New" panose="02070309020205020404" pitchFamily="49" charset="0"/>
+              </a:rPr>
+            </a:br>
+            <a:r>
+              <a:rPr kumimoji="0" lang="en-US" altLang="en-US" sz="1400" b="1" i="0" u="none" strike="noStrike" cap="none" normalizeH="0" baseline="0" smtClean="0">
+                <a:ln>
+                  <a:noFill/>
+                </a:ln>
+                <a:solidFill>
+                  <a:srgbClr val="000080"/>
+                </a:solidFill>
+                <a:effectLst/>
+                <a:latin typeface="Courier New" panose="02070309020205020404" pitchFamily="49" charset="0"/>
+                <a:cs typeface="Courier New" panose="02070309020205020404" pitchFamily="49" charset="0"/>
+              </a:rPr>
+              <a:t>if </a:t>
+            </a:r>
+            <a:r>
+              <a:rPr kumimoji="0" lang="en-US" altLang="en-US" sz="1400" b="0" i="0" u="none" strike="noStrike" cap="none" normalizeH="0" baseline="0" smtClean="0">
+                <a:ln>
+                  <a:noFill/>
+                </a:ln>
+                <a:solidFill>
+                  <a:srgbClr val="000000"/>
+                </a:solidFill>
+                <a:effectLst/>
+                <a:latin typeface="Courier New" panose="02070309020205020404" pitchFamily="49" charset="0"/>
+                <a:cs typeface="Courier New" panose="02070309020205020404" pitchFamily="49" charset="0"/>
+              </a:rPr>
+              <a:t>(parcelFd != </a:t>
+            </a:r>
+            <a:r>
+              <a:rPr kumimoji="0" lang="en-US" altLang="en-US" sz="1400" b="1" i="0" u="none" strike="noStrike" cap="none" normalizeH="0" baseline="0" smtClean="0">
+                <a:ln>
+                  <a:noFill/>
+                </a:ln>
+                <a:solidFill>
+                  <a:srgbClr val="000080"/>
+                </a:solidFill>
+                <a:effectLst/>
+                <a:latin typeface="Courier New" panose="02070309020205020404" pitchFamily="49" charset="0"/>
+                <a:cs typeface="Courier New" panose="02070309020205020404" pitchFamily="49" charset="0"/>
+              </a:rPr>
+              <a:t>null</a:t>
+            </a:r>
+            <a:r>
+              <a:rPr kumimoji="0" lang="en-US" altLang="en-US" sz="1400" b="0" i="0" u="none" strike="noStrike" cap="none" normalizeH="0" baseline="0" smtClean="0">
+                <a:ln>
+                  <a:noFill/>
+                </a:ln>
+                <a:solidFill>
+                  <a:srgbClr val="000000"/>
+                </a:solidFill>
+                <a:effectLst/>
+                <a:latin typeface="Courier New" panose="02070309020205020404" pitchFamily="49" charset="0"/>
+                <a:cs typeface="Courier New" panose="02070309020205020404" pitchFamily="49" charset="0"/>
+              </a:rPr>
+              <a:t>) {</a:t>
+            </a:r>
+            <a:br>
+              <a:rPr kumimoji="0" lang="en-US" altLang="en-US" sz="1400" b="0" i="0" u="none" strike="noStrike" cap="none" normalizeH="0" baseline="0" smtClean="0">
+                <a:ln>
+                  <a:noFill/>
+                </a:ln>
+                <a:solidFill>
+                  <a:srgbClr val="000000"/>
+                </a:solidFill>
+                <a:effectLst/>
+                <a:latin typeface="Courier New" panose="02070309020205020404" pitchFamily="49" charset="0"/>
+                <a:cs typeface="Courier New" panose="02070309020205020404" pitchFamily="49" charset="0"/>
+              </a:rPr>
+            </a:br>
+            <a:r>
+              <a:rPr kumimoji="0" lang="en-US" altLang="en-US" sz="1400" b="0" i="0" u="none" strike="noStrike" cap="none" normalizeH="0" baseline="0" smtClean="0">
+                <a:ln>
+                  <a:noFill/>
+                </a:ln>
+                <a:solidFill>
+                  <a:srgbClr val="000000"/>
+                </a:solidFill>
+                <a:effectLst/>
+                <a:latin typeface="Courier New" panose="02070309020205020404" pitchFamily="49" charset="0"/>
+                <a:cs typeface="Courier New" panose="02070309020205020404" pitchFamily="49" charset="0"/>
+              </a:rPr>
+              <a:t>    </a:t>
+            </a:r>
+            <a:r>
+              <a:rPr kumimoji="0" lang="en-US" altLang="en-US" sz="1400" b="1" i="0" u="none" strike="noStrike" cap="none" normalizeH="0" baseline="0" smtClean="0">
+                <a:ln>
+                  <a:noFill/>
+                </a:ln>
+                <a:solidFill>
+                  <a:srgbClr val="000080"/>
+                </a:solidFill>
+                <a:effectLst/>
+                <a:latin typeface="Courier New" panose="02070309020205020404" pitchFamily="49" charset="0"/>
+                <a:cs typeface="Courier New" panose="02070309020205020404" pitchFamily="49" charset="0"/>
+              </a:rPr>
+              <a:t>int </a:t>
+            </a:r>
+            <a:r>
+              <a:rPr kumimoji="0" lang="en-US" altLang="en-US" sz="1400" b="0" i="0" u="none" strike="noStrike" cap="none" normalizeH="0" baseline="0" smtClean="0">
+                <a:ln>
+                  <a:noFill/>
+                </a:ln>
+                <a:solidFill>
+                  <a:srgbClr val="000000"/>
+                </a:solidFill>
+                <a:effectLst/>
+                <a:latin typeface="Courier New" panose="02070309020205020404" pitchFamily="49" charset="0"/>
+                <a:cs typeface="Courier New" panose="02070309020205020404" pitchFamily="49" charset="0"/>
+              </a:rPr>
+              <a:t>fd = parcelFd.detachFd();</a:t>
+            </a:r>
+            <a:br>
+              <a:rPr kumimoji="0" lang="en-US" altLang="en-US" sz="1400" b="0" i="0" u="none" strike="noStrike" cap="none" normalizeH="0" baseline="0" smtClean="0">
+                <a:ln>
+                  <a:noFill/>
+                </a:ln>
+                <a:solidFill>
+                  <a:srgbClr val="000000"/>
+                </a:solidFill>
+                <a:effectLst/>
+                <a:latin typeface="Courier New" panose="02070309020205020404" pitchFamily="49" charset="0"/>
+                <a:cs typeface="Courier New" panose="02070309020205020404" pitchFamily="49" charset="0"/>
+              </a:rPr>
+            </a:br>
+            <a:r>
+              <a:rPr kumimoji="0" lang="en-US" altLang="en-US" sz="1400" b="0" i="0" u="none" strike="noStrike" cap="none" normalizeH="0" baseline="0" smtClean="0">
+                <a:ln>
+                  <a:noFill/>
+                </a:ln>
+                <a:solidFill>
+                  <a:srgbClr val="000000"/>
+                </a:solidFill>
+                <a:effectLst/>
+                <a:latin typeface="Courier New" panose="02070309020205020404" pitchFamily="49" charset="0"/>
+                <a:cs typeface="Courier New" panose="02070309020205020404" pitchFamily="49" charset="0"/>
+              </a:rPr>
+              <a:t>        </a:t>
+            </a:r>
+            <a:r>
+              <a:rPr kumimoji="0" lang="en-US" altLang="en-US" sz="1400" b="0" i="1" u="none" strike="noStrike" cap="none" normalizeH="0" baseline="0" smtClean="0">
+                <a:ln>
+                  <a:noFill/>
+                </a:ln>
+                <a:solidFill>
+                  <a:srgbClr val="808080"/>
+                </a:solidFill>
+                <a:effectLst/>
+                <a:latin typeface="Courier New" panose="02070309020205020404" pitchFamily="49" charset="0"/>
+                <a:cs typeface="Courier New" panose="02070309020205020404" pitchFamily="49" charset="0"/>
+              </a:rPr>
+              <a:t>// Pass the integer value "fd" into your native code. Remember to call</a:t>
+            </a:r>
+            <a:br>
+              <a:rPr kumimoji="0" lang="en-US" altLang="en-US" sz="1400" b="0" i="1" u="none" strike="noStrike" cap="none" normalizeH="0" baseline="0" smtClean="0">
+                <a:ln>
+                  <a:noFill/>
+                </a:ln>
+                <a:solidFill>
+                  <a:srgbClr val="808080"/>
+                </a:solidFill>
+                <a:effectLst/>
+                <a:latin typeface="Courier New" panose="02070309020205020404" pitchFamily="49" charset="0"/>
+                <a:cs typeface="Courier New" panose="02070309020205020404" pitchFamily="49" charset="0"/>
+              </a:rPr>
+            </a:br>
+            <a:r>
+              <a:rPr kumimoji="0" lang="en-US" altLang="en-US" sz="1400" b="0" i="1" u="none" strike="noStrike" cap="none" normalizeH="0" baseline="0" smtClean="0">
+                <a:ln>
+                  <a:noFill/>
+                </a:ln>
+                <a:solidFill>
+                  <a:srgbClr val="808080"/>
+                </a:solidFill>
+                <a:effectLst/>
+                <a:latin typeface="Courier New" panose="02070309020205020404" pitchFamily="49" charset="0"/>
+                <a:cs typeface="Courier New" panose="02070309020205020404" pitchFamily="49" charset="0"/>
+              </a:rPr>
+              <a:t>        // close(2) on the file descriptor when you're done using it.</a:t>
+            </a:r>
+            <a:br>
+              <a:rPr kumimoji="0" lang="en-US" altLang="en-US" sz="1400" b="0" i="1" u="none" strike="noStrike" cap="none" normalizeH="0" baseline="0" smtClean="0">
+                <a:ln>
+                  <a:noFill/>
+                </a:ln>
+                <a:solidFill>
+                  <a:srgbClr val="808080"/>
+                </a:solidFill>
+                <a:effectLst/>
+                <a:latin typeface="Courier New" panose="02070309020205020404" pitchFamily="49" charset="0"/>
+                <a:cs typeface="Courier New" panose="02070309020205020404" pitchFamily="49" charset="0"/>
+              </a:rPr>
+            </a:br>
+            <a:r>
+              <a:rPr kumimoji="0" lang="en-US" altLang="en-US" sz="1400" b="0" i="0" u="none" strike="noStrike" cap="none" normalizeH="0" baseline="0" smtClean="0">
+                <a:ln>
+                  <a:noFill/>
+                </a:ln>
+                <a:solidFill>
+                  <a:srgbClr val="000000"/>
+                </a:solidFill>
+                <a:effectLst/>
+                <a:latin typeface="Courier New" panose="02070309020205020404" pitchFamily="49" charset="0"/>
+                <a:cs typeface="Courier New" panose="02070309020205020404" pitchFamily="49" charset="0"/>
+              </a:rPr>
+              <a:t>}</a:t>
+            </a:r>
+            <a:endParaRPr kumimoji="0" lang="en-US" altLang="en-US" sz="1400" b="0" i="0" u="none" strike="noStrike" cap="none" normalizeH="0" baseline="0" smtClean="0">
+              <a:ln>
+                <a:noFill/>
+              </a:ln>
+              <a:solidFill>
+                <a:schemeClr val="tx1"/>
+              </a:solidFill>
+              <a:effectLst/>
+              <a:latin typeface="Arial" panose="020B0604020202020204" pitchFamily="34" charset="0"/>
+            </a:endParaRPr>
           </a:p>
         </p:txBody>
       </p:sp>
@@ -14148,14 +15559,18 @@
         </p:nvSpPr>
         <p:spPr>
           <a:xfrm>
-            <a:off x="0" y="0"/>
-            <a:ext cx="10515600" cy="845127"/>
+            <a:off x="-1" y="0"/>
+            <a:ext cx="12011891" cy="845127"/>
           </a:xfrm>
         </p:spPr>
         <p:txBody>
           <a:bodyPr/>
           <a:lstStyle/>
           <a:p>
+            <a:r>
+              <a:rPr lang="en-CA" dirty="0" smtClean="0"/>
+              <a:t>Provide pending status for media files being stored</a:t>
+            </a:r>
             <a:endParaRPr lang="en-CA" dirty="0"/>
           </a:p>
         </p:txBody>
@@ -14172,15 +15587,42 @@
         </p:nvSpPr>
         <p:spPr>
           <a:xfrm>
-            <a:off x="0" y="869660"/>
-            <a:ext cx="12192000" cy="5619007"/>
+            <a:off x="-1" y="869661"/>
+            <a:ext cx="12192001" cy="1302334"/>
           </a:xfrm>
         </p:spPr>
         <p:txBody>
-          <a:bodyPr/>
+          <a:bodyPr>
+            <a:normAutofit lnSpcReduction="10000"/>
+          </a:bodyPr>
           <a:lstStyle/>
           <a:p>
-            <a:endParaRPr lang="en-CA"/>
+            <a:r>
+              <a:rPr lang="en-CA" dirty="0"/>
+              <a:t>G</a:t>
+            </a:r>
+            <a:r>
+              <a:rPr lang="en-CA" dirty="0" smtClean="0"/>
+              <a:t>et exclusive access to media file as its being written through IS_PENDING flag</a:t>
+            </a:r>
+          </a:p>
+          <a:p>
+            <a:r>
+              <a:rPr lang="en-CA" dirty="0" smtClean="0"/>
+              <a:t>Example: using IS_PENDING flag when storing a picture in the directory corresponding to </a:t>
+            </a:r>
+            <a:r>
+              <a:rPr lang="en-CA" dirty="0" err="1" smtClean="0"/>
+              <a:t>MediaStore.Images</a:t>
+            </a:r>
+            <a:r>
+              <a:rPr lang="en-CA" dirty="0" smtClean="0"/>
+              <a:t> collection:</a:t>
+            </a:r>
+            <a:endParaRPr lang="en-CA" dirty="0" smtClean="0"/>
+          </a:p>
+          <a:p>
+            <a:endParaRPr lang="en-CA" dirty="0"/>
           </a:p>
         </p:txBody>
       </p:sp>
@@ -14215,10 +15657,2604 @@
           </a:p>
         </p:txBody>
       </p:sp>
+      <p:sp>
+        <p:nvSpPr>
+          <p:cNvPr id="6" name="Rectangle 2"/>
+          <p:cNvSpPr>
+            <a:spLocks noChangeArrowheads="1"/>
+          </p:cNvSpPr>
+          <p:nvPr/>
+        </p:nvSpPr>
+        <p:spPr bwMode="auto">
+          <a:xfrm>
+            <a:off x="1391540" y="2227414"/>
+            <a:ext cx="9228808" cy="4093428"/>
+          </a:xfrm>
+          <a:prstGeom prst="rect">
+            <a:avLst/>
+          </a:prstGeom>
+          <a:solidFill>
+            <a:srgbClr val="FFFFFF"/>
+          </a:solidFill>
+          <a:ln>
+            <a:noFill/>
+          </a:ln>
+          <a:effectLst/>
+          <a:extLst>
+            <a:ext uri="{91240B29-F687-4F45-9708-019B960494DF}">
+              <a14:hiddenLine xmlns:a14="http://schemas.microsoft.com/office/drawing/2010/main" w="9525">
+                <a:solidFill>
+                  <a:schemeClr val="tx1"/>
+                </a:solidFill>
+                <a:miter lim="800000"/>
+                <a:headEnd/>
+                <a:tailEnd/>
+              </a14:hiddenLine>
+            </a:ext>
+            <a:ext uri="{AF507438-7753-43E0-B8FC-AC1667EBCBE1}">
+              <a14:hiddenEffects xmlns:a14="http://schemas.microsoft.com/office/drawing/2010/main">
+                <a:effectLst>
+                  <a:outerShdw dist="35921" dir="2700000" algn="ctr" rotWithShape="0">
+                    <a:schemeClr val="bg2"/>
+                  </a:outerShdw>
+                </a:effectLst>
+              </a14:hiddenEffects>
+            </a:ext>
+          </a:extLst>
+        </p:spPr>
+        <p:txBody>
+          <a:bodyPr vert="horz" wrap="none" lIns="91440" tIns="45720" rIns="91440" bIns="45720" numCol="1" anchor="ctr" anchorCtr="0" compatLnSpc="1">
+            <a:prstTxWarp prst="textNoShape">
+              <a:avLst/>
+            </a:prstTxWarp>
+            <a:spAutoFit/>
+          </a:bodyPr>
+          <a:lstStyle/>
+          <a:p>
+            <a:pPr marL="0" marR="0" lvl="0" indent="0" algn="l" defTabSz="914400" rtl="0" eaLnBrk="0" fontAlgn="base" latinLnBrk="0" hangingPunct="0">
+              <a:lnSpc>
+                <a:spcPct val="100000"/>
+              </a:lnSpc>
+              <a:spcBef>
+                <a:spcPct val="0"/>
+              </a:spcBef>
+              <a:spcAft>
+                <a:spcPct val="0"/>
+              </a:spcAft>
+              <a:buClrTx/>
+              <a:buSzTx/>
+              <a:buFontTx/>
+              <a:buNone/>
+              <a:tabLst/>
+            </a:pPr>
+            <a:r>
+              <a:rPr kumimoji="0" lang="en-US" altLang="en-US" sz="1300" b="0" i="0" u="none" strike="noStrike" cap="none" normalizeH="0" baseline="0" dirty="0" err="1" smtClean="0">
+                <a:ln>
+                  <a:noFill/>
+                </a:ln>
+                <a:solidFill>
+                  <a:srgbClr val="000000"/>
+                </a:solidFill>
+                <a:effectLst/>
+                <a:latin typeface="Courier New" panose="02070309020205020404" pitchFamily="49" charset="0"/>
+                <a:cs typeface="Courier New" panose="02070309020205020404" pitchFamily="49" charset="0"/>
+              </a:rPr>
+              <a:t>ContentValues</a:t>
+            </a:r>
+            <a:r>
+              <a:rPr kumimoji="0" lang="en-US" altLang="en-US" sz="1300" b="0" i="0" u="none" strike="noStrike" cap="none" normalizeH="0" baseline="0" dirty="0" smtClean="0">
+                <a:ln>
+                  <a:noFill/>
+                </a:ln>
+                <a:solidFill>
+                  <a:srgbClr val="000000"/>
+                </a:solidFill>
+                <a:effectLst/>
+                <a:latin typeface="Courier New" panose="02070309020205020404" pitchFamily="49" charset="0"/>
+                <a:cs typeface="Courier New" panose="02070309020205020404" pitchFamily="49" charset="0"/>
+              </a:rPr>
+              <a:t> values = </a:t>
+            </a:r>
+            <a:r>
+              <a:rPr kumimoji="0" lang="en-US" altLang="en-US" sz="1300" b="1" i="0" u="none" strike="noStrike" cap="none" normalizeH="0" baseline="0" dirty="0" smtClean="0">
+                <a:ln>
+                  <a:noFill/>
+                </a:ln>
+                <a:solidFill>
+                  <a:srgbClr val="000080"/>
+                </a:solidFill>
+                <a:effectLst/>
+                <a:latin typeface="Courier New" panose="02070309020205020404" pitchFamily="49" charset="0"/>
+                <a:cs typeface="Courier New" panose="02070309020205020404" pitchFamily="49" charset="0"/>
+              </a:rPr>
+              <a:t>new </a:t>
+            </a:r>
+            <a:r>
+              <a:rPr kumimoji="0" lang="en-US" altLang="en-US" sz="1300" b="0" i="0" u="none" strike="noStrike" cap="none" normalizeH="0" baseline="0" dirty="0" err="1" smtClean="0">
+                <a:ln>
+                  <a:noFill/>
+                </a:ln>
+                <a:solidFill>
+                  <a:srgbClr val="000000"/>
+                </a:solidFill>
+                <a:effectLst/>
+                <a:latin typeface="Courier New" panose="02070309020205020404" pitchFamily="49" charset="0"/>
+                <a:cs typeface="Courier New" panose="02070309020205020404" pitchFamily="49" charset="0"/>
+              </a:rPr>
+              <a:t>ContentValues</a:t>
+            </a:r>
+            <a:r>
+              <a:rPr kumimoji="0" lang="en-US" altLang="en-US" sz="1300" b="0" i="0" u="none" strike="noStrike" cap="none" normalizeH="0" baseline="0" dirty="0" smtClean="0">
+                <a:ln>
+                  <a:noFill/>
+                </a:ln>
+                <a:solidFill>
+                  <a:srgbClr val="000000"/>
+                </a:solidFill>
+                <a:effectLst/>
+                <a:latin typeface="Courier New" panose="02070309020205020404" pitchFamily="49" charset="0"/>
+                <a:cs typeface="Courier New" panose="02070309020205020404" pitchFamily="49" charset="0"/>
+              </a:rPr>
+              <a:t>();</a:t>
+            </a:r>
+            <a:br>
+              <a:rPr kumimoji="0" lang="en-US" altLang="en-US" sz="1300" b="0" i="0" u="none" strike="noStrike" cap="none" normalizeH="0" baseline="0" dirty="0" smtClean="0">
+                <a:ln>
+                  <a:noFill/>
+                </a:ln>
+                <a:solidFill>
+                  <a:srgbClr val="000000"/>
+                </a:solidFill>
+                <a:effectLst/>
+                <a:latin typeface="Courier New" panose="02070309020205020404" pitchFamily="49" charset="0"/>
+                <a:cs typeface="Courier New" panose="02070309020205020404" pitchFamily="49" charset="0"/>
+              </a:rPr>
+            </a:br>
+            <a:r>
+              <a:rPr kumimoji="0" lang="en-US" altLang="en-US" sz="1300" b="0" i="0" u="none" strike="noStrike" cap="none" normalizeH="0" baseline="0" dirty="0" err="1" smtClean="0">
+                <a:ln>
+                  <a:noFill/>
+                </a:ln>
+                <a:solidFill>
+                  <a:srgbClr val="000000"/>
+                </a:solidFill>
+                <a:effectLst/>
+                <a:latin typeface="Courier New" panose="02070309020205020404" pitchFamily="49" charset="0"/>
+                <a:cs typeface="Courier New" panose="02070309020205020404" pitchFamily="49" charset="0"/>
+              </a:rPr>
+              <a:t>values.put</a:t>
+            </a:r>
+            <a:r>
+              <a:rPr kumimoji="0" lang="en-US" altLang="en-US" sz="1300" b="0" i="0" u="none" strike="noStrike" cap="none" normalizeH="0" baseline="0" dirty="0" smtClean="0">
+                <a:ln>
+                  <a:noFill/>
+                </a:ln>
+                <a:solidFill>
+                  <a:srgbClr val="000000"/>
+                </a:solidFill>
+                <a:effectLst/>
+                <a:latin typeface="Courier New" panose="02070309020205020404" pitchFamily="49" charset="0"/>
+                <a:cs typeface="Courier New" panose="02070309020205020404" pitchFamily="49" charset="0"/>
+              </a:rPr>
+              <a:t>(</a:t>
+            </a:r>
+            <a:r>
+              <a:rPr kumimoji="0" lang="en-US" altLang="en-US" sz="1300" b="0" i="0" u="none" strike="noStrike" cap="none" normalizeH="0" baseline="0" dirty="0" err="1" smtClean="0">
+                <a:ln>
+                  <a:noFill/>
+                </a:ln>
+                <a:solidFill>
+                  <a:srgbClr val="000000"/>
+                </a:solidFill>
+                <a:effectLst/>
+                <a:latin typeface="Courier New" panose="02070309020205020404" pitchFamily="49" charset="0"/>
+                <a:cs typeface="Courier New" panose="02070309020205020404" pitchFamily="49" charset="0"/>
+              </a:rPr>
+              <a:t>MediaStore.Images.Media.DISPLAY_NAME</a:t>
+            </a:r>
+            <a:r>
+              <a:rPr kumimoji="0" lang="en-US" altLang="en-US" sz="1300" b="0" i="0" u="none" strike="noStrike" cap="none" normalizeH="0" baseline="0" dirty="0" smtClean="0">
+                <a:ln>
+                  <a:noFill/>
+                </a:ln>
+                <a:solidFill>
+                  <a:srgbClr val="000000"/>
+                </a:solidFill>
+                <a:effectLst/>
+                <a:latin typeface="Courier New" panose="02070309020205020404" pitchFamily="49" charset="0"/>
+                <a:cs typeface="Courier New" panose="02070309020205020404" pitchFamily="49" charset="0"/>
+              </a:rPr>
+              <a:t>, </a:t>
+            </a:r>
+            <a:r>
+              <a:rPr kumimoji="0" lang="en-US" altLang="en-US" sz="1300" b="1" i="0" u="none" strike="noStrike" cap="none" normalizeH="0" baseline="0" dirty="0" smtClean="0">
+                <a:ln>
+                  <a:noFill/>
+                </a:ln>
+                <a:solidFill>
+                  <a:srgbClr val="008000"/>
+                </a:solidFill>
+                <a:effectLst/>
+                <a:latin typeface="Courier New" panose="02070309020205020404" pitchFamily="49" charset="0"/>
+                <a:cs typeface="Courier New" panose="02070309020205020404" pitchFamily="49" charset="0"/>
+              </a:rPr>
+              <a:t>"IMG1024.JPG"</a:t>
+            </a:r>
+            <a:r>
+              <a:rPr kumimoji="0" lang="en-US" altLang="en-US" sz="1300" b="0" i="0" u="none" strike="noStrike" cap="none" normalizeH="0" baseline="0" dirty="0" smtClean="0">
+                <a:ln>
+                  <a:noFill/>
+                </a:ln>
+                <a:solidFill>
+                  <a:srgbClr val="000000"/>
+                </a:solidFill>
+                <a:effectLst/>
+                <a:latin typeface="Courier New" panose="02070309020205020404" pitchFamily="49" charset="0"/>
+                <a:cs typeface="Courier New" panose="02070309020205020404" pitchFamily="49" charset="0"/>
+              </a:rPr>
+              <a:t>);</a:t>
+            </a:r>
+            <a:br>
+              <a:rPr kumimoji="0" lang="en-US" altLang="en-US" sz="1300" b="0" i="0" u="none" strike="noStrike" cap="none" normalizeH="0" baseline="0" dirty="0" smtClean="0">
+                <a:ln>
+                  <a:noFill/>
+                </a:ln>
+                <a:solidFill>
+                  <a:srgbClr val="000000"/>
+                </a:solidFill>
+                <a:effectLst/>
+                <a:latin typeface="Courier New" panose="02070309020205020404" pitchFamily="49" charset="0"/>
+                <a:cs typeface="Courier New" panose="02070309020205020404" pitchFamily="49" charset="0"/>
+              </a:rPr>
+            </a:br>
+            <a:r>
+              <a:rPr kumimoji="0" lang="en-US" altLang="en-US" sz="1300" b="0" i="0" u="none" strike="noStrike" cap="none" normalizeH="0" baseline="0" dirty="0" err="1" smtClean="0">
+                <a:ln>
+                  <a:noFill/>
+                </a:ln>
+                <a:solidFill>
+                  <a:srgbClr val="000000"/>
+                </a:solidFill>
+                <a:effectLst/>
+                <a:latin typeface="Courier New" panose="02070309020205020404" pitchFamily="49" charset="0"/>
+                <a:cs typeface="Courier New" panose="02070309020205020404" pitchFamily="49" charset="0"/>
+              </a:rPr>
+              <a:t>values.put</a:t>
+            </a:r>
+            <a:r>
+              <a:rPr kumimoji="0" lang="en-US" altLang="en-US" sz="1300" b="0" i="0" u="none" strike="noStrike" cap="none" normalizeH="0" baseline="0" dirty="0" smtClean="0">
+                <a:ln>
+                  <a:noFill/>
+                </a:ln>
+                <a:solidFill>
+                  <a:srgbClr val="000000"/>
+                </a:solidFill>
+                <a:effectLst/>
+                <a:latin typeface="Courier New" panose="02070309020205020404" pitchFamily="49" charset="0"/>
+                <a:cs typeface="Courier New" panose="02070309020205020404" pitchFamily="49" charset="0"/>
+              </a:rPr>
+              <a:t>(</a:t>
+            </a:r>
+            <a:r>
+              <a:rPr kumimoji="0" lang="en-US" altLang="en-US" sz="1300" b="0" i="0" u="none" strike="noStrike" cap="none" normalizeH="0" baseline="0" dirty="0" err="1" smtClean="0">
+                <a:ln>
+                  <a:noFill/>
+                </a:ln>
+                <a:solidFill>
+                  <a:srgbClr val="000000"/>
+                </a:solidFill>
+                <a:effectLst/>
+                <a:latin typeface="Courier New" panose="02070309020205020404" pitchFamily="49" charset="0"/>
+                <a:cs typeface="Courier New" panose="02070309020205020404" pitchFamily="49" charset="0"/>
+              </a:rPr>
+              <a:t>MediaStore.Images.Media.MIME_TYPE</a:t>
+            </a:r>
+            <a:r>
+              <a:rPr kumimoji="0" lang="en-US" altLang="en-US" sz="1300" b="0" i="0" u="none" strike="noStrike" cap="none" normalizeH="0" baseline="0" dirty="0" smtClean="0">
+                <a:ln>
+                  <a:noFill/>
+                </a:ln>
+                <a:solidFill>
+                  <a:srgbClr val="000000"/>
+                </a:solidFill>
+                <a:effectLst/>
+                <a:latin typeface="Courier New" panose="02070309020205020404" pitchFamily="49" charset="0"/>
+                <a:cs typeface="Courier New" panose="02070309020205020404" pitchFamily="49" charset="0"/>
+              </a:rPr>
+              <a:t>, </a:t>
+            </a:r>
+            <a:r>
+              <a:rPr kumimoji="0" lang="en-US" altLang="en-US" sz="1300" b="1" i="0" u="none" strike="noStrike" cap="none" normalizeH="0" baseline="0" dirty="0" smtClean="0">
+                <a:ln>
+                  <a:noFill/>
+                </a:ln>
+                <a:solidFill>
+                  <a:srgbClr val="008000"/>
+                </a:solidFill>
+                <a:effectLst/>
+                <a:latin typeface="Courier New" panose="02070309020205020404" pitchFamily="49" charset="0"/>
+                <a:cs typeface="Courier New" panose="02070309020205020404" pitchFamily="49" charset="0"/>
+              </a:rPr>
+              <a:t>"image/jpeg"</a:t>
+            </a:r>
+            <a:r>
+              <a:rPr kumimoji="0" lang="en-US" altLang="en-US" sz="1300" b="0" i="0" u="none" strike="noStrike" cap="none" normalizeH="0" baseline="0" dirty="0" smtClean="0">
+                <a:ln>
+                  <a:noFill/>
+                </a:ln>
+                <a:solidFill>
+                  <a:srgbClr val="000000"/>
+                </a:solidFill>
+                <a:effectLst/>
+                <a:latin typeface="Courier New" panose="02070309020205020404" pitchFamily="49" charset="0"/>
+                <a:cs typeface="Courier New" panose="02070309020205020404" pitchFamily="49" charset="0"/>
+              </a:rPr>
+              <a:t>);</a:t>
+            </a:r>
+            <a:br>
+              <a:rPr kumimoji="0" lang="en-US" altLang="en-US" sz="1300" b="0" i="0" u="none" strike="noStrike" cap="none" normalizeH="0" baseline="0" dirty="0" smtClean="0">
+                <a:ln>
+                  <a:noFill/>
+                </a:ln>
+                <a:solidFill>
+                  <a:srgbClr val="000000"/>
+                </a:solidFill>
+                <a:effectLst/>
+                <a:latin typeface="Courier New" panose="02070309020205020404" pitchFamily="49" charset="0"/>
+                <a:cs typeface="Courier New" panose="02070309020205020404" pitchFamily="49" charset="0"/>
+              </a:rPr>
+            </a:br>
+            <a:r>
+              <a:rPr kumimoji="0" lang="en-US" altLang="en-US" sz="1300" b="0" i="0" u="none" strike="noStrike" cap="none" normalizeH="0" baseline="0" dirty="0" err="1" smtClean="0">
+                <a:ln>
+                  <a:noFill/>
+                </a:ln>
+                <a:solidFill>
+                  <a:srgbClr val="000000"/>
+                </a:solidFill>
+                <a:effectLst/>
+                <a:latin typeface="Courier New" panose="02070309020205020404" pitchFamily="49" charset="0"/>
+                <a:cs typeface="Courier New" panose="02070309020205020404" pitchFamily="49" charset="0"/>
+              </a:rPr>
+              <a:t>values.put</a:t>
+            </a:r>
+            <a:r>
+              <a:rPr kumimoji="0" lang="en-US" altLang="en-US" sz="1300" b="0" i="0" u="none" strike="noStrike" cap="none" normalizeH="0" baseline="0" dirty="0" smtClean="0">
+                <a:ln>
+                  <a:noFill/>
+                </a:ln>
+                <a:solidFill>
+                  <a:srgbClr val="000000"/>
+                </a:solidFill>
+                <a:effectLst/>
+                <a:latin typeface="Courier New" panose="02070309020205020404" pitchFamily="49" charset="0"/>
+                <a:cs typeface="Courier New" panose="02070309020205020404" pitchFamily="49" charset="0"/>
+              </a:rPr>
+              <a:t>(</a:t>
+            </a:r>
+            <a:r>
+              <a:rPr kumimoji="0" lang="en-US" altLang="en-US" sz="1300" b="0" i="0" u="none" strike="noStrike" cap="none" normalizeH="0" baseline="0" dirty="0" err="1" smtClean="0">
+                <a:ln>
+                  <a:noFill/>
+                </a:ln>
+                <a:solidFill>
+                  <a:srgbClr val="000000"/>
+                </a:solidFill>
+                <a:effectLst/>
+                <a:latin typeface="Courier New" panose="02070309020205020404" pitchFamily="49" charset="0"/>
+                <a:cs typeface="Courier New" panose="02070309020205020404" pitchFamily="49" charset="0"/>
+              </a:rPr>
+              <a:t>MediaStore.Images.Media.IS_PENDING</a:t>
+            </a:r>
+            <a:r>
+              <a:rPr kumimoji="0" lang="en-US" altLang="en-US" sz="1300" b="0" i="0" u="none" strike="noStrike" cap="none" normalizeH="0" baseline="0" dirty="0" smtClean="0">
+                <a:ln>
+                  <a:noFill/>
+                </a:ln>
+                <a:solidFill>
+                  <a:srgbClr val="000000"/>
+                </a:solidFill>
+                <a:effectLst/>
+                <a:latin typeface="Courier New" panose="02070309020205020404" pitchFamily="49" charset="0"/>
+                <a:cs typeface="Courier New" panose="02070309020205020404" pitchFamily="49" charset="0"/>
+              </a:rPr>
+              <a:t>, </a:t>
+            </a:r>
+            <a:r>
+              <a:rPr kumimoji="0" lang="en-US" altLang="en-US" sz="1300" b="0" i="0" u="none" strike="noStrike" cap="none" normalizeH="0" baseline="0" dirty="0" smtClean="0">
+                <a:ln>
+                  <a:noFill/>
+                </a:ln>
+                <a:solidFill>
+                  <a:srgbClr val="0000FF"/>
+                </a:solidFill>
+                <a:effectLst/>
+                <a:latin typeface="Courier New" panose="02070309020205020404" pitchFamily="49" charset="0"/>
+                <a:cs typeface="Courier New" panose="02070309020205020404" pitchFamily="49" charset="0"/>
+              </a:rPr>
+              <a:t>1</a:t>
+            </a:r>
+            <a:r>
+              <a:rPr kumimoji="0" lang="en-US" altLang="en-US" sz="1300" b="0" i="0" u="none" strike="noStrike" cap="none" normalizeH="0" baseline="0" dirty="0" smtClean="0">
+                <a:ln>
+                  <a:noFill/>
+                </a:ln>
+                <a:solidFill>
+                  <a:srgbClr val="000000"/>
+                </a:solidFill>
+                <a:effectLst/>
+                <a:latin typeface="Courier New" panose="02070309020205020404" pitchFamily="49" charset="0"/>
+                <a:cs typeface="Courier New" panose="02070309020205020404" pitchFamily="49" charset="0"/>
+              </a:rPr>
+              <a:t>);</a:t>
+            </a:r>
+            <a:br>
+              <a:rPr kumimoji="0" lang="en-US" altLang="en-US" sz="1300" b="0" i="0" u="none" strike="noStrike" cap="none" normalizeH="0" baseline="0" dirty="0" smtClean="0">
+                <a:ln>
+                  <a:noFill/>
+                </a:ln>
+                <a:solidFill>
+                  <a:srgbClr val="000000"/>
+                </a:solidFill>
+                <a:effectLst/>
+                <a:latin typeface="Courier New" panose="02070309020205020404" pitchFamily="49" charset="0"/>
+                <a:cs typeface="Courier New" panose="02070309020205020404" pitchFamily="49" charset="0"/>
+              </a:rPr>
+            </a:br>
+            <a:r>
+              <a:rPr kumimoji="0" lang="en-US" altLang="en-US" sz="1300" b="0" i="0" u="none" strike="noStrike" cap="none" normalizeH="0" baseline="0" dirty="0" smtClean="0">
+                <a:ln>
+                  <a:noFill/>
+                </a:ln>
+                <a:solidFill>
+                  <a:srgbClr val="000000"/>
+                </a:solidFill>
+                <a:effectLst/>
+                <a:latin typeface="Courier New" panose="02070309020205020404" pitchFamily="49" charset="0"/>
+                <a:cs typeface="Courier New" panose="02070309020205020404" pitchFamily="49" charset="0"/>
+              </a:rPr>
+              <a:t/>
+            </a:r>
+            <a:br>
+              <a:rPr kumimoji="0" lang="en-US" altLang="en-US" sz="1300" b="0" i="0" u="none" strike="noStrike" cap="none" normalizeH="0" baseline="0" dirty="0" smtClean="0">
+                <a:ln>
+                  <a:noFill/>
+                </a:ln>
+                <a:solidFill>
+                  <a:srgbClr val="000000"/>
+                </a:solidFill>
+                <a:effectLst/>
+                <a:latin typeface="Courier New" panose="02070309020205020404" pitchFamily="49" charset="0"/>
+                <a:cs typeface="Courier New" panose="02070309020205020404" pitchFamily="49" charset="0"/>
+              </a:rPr>
+            </a:br>
+            <a:r>
+              <a:rPr kumimoji="0" lang="en-US" altLang="en-US" sz="1300" b="0" i="0" u="none" strike="noStrike" cap="none" normalizeH="0" baseline="0" dirty="0" err="1" smtClean="0">
+                <a:ln>
+                  <a:noFill/>
+                </a:ln>
+                <a:solidFill>
+                  <a:srgbClr val="000000"/>
+                </a:solidFill>
+                <a:effectLst/>
+                <a:latin typeface="Courier New" panose="02070309020205020404" pitchFamily="49" charset="0"/>
+                <a:cs typeface="Courier New" panose="02070309020205020404" pitchFamily="49" charset="0"/>
+              </a:rPr>
+              <a:t>ContentResolver</a:t>
+            </a:r>
+            <a:r>
+              <a:rPr kumimoji="0" lang="en-US" altLang="en-US" sz="1300" b="0" i="0" u="none" strike="noStrike" cap="none" normalizeH="0" baseline="0" dirty="0" smtClean="0">
+                <a:ln>
+                  <a:noFill/>
+                </a:ln>
+                <a:solidFill>
+                  <a:srgbClr val="000000"/>
+                </a:solidFill>
+                <a:effectLst/>
+                <a:latin typeface="Courier New" panose="02070309020205020404" pitchFamily="49" charset="0"/>
+                <a:cs typeface="Courier New" panose="02070309020205020404" pitchFamily="49" charset="0"/>
+              </a:rPr>
+              <a:t> resolver = </a:t>
+            </a:r>
+            <a:r>
+              <a:rPr kumimoji="0" lang="en-US" altLang="en-US" sz="1300" b="0" i="0" u="none" strike="noStrike" cap="none" normalizeH="0" baseline="0" dirty="0" err="1" smtClean="0">
+                <a:ln>
+                  <a:noFill/>
+                </a:ln>
+                <a:solidFill>
+                  <a:srgbClr val="000000"/>
+                </a:solidFill>
+                <a:effectLst/>
+                <a:latin typeface="Courier New" panose="02070309020205020404" pitchFamily="49" charset="0"/>
+                <a:cs typeface="Courier New" panose="02070309020205020404" pitchFamily="49" charset="0"/>
+              </a:rPr>
+              <a:t>context.getContentResolver</a:t>
+            </a:r>
+            <a:r>
+              <a:rPr kumimoji="0" lang="en-US" altLang="en-US" sz="1300" b="0" i="0" u="none" strike="noStrike" cap="none" normalizeH="0" baseline="0" dirty="0" smtClean="0">
+                <a:ln>
+                  <a:noFill/>
+                </a:ln>
+                <a:solidFill>
+                  <a:srgbClr val="000000"/>
+                </a:solidFill>
+                <a:effectLst/>
+                <a:latin typeface="Courier New" panose="02070309020205020404" pitchFamily="49" charset="0"/>
+                <a:cs typeface="Courier New" panose="02070309020205020404" pitchFamily="49" charset="0"/>
+              </a:rPr>
+              <a:t>();</a:t>
+            </a:r>
+            <a:br>
+              <a:rPr kumimoji="0" lang="en-US" altLang="en-US" sz="1300" b="0" i="0" u="none" strike="noStrike" cap="none" normalizeH="0" baseline="0" dirty="0" smtClean="0">
+                <a:ln>
+                  <a:noFill/>
+                </a:ln>
+                <a:solidFill>
+                  <a:srgbClr val="000000"/>
+                </a:solidFill>
+                <a:effectLst/>
+                <a:latin typeface="Courier New" panose="02070309020205020404" pitchFamily="49" charset="0"/>
+                <a:cs typeface="Courier New" panose="02070309020205020404" pitchFamily="49" charset="0"/>
+              </a:rPr>
+            </a:br>
+            <a:r>
+              <a:rPr kumimoji="0" lang="en-US" altLang="en-US" sz="1300" b="0" i="0" u="none" strike="noStrike" cap="none" normalizeH="0" baseline="0" dirty="0" smtClean="0">
+                <a:ln>
+                  <a:noFill/>
+                </a:ln>
+                <a:solidFill>
+                  <a:srgbClr val="000000"/>
+                </a:solidFill>
+                <a:effectLst/>
+                <a:latin typeface="Courier New" panose="02070309020205020404" pitchFamily="49" charset="0"/>
+                <a:cs typeface="Courier New" panose="02070309020205020404" pitchFamily="49" charset="0"/>
+              </a:rPr>
+              <a:t>Uri collection = </a:t>
+            </a:r>
+            <a:r>
+              <a:rPr kumimoji="0" lang="en-US" altLang="en-US" sz="1300" b="0" i="0" u="none" strike="noStrike" cap="none" normalizeH="0" baseline="0" dirty="0" err="1" smtClean="0">
+                <a:ln>
+                  <a:noFill/>
+                </a:ln>
+                <a:solidFill>
+                  <a:srgbClr val="000000"/>
+                </a:solidFill>
+                <a:effectLst/>
+                <a:latin typeface="Courier New" panose="02070309020205020404" pitchFamily="49" charset="0"/>
+                <a:cs typeface="Courier New" panose="02070309020205020404" pitchFamily="49" charset="0"/>
+              </a:rPr>
+              <a:t>MediaStore.Images.Media.getContentUri</a:t>
+            </a:r>
+            <a:r>
+              <a:rPr kumimoji="0" lang="en-US" altLang="en-US" sz="1300" b="0" i="0" u="none" strike="noStrike" cap="none" normalizeH="0" baseline="0" dirty="0" smtClean="0">
+                <a:ln>
+                  <a:noFill/>
+                </a:ln>
+                <a:solidFill>
+                  <a:srgbClr val="000000"/>
+                </a:solidFill>
+                <a:effectLst/>
+                <a:latin typeface="Courier New" panose="02070309020205020404" pitchFamily="49" charset="0"/>
+                <a:cs typeface="Courier New" panose="02070309020205020404" pitchFamily="49" charset="0"/>
+              </a:rPr>
+              <a:t>(</a:t>
+            </a:r>
+            <a:r>
+              <a:rPr kumimoji="0" lang="en-US" altLang="en-US" sz="1300" b="0" i="0" u="none" strike="noStrike" cap="none" normalizeH="0" baseline="0" dirty="0" err="1" smtClean="0">
+                <a:ln>
+                  <a:noFill/>
+                </a:ln>
+                <a:solidFill>
+                  <a:srgbClr val="000000"/>
+                </a:solidFill>
+                <a:effectLst/>
+                <a:latin typeface="Courier New" panose="02070309020205020404" pitchFamily="49" charset="0"/>
+                <a:cs typeface="Courier New" panose="02070309020205020404" pitchFamily="49" charset="0"/>
+              </a:rPr>
+              <a:t>MediaStore.VOLUME_EXTERNAL_PRIMARY</a:t>
+            </a:r>
+            <a:r>
+              <a:rPr kumimoji="0" lang="en-US" altLang="en-US" sz="1300" b="0" i="0" u="none" strike="noStrike" cap="none" normalizeH="0" baseline="0" dirty="0" smtClean="0">
+                <a:ln>
+                  <a:noFill/>
+                </a:ln>
+                <a:solidFill>
+                  <a:srgbClr val="000000"/>
+                </a:solidFill>
+                <a:effectLst/>
+                <a:latin typeface="Courier New" panose="02070309020205020404" pitchFamily="49" charset="0"/>
+                <a:cs typeface="Courier New" panose="02070309020205020404" pitchFamily="49" charset="0"/>
+              </a:rPr>
+              <a:t>);</a:t>
+            </a:r>
+            <a:br>
+              <a:rPr kumimoji="0" lang="en-US" altLang="en-US" sz="1300" b="0" i="0" u="none" strike="noStrike" cap="none" normalizeH="0" baseline="0" dirty="0" smtClean="0">
+                <a:ln>
+                  <a:noFill/>
+                </a:ln>
+                <a:solidFill>
+                  <a:srgbClr val="000000"/>
+                </a:solidFill>
+                <a:effectLst/>
+                <a:latin typeface="Courier New" panose="02070309020205020404" pitchFamily="49" charset="0"/>
+                <a:cs typeface="Courier New" panose="02070309020205020404" pitchFamily="49" charset="0"/>
+              </a:rPr>
+            </a:br>
+            <a:r>
+              <a:rPr kumimoji="0" lang="en-US" altLang="en-US" sz="1300" b="0" i="0" u="none" strike="noStrike" cap="none" normalizeH="0" baseline="0" dirty="0" smtClean="0">
+                <a:ln>
+                  <a:noFill/>
+                </a:ln>
+                <a:solidFill>
+                  <a:srgbClr val="000000"/>
+                </a:solidFill>
+                <a:effectLst/>
+                <a:latin typeface="Courier New" panose="02070309020205020404" pitchFamily="49" charset="0"/>
+                <a:cs typeface="Courier New" panose="02070309020205020404" pitchFamily="49" charset="0"/>
+              </a:rPr>
+              <a:t>Uri item = </a:t>
+            </a:r>
+            <a:r>
+              <a:rPr kumimoji="0" lang="en-US" altLang="en-US" sz="1300" b="0" i="0" u="none" strike="noStrike" cap="none" normalizeH="0" baseline="0" dirty="0" err="1" smtClean="0">
+                <a:ln>
+                  <a:noFill/>
+                </a:ln>
+                <a:solidFill>
+                  <a:srgbClr val="000000"/>
+                </a:solidFill>
+                <a:effectLst/>
+                <a:latin typeface="Courier New" panose="02070309020205020404" pitchFamily="49" charset="0"/>
+                <a:cs typeface="Courier New" panose="02070309020205020404" pitchFamily="49" charset="0"/>
+              </a:rPr>
+              <a:t>resolver.insert</a:t>
+            </a:r>
+            <a:r>
+              <a:rPr kumimoji="0" lang="en-US" altLang="en-US" sz="1300" b="0" i="0" u="none" strike="noStrike" cap="none" normalizeH="0" baseline="0" dirty="0" smtClean="0">
+                <a:ln>
+                  <a:noFill/>
+                </a:ln>
+                <a:solidFill>
+                  <a:srgbClr val="000000"/>
+                </a:solidFill>
+                <a:effectLst/>
+                <a:latin typeface="Courier New" panose="02070309020205020404" pitchFamily="49" charset="0"/>
+                <a:cs typeface="Courier New" panose="02070309020205020404" pitchFamily="49" charset="0"/>
+              </a:rPr>
+              <a:t>(collection, values);</a:t>
+            </a:r>
+            <a:br>
+              <a:rPr kumimoji="0" lang="en-US" altLang="en-US" sz="1300" b="0" i="0" u="none" strike="noStrike" cap="none" normalizeH="0" baseline="0" dirty="0" smtClean="0">
+                <a:ln>
+                  <a:noFill/>
+                </a:ln>
+                <a:solidFill>
+                  <a:srgbClr val="000000"/>
+                </a:solidFill>
+                <a:effectLst/>
+                <a:latin typeface="Courier New" panose="02070309020205020404" pitchFamily="49" charset="0"/>
+                <a:cs typeface="Courier New" panose="02070309020205020404" pitchFamily="49" charset="0"/>
+              </a:rPr>
+            </a:br>
+            <a:r>
+              <a:rPr kumimoji="0" lang="en-US" altLang="en-US" sz="1300" b="0" i="0" u="none" strike="noStrike" cap="none" normalizeH="0" baseline="0" dirty="0" smtClean="0">
+                <a:ln>
+                  <a:noFill/>
+                </a:ln>
+                <a:solidFill>
+                  <a:srgbClr val="000000"/>
+                </a:solidFill>
+                <a:effectLst/>
+                <a:latin typeface="Courier New" panose="02070309020205020404" pitchFamily="49" charset="0"/>
+                <a:cs typeface="Courier New" panose="02070309020205020404" pitchFamily="49" charset="0"/>
+              </a:rPr>
+              <a:t/>
+            </a:r>
+            <a:br>
+              <a:rPr kumimoji="0" lang="en-US" altLang="en-US" sz="1300" b="0" i="0" u="none" strike="noStrike" cap="none" normalizeH="0" baseline="0" dirty="0" smtClean="0">
+                <a:ln>
+                  <a:noFill/>
+                </a:ln>
+                <a:solidFill>
+                  <a:srgbClr val="000000"/>
+                </a:solidFill>
+                <a:effectLst/>
+                <a:latin typeface="Courier New" panose="02070309020205020404" pitchFamily="49" charset="0"/>
+                <a:cs typeface="Courier New" panose="02070309020205020404" pitchFamily="49" charset="0"/>
+              </a:rPr>
+            </a:br>
+            <a:r>
+              <a:rPr kumimoji="0" lang="en-US" altLang="en-US" sz="1300" b="1" i="0" u="none" strike="noStrike" cap="none" normalizeH="0" baseline="0" dirty="0" smtClean="0">
+                <a:ln>
+                  <a:noFill/>
+                </a:ln>
+                <a:solidFill>
+                  <a:srgbClr val="000080"/>
+                </a:solidFill>
+                <a:effectLst/>
+                <a:latin typeface="Courier New" panose="02070309020205020404" pitchFamily="49" charset="0"/>
+                <a:cs typeface="Courier New" panose="02070309020205020404" pitchFamily="49" charset="0"/>
+              </a:rPr>
+              <a:t>try </a:t>
+            </a:r>
+            <a:r>
+              <a:rPr kumimoji="0" lang="en-US" altLang="en-US" sz="1300" b="0" i="0" u="none" strike="noStrike" cap="none" normalizeH="0" baseline="0" dirty="0" smtClean="0">
+                <a:ln>
+                  <a:noFill/>
+                </a:ln>
+                <a:solidFill>
+                  <a:srgbClr val="000000"/>
+                </a:solidFill>
+                <a:effectLst/>
+                <a:latin typeface="Courier New" panose="02070309020205020404" pitchFamily="49" charset="0"/>
+                <a:cs typeface="Courier New" panose="02070309020205020404" pitchFamily="49" charset="0"/>
+              </a:rPr>
+              <a:t>(</a:t>
+            </a:r>
+            <a:r>
+              <a:rPr kumimoji="0" lang="en-US" altLang="en-US" sz="1300" b="0" i="0" u="none" strike="noStrike" cap="none" normalizeH="0" baseline="0" dirty="0" err="1" smtClean="0">
+                <a:ln>
+                  <a:noFill/>
+                </a:ln>
+                <a:solidFill>
+                  <a:srgbClr val="000000"/>
+                </a:solidFill>
+                <a:effectLst/>
+                <a:latin typeface="Courier New" panose="02070309020205020404" pitchFamily="49" charset="0"/>
+                <a:cs typeface="Courier New" panose="02070309020205020404" pitchFamily="49" charset="0"/>
+              </a:rPr>
+              <a:t>ParcelFileDescriptor</a:t>
+            </a:r>
+            <a:r>
+              <a:rPr kumimoji="0" lang="en-US" altLang="en-US" sz="1300" b="0" i="0" u="none" strike="noStrike" cap="none" normalizeH="0" baseline="0" dirty="0" smtClean="0">
+                <a:ln>
+                  <a:noFill/>
+                </a:ln>
+                <a:solidFill>
+                  <a:srgbClr val="000000"/>
+                </a:solidFill>
+                <a:effectLst/>
+                <a:latin typeface="Courier New" panose="02070309020205020404" pitchFamily="49" charset="0"/>
+                <a:cs typeface="Courier New" panose="02070309020205020404" pitchFamily="49" charset="0"/>
+              </a:rPr>
+              <a:t> </a:t>
+            </a:r>
+            <a:r>
+              <a:rPr kumimoji="0" lang="en-US" altLang="en-US" sz="1300" b="0" i="0" u="none" strike="noStrike" cap="none" normalizeH="0" baseline="0" dirty="0" err="1" smtClean="0">
+                <a:ln>
+                  <a:noFill/>
+                </a:ln>
+                <a:solidFill>
+                  <a:srgbClr val="000000"/>
+                </a:solidFill>
+                <a:effectLst/>
+                <a:latin typeface="Courier New" panose="02070309020205020404" pitchFamily="49" charset="0"/>
+                <a:cs typeface="Courier New" panose="02070309020205020404" pitchFamily="49" charset="0"/>
+              </a:rPr>
+              <a:t>pfd</a:t>
+            </a:r>
+            <a:r>
+              <a:rPr kumimoji="0" lang="en-US" altLang="en-US" sz="1300" b="0" i="0" u="none" strike="noStrike" cap="none" normalizeH="0" baseline="0" dirty="0" smtClean="0">
+                <a:ln>
+                  <a:noFill/>
+                </a:ln>
+                <a:solidFill>
+                  <a:srgbClr val="000000"/>
+                </a:solidFill>
+                <a:effectLst/>
+                <a:latin typeface="Courier New" panose="02070309020205020404" pitchFamily="49" charset="0"/>
+                <a:cs typeface="Courier New" panose="02070309020205020404" pitchFamily="49" charset="0"/>
+              </a:rPr>
+              <a:t> = </a:t>
+            </a:r>
+            <a:r>
+              <a:rPr kumimoji="0" lang="en-US" altLang="en-US" sz="1300" b="0" i="0" u="none" strike="noStrike" cap="none" normalizeH="0" baseline="0" dirty="0" err="1" smtClean="0">
+                <a:ln>
+                  <a:noFill/>
+                </a:ln>
+                <a:solidFill>
+                  <a:srgbClr val="000000"/>
+                </a:solidFill>
+                <a:effectLst/>
+                <a:latin typeface="Courier New" panose="02070309020205020404" pitchFamily="49" charset="0"/>
+                <a:cs typeface="Courier New" panose="02070309020205020404" pitchFamily="49" charset="0"/>
+              </a:rPr>
+              <a:t>resolver.openFileDescriptor</a:t>
+            </a:r>
+            <a:r>
+              <a:rPr kumimoji="0" lang="en-US" altLang="en-US" sz="1300" b="0" i="0" u="none" strike="noStrike" cap="none" normalizeH="0" baseline="0" dirty="0" smtClean="0">
+                <a:ln>
+                  <a:noFill/>
+                </a:ln>
+                <a:solidFill>
+                  <a:srgbClr val="000000"/>
+                </a:solidFill>
+                <a:effectLst/>
+                <a:latin typeface="Courier New" panose="02070309020205020404" pitchFamily="49" charset="0"/>
+                <a:cs typeface="Courier New" panose="02070309020205020404" pitchFamily="49" charset="0"/>
+              </a:rPr>
+              <a:t>(item, </a:t>
+            </a:r>
+            <a:r>
+              <a:rPr kumimoji="0" lang="en-US" altLang="en-US" sz="1300" b="1" i="0" u="none" strike="noStrike" cap="none" normalizeH="0" baseline="0" dirty="0" smtClean="0">
+                <a:ln>
+                  <a:noFill/>
+                </a:ln>
+                <a:solidFill>
+                  <a:srgbClr val="008000"/>
+                </a:solidFill>
+                <a:effectLst/>
+                <a:latin typeface="Courier New" panose="02070309020205020404" pitchFamily="49" charset="0"/>
+                <a:cs typeface="Courier New" panose="02070309020205020404" pitchFamily="49" charset="0"/>
+              </a:rPr>
+              <a:t>"w"</a:t>
+            </a:r>
+            <a:r>
+              <a:rPr kumimoji="0" lang="en-US" altLang="en-US" sz="1300" b="0" i="0" u="none" strike="noStrike" cap="none" normalizeH="0" baseline="0" dirty="0" smtClean="0">
+                <a:ln>
+                  <a:noFill/>
+                </a:ln>
+                <a:solidFill>
+                  <a:srgbClr val="000000"/>
+                </a:solidFill>
+                <a:effectLst/>
+                <a:latin typeface="Courier New" panose="02070309020205020404" pitchFamily="49" charset="0"/>
+                <a:cs typeface="Courier New" panose="02070309020205020404" pitchFamily="49" charset="0"/>
+              </a:rPr>
+              <a:t>, </a:t>
+            </a:r>
+            <a:r>
+              <a:rPr kumimoji="0" lang="en-US" altLang="en-US" sz="1300" b="1" i="0" u="none" strike="noStrike" cap="none" normalizeH="0" baseline="0" dirty="0" smtClean="0">
+                <a:ln>
+                  <a:noFill/>
+                </a:ln>
+                <a:solidFill>
+                  <a:srgbClr val="000080"/>
+                </a:solidFill>
+                <a:effectLst/>
+                <a:latin typeface="Courier New" panose="02070309020205020404" pitchFamily="49" charset="0"/>
+                <a:cs typeface="Courier New" panose="02070309020205020404" pitchFamily="49" charset="0"/>
+              </a:rPr>
+              <a:t>null</a:t>
+            </a:r>
+            <a:r>
+              <a:rPr kumimoji="0" lang="en-US" altLang="en-US" sz="1300" b="0" i="0" u="none" strike="noStrike" cap="none" normalizeH="0" baseline="0" dirty="0" smtClean="0">
+                <a:ln>
+                  <a:noFill/>
+                </a:ln>
+                <a:solidFill>
+                  <a:srgbClr val="000000"/>
+                </a:solidFill>
+                <a:effectLst/>
+                <a:latin typeface="Courier New" panose="02070309020205020404" pitchFamily="49" charset="0"/>
+                <a:cs typeface="Courier New" panose="02070309020205020404" pitchFamily="49" charset="0"/>
+              </a:rPr>
+              <a:t>)) {</a:t>
+            </a:r>
+            <a:br>
+              <a:rPr kumimoji="0" lang="en-US" altLang="en-US" sz="1300" b="0" i="0" u="none" strike="noStrike" cap="none" normalizeH="0" baseline="0" dirty="0" smtClean="0">
+                <a:ln>
+                  <a:noFill/>
+                </a:ln>
+                <a:solidFill>
+                  <a:srgbClr val="000000"/>
+                </a:solidFill>
+                <a:effectLst/>
+                <a:latin typeface="Courier New" panose="02070309020205020404" pitchFamily="49" charset="0"/>
+                <a:cs typeface="Courier New" panose="02070309020205020404" pitchFamily="49" charset="0"/>
+              </a:rPr>
+            </a:br>
+            <a:r>
+              <a:rPr kumimoji="0" lang="en-US" altLang="en-US" sz="1300" b="0" i="1" u="none" strike="noStrike" cap="none" normalizeH="0" baseline="0" dirty="0" smtClean="0">
+                <a:ln>
+                  <a:noFill/>
+                </a:ln>
+                <a:solidFill>
+                  <a:srgbClr val="808080"/>
+                </a:solidFill>
+                <a:effectLst/>
+                <a:latin typeface="Courier New" panose="02070309020205020404" pitchFamily="49" charset="0"/>
+                <a:cs typeface="Courier New" panose="02070309020205020404" pitchFamily="49" charset="0"/>
+              </a:rPr>
+              <a:t>// Write data into the pending image.</a:t>
+            </a:r>
+            <a:br>
+              <a:rPr kumimoji="0" lang="en-US" altLang="en-US" sz="1300" b="0" i="1" u="none" strike="noStrike" cap="none" normalizeH="0" baseline="0" dirty="0" smtClean="0">
+                <a:ln>
+                  <a:noFill/>
+                </a:ln>
+                <a:solidFill>
+                  <a:srgbClr val="808080"/>
+                </a:solidFill>
+                <a:effectLst/>
+                <a:latin typeface="Courier New" panose="02070309020205020404" pitchFamily="49" charset="0"/>
+                <a:cs typeface="Courier New" panose="02070309020205020404" pitchFamily="49" charset="0"/>
+              </a:rPr>
+            </a:br>
+            <a:r>
+              <a:rPr kumimoji="0" lang="en-US" altLang="en-US" sz="1300" b="0" i="0" u="none" strike="noStrike" cap="none" normalizeH="0" baseline="0" dirty="0" smtClean="0">
+                <a:ln>
+                  <a:noFill/>
+                </a:ln>
+                <a:solidFill>
+                  <a:srgbClr val="000000"/>
+                </a:solidFill>
+                <a:effectLst/>
+                <a:latin typeface="Courier New" panose="02070309020205020404" pitchFamily="49" charset="0"/>
+                <a:cs typeface="Courier New" panose="02070309020205020404" pitchFamily="49" charset="0"/>
+              </a:rPr>
+              <a:t>} </a:t>
+            </a:r>
+            <a:r>
+              <a:rPr kumimoji="0" lang="en-US" altLang="en-US" sz="1300" b="1" i="0" u="none" strike="noStrike" cap="none" normalizeH="0" baseline="0" dirty="0" smtClean="0">
+                <a:ln>
+                  <a:noFill/>
+                </a:ln>
+                <a:solidFill>
+                  <a:srgbClr val="000080"/>
+                </a:solidFill>
+                <a:effectLst/>
+                <a:latin typeface="Courier New" panose="02070309020205020404" pitchFamily="49" charset="0"/>
+                <a:cs typeface="Courier New" panose="02070309020205020404" pitchFamily="49" charset="0"/>
+              </a:rPr>
+              <a:t>catch </a:t>
+            </a:r>
+            <a:r>
+              <a:rPr kumimoji="0" lang="en-US" altLang="en-US" sz="1300" b="0" i="0" u="none" strike="noStrike" cap="none" normalizeH="0" baseline="0" dirty="0" smtClean="0">
+                <a:ln>
+                  <a:noFill/>
+                </a:ln>
+                <a:solidFill>
+                  <a:srgbClr val="000000"/>
+                </a:solidFill>
+                <a:effectLst/>
+                <a:latin typeface="Courier New" panose="02070309020205020404" pitchFamily="49" charset="0"/>
+                <a:cs typeface="Courier New" panose="02070309020205020404" pitchFamily="49" charset="0"/>
+              </a:rPr>
+              <a:t>(</a:t>
+            </a:r>
+            <a:r>
+              <a:rPr kumimoji="0" lang="en-US" altLang="en-US" sz="1300" b="0" i="0" u="none" strike="noStrike" cap="none" normalizeH="0" baseline="0" dirty="0" err="1" smtClean="0">
+                <a:ln>
+                  <a:noFill/>
+                </a:ln>
+                <a:solidFill>
+                  <a:srgbClr val="000000"/>
+                </a:solidFill>
+                <a:effectLst/>
+                <a:latin typeface="Courier New" panose="02070309020205020404" pitchFamily="49" charset="0"/>
+                <a:cs typeface="Courier New" panose="02070309020205020404" pitchFamily="49" charset="0"/>
+              </a:rPr>
+              <a:t>IOException</a:t>
+            </a:r>
+            <a:r>
+              <a:rPr kumimoji="0" lang="en-US" altLang="en-US" sz="1300" b="0" i="0" u="none" strike="noStrike" cap="none" normalizeH="0" baseline="0" dirty="0" smtClean="0">
+                <a:ln>
+                  <a:noFill/>
+                </a:ln>
+                <a:solidFill>
+                  <a:srgbClr val="000000"/>
+                </a:solidFill>
+                <a:effectLst/>
+                <a:latin typeface="Courier New" panose="02070309020205020404" pitchFamily="49" charset="0"/>
+                <a:cs typeface="Courier New" panose="02070309020205020404" pitchFamily="49" charset="0"/>
+              </a:rPr>
+              <a:t> e) {</a:t>
+            </a:r>
+            <a:br>
+              <a:rPr kumimoji="0" lang="en-US" altLang="en-US" sz="1300" b="0" i="0" u="none" strike="noStrike" cap="none" normalizeH="0" baseline="0" dirty="0" smtClean="0">
+                <a:ln>
+                  <a:noFill/>
+                </a:ln>
+                <a:solidFill>
+                  <a:srgbClr val="000000"/>
+                </a:solidFill>
+                <a:effectLst/>
+                <a:latin typeface="Courier New" panose="02070309020205020404" pitchFamily="49" charset="0"/>
+                <a:cs typeface="Courier New" panose="02070309020205020404" pitchFamily="49" charset="0"/>
+              </a:rPr>
+            </a:br>
+            <a:r>
+              <a:rPr kumimoji="0" lang="en-US" altLang="en-US" sz="1300" b="0" i="0" u="none" strike="noStrike" cap="none" normalizeH="0" baseline="0" dirty="0" err="1" smtClean="0">
+                <a:ln>
+                  <a:noFill/>
+                </a:ln>
+                <a:solidFill>
+                  <a:srgbClr val="000000"/>
+                </a:solidFill>
+                <a:effectLst/>
+                <a:latin typeface="Courier New" panose="02070309020205020404" pitchFamily="49" charset="0"/>
+                <a:cs typeface="Courier New" panose="02070309020205020404" pitchFamily="49" charset="0"/>
+              </a:rPr>
+              <a:t>e.printStackTrace</a:t>
+            </a:r>
+            <a:r>
+              <a:rPr kumimoji="0" lang="en-US" altLang="en-US" sz="1300" b="0" i="0" u="none" strike="noStrike" cap="none" normalizeH="0" baseline="0" dirty="0" smtClean="0">
+                <a:ln>
+                  <a:noFill/>
+                </a:ln>
+                <a:solidFill>
+                  <a:srgbClr val="000000"/>
+                </a:solidFill>
+                <a:effectLst/>
+                <a:latin typeface="Courier New" panose="02070309020205020404" pitchFamily="49" charset="0"/>
+                <a:cs typeface="Courier New" panose="02070309020205020404" pitchFamily="49" charset="0"/>
+              </a:rPr>
+              <a:t>();</a:t>
+            </a:r>
+            <a:br>
+              <a:rPr kumimoji="0" lang="en-US" altLang="en-US" sz="1300" b="0" i="0" u="none" strike="noStrike" cap="none" normalizeH="0" baseline="0" dirty="0" smtClean="0">
+                <a:ln>
+                  <a:noFill/>
+                </a:ln>
+                <a:solidFill>
+                  <a:srgbClr val="000000"/>
+                </a:solidFill>
+                <a:effectLst/>
+                <a:latin typeface="Courier New" panose="02070309020205020404" pitchFamily="49" charset="0"/>
+                <a:cs typeface="Courier New" panose="02070309020205020404" pitchFamily="49" charset="0"/>
+              </a:rPr>
+            </a:br>
+            <a:r>
+              <a:rPr kumimoji="0" lang="en-US" altLang="en-US" sz="1300" b="0" i="0" u="none" strike="noStrike" cap="none" normalizeH="0" baseline="0" dirty="0" smtClean="0">
+                <a:ln>
+                  <a:noFill/>
+                </a:ln>
+                <a:solidFill>
+                  <a:srgbClr val="000000"/>
+                </a:solidFill>
+                <a:effectLst/>
+                <a:latin typeface="Courier New" panose="02070309020205020404" pitchFamily="49" charset="0"/>
+                <a:cs typeface="Courier New" panose="02070309020205020404" pitchFamily="49" charset="0"/>
+              </a:rPr>
+              <a:t>}</a:t>
+            </a:r>
+            <a:br>
+              <a:rPr kumimoji="0" lang="en-US" altLang="en-US" sz="1300" b="0" i="0" u="none" strike="noStrike" cap="none" normalizeH="0" baseline="0" dirty="0" smtClean="0">
+                <a:ln>
+                  <a:noFill/>
+                </a:ln>
+                <a:solidFill>
+                  <a:srgbClr val="000000"/>
+                </a:solidFill>
+                <a:effectLst/>
+                <a:latin typeface="Courier New" panose="02070309020205020404" pitchFamily="49" charset="0"/>
+                <a:cs typeface="Courier New" panose="02070309020205020404" pitchFamily="49" charset="0"/>
+              </a:rPr>
+            </a:br>
+            <a:r>
+              <a:rPr kumimoji="0" lang="en-US" altLang="en-US" sz="1300" b="0" i="0" u="none" strike="noStrike" cap="none" normalizeH="0" baseline="0" dirty="0" smtClean="0">
+                <a:ln>
+                  <a:noFill/>
+                </a:ln>
+                <a:solidFill>
+                  <a:srgbClr val="000000"/>
+                </a:solidFill>
+                <a:effectLst/>
+                <a:latin typeface="Courier New" panose="02070309020205020404" pitchFamily="49" charset="0"/>
+                <a:cs typeface="Courier New" panose="02070309020205020404" pitchFamily="49" charset="0"/>
+              </a:rPr>
+              <a:t/>
+            </a:r>
+            <a:br>
+              <a:rPr kumimoji="0" lang="en-US" altLang="en-US" sz="1300" b="0" i="0" u="none" strike="noStrike" cap="none" normalizeH="0" baseline="0" dirty="0" smtClean="0">
+                <a:ln>
+                  <a:noFill/>
+                </a:ln>
+                <a:solidFill>
+                  <a:srgbClr val="000000"/>
+                </a:solidFill>
+                <a:effectLst/>
+                <a:latin typeface="Courier New" panose="02070309020205020404" pitchFamily="49" charset="0"/>
+                <a:cs typeface="Courier New" panose="02070309020205020404" pitchFamily="49" charset="0"/>
+              </a:rPr>
+            </a:br>
+            <a:r>
+              <a:rPr kumimoji="0" lang="en-US" altLang="en-US" sz="1300" b="0" i="1" u="none" strike="noStrike" cap="none" normalizeH="0" baseline="0" dirty="0" smtClean="0">
+                <a:ln>
+                  <a:noFill/>
+                </a:ln>
+                <a:solidFill>
+                  <a:srgbClr val="808080"/>
+                </a:solidFill>
+                <a:effectLst/>
+                <a:latin typeface="Courier New" panose="02070309020205020404" pitchFamily="49" charset="0"/>
+                <a:cs typeface="Courier New" panose="02070309020205020404" pitchFamily="49" charset="0"/>
+              </a:rPr>
+              <a:t>// Now that we're finished, release the "pending" status, and allow other apps</a:t>
+            </a:r>
+            <a:br>
+              <a:rPr kumimoji="0" lang="en-US" altLang="en-US" sz="1300" b="0" i="1" u="none" strike="noStrike" cap="none" normalizeH="0" baseline="0" dirty="0" smtClean="0">
+                <a:ln>
+                  <a:noFill/>
+                </a:ln>
+                <a:solidFill>
+                  <a:srgbClr val="808080"/>
+                </a:solidFill>
+                <a:effectLst/>
+                <a:latin typeface="Courier New" panose="02070309020205020404" pitchFamily="49" charset="0"/>
+                <a:cs typeface="Courier New" panose="02070309020205020404" pitchFamily="49" charset="0"/>
+              </a:rPr>
+            </a:br>
+            <a:r>
+              <a:rPr kumimoji="0" lang="en-US" altLang="en-US" sz="1300" b="0" i="1" u="none" strike="noStrike" cap="none" normalizeH="0" baseline="0" dirty="0" smtClean="0">
+                <a:ln>
+                  <a:noFill/>
+                </a:ln>
+                <a:solidFill>
+                  <a:srgbClr val="808080"/>
+                </a:solidFill>
+                <a:effectLst/>
+                <a:latin typeface="Courier New" panose="02070309020205020404" pitchFamily="49" charset="0"/>
+                <a:cs typeface="Courier New" panose="02070309020205020404" pitchFamily="49" charset="0"/>
+              </a:rPr>
+              <a:t>// to view the image.</a:t>
+            </a:r>
+            <a:br>
+              <a:rPr kumimoji="0" lang="en-US" altLang="en-US" sz="1300" b="0" i="1" u="none" strike="noStrike" cap="none" normalizeH="0" baseline="0" dirty="0" smtClean="0">
+                <a:ln>
+                  <a:noFill/>
+                </a:ln>
+                <a:solidFill>
+                  <a:srgbClr val="808080"/>
+                </a:solidFill>
+                <a:effectLst/>
+                <a:latin typeface="Courier New" panose="02070309020205020404" pitchFamily="49" charset="0"/>
+                <a:cs typeface="Courier New" panose="02070309020205020404" pitchFamily="49" charset="0"/>
+              </a:rPr>
+            </a:br>
+            <a:r>
+              <a:rPr kumimoji="0" lang="en-US" altLang="en-US" sz="1300" b="0" i="0" u="none" strike="noStrike" cap="none" normalizeH="0" baseline="0" dirty="0" err="1" smtClean="0">
+                <a:ln>
+                  <a:noFill/>
+                </a:ln>
+                <a:solidFill>
+                  <a:srgbClr val="000000"/>
+                </a:solidFill>
+                <a:effectLst/>
+                <a:latin typeface="Courier New" panose="02070309020205020404" pitchFamily="49" charset="0"/>
+                <a:cs typeface="Courier New" panose="02070309020205020404" pitchFamily="49" charset="0"/>
+              </a:rPr>
+              <a:t>values.clear</a:t>
+            </a:r>
+            <a:r>
+              <a:rPr kumimoji="0" lang="en-US" altLang="en-US" sz="1300" b="0" i="0" u="none" strike="noStrike" cap="none" normalizeH="0" baseline="0" dirty="0" smtClean="0">
+                <a:ln>
+                  <a:noFill/>
+                </a:ln>
+                <a:solidFill>
+                  <a:srgbClr val="000000"/>
+                </a:solidFill>
+                <a:effectLst/>
+                <a:latin typeface="Courier New" panose="02070309020205020404" pitchFamily="49" charset="0"/>
+                <a:cs typeface="Courier New" panose="02070309020205020404" pitchFamily="49" charset="0"/>
+              </a:rPr>
+              <a:t>();</a:t>
+            </a:r>
+            <a:br>
+              <a:rPr kumimoji="0" lang="en-US" altLang="en-US" sz="1300" b="0" i="0" u="none" strike="noStrike" cap="none" normalizeH="0" baseline="0" dirty="0" smtClean="0">
+                <a:ln>
+                  <a:noFill/>
+                </a:ln>
+                <a:solidFill>
+                  <a:srgbClr val="000000"/>
+                </a:solidFill>
+                <a:effectLst/>
+                <a:latin typeface="Courier New" panose="02070309020205020404" pitchFamily="49" charset="0"/>
+                <a:cs typeface="Courier New" panose="02070309020205020404" pitchFamily="49" charset="0"/>
+              </a:rPr>
+            </a:br>
+            <a:r>
+              <a:rPr kumimoji="0" lang="en-US" altLang="en-US" sz="1300" b="0" i="0" u="none" strike="noStrike" cap="none" normalizeH="0" baseline="0" dirty="0" err="1" smtClean="0">
+                <a:ln>
+                  <a:noFill/>
+                </a:ln>
+                <a:solidFill>
+                  <a:srgbClr val="000000"/>
+                </a:solidFill>
+                <a:effectLst/>
+                <a:latin typeface="Courier New" panose="02070309020205020404" pitchFamily="49" charset="0"/>
+                <a:cs typeface="Courier New" panose="02070309020205020404" pitchFamily="49" charset="0"/>
+              </a:rPr>
+              <a:t>values.put</a:t>
+            </a:r>
+            <a:r>
+              <a:rPr kumimoji="0" lang="en-US" altLang="en-US" sz="1300" b="0" i="0" u="none" strike="noStrike" cap="none" normalizeH="0" baseline="0" dirty="0" smtClean="0">
+                <a:ln>
+                  <a:noFill/>
+                </a:ln>
+                <a:solidFill>
+                  <a:srgbClr val="000000"/>
+                </a:solidFill>
+                <a:effectLst/>
+                <a:latin typeface="Courier New" panose="02070309020205020404" pitchFamily="49" charset="0"/>
+                <a:cs typeface="Courier New" panose="02070309020205020404" pitchFamily="49" charset="0"/>
+              </a:rPr>
+              <a:t>(</a:t>
+            </a:r>
+            <a:r>
+              <a:rPr kumimoji="0" lang="en-US" altLang="en-US" sz="1300" b="0" i="0" u="none" strike="noStrike" cap="none" normalizeH="0" baseline="0" dirty="0" err="1" smtClean="0">
+                <a:ln>
+                  <a:noFill/>
+                </a:ln>
+                <a:solidFill>
+                  <a:srgbClr val="000000"/>
+                </a:solidFill>
+                <a:effectLst/>
+                <a:latin typeface="Courier New" panose="02070309020205020404" pitchFamily="49" charset="0"/>
+                <a:cs typeface="Courier New" panose="02070309020205020404" pitchFamily="49" charset="0"/>
+              </a:rPr>
+              <a:t>MediaStore.Images.Media.IS_PENDING</a:t>
+            </a:r>
+            <a:r>
+              <a:rPr kumimoji="0" lang="en-US" altLang="en-US" sz="1300" b="0" i="0" u="none" strike="noStrike" cap="none" normalizeH="0" baseline="0" dirty="0" smtClean="0">
+                <a:ln>
+                  <a:noFill/>
+                </a:ln>
+                <a:solidFill>
+                  <a:srgbClr val="000000"/>
+                </a:solidFill>
+                <a:effectLst/>
+                <a:latin typeface="Courier New" panose="02070309020205020404" pitchFamily="49" charset="0"/>
+                <a:cs typeface="Courier New" panose="02070309020205020404" pitchFamily="49" charset="0"/>
+              </a:rPr>
+              <a:t>, </a:t>
+            </a:r>
+            <a:r>
+              <a:rPr kumimoji="0" lang="en-US" altLang="en-US" sz="1300" b="0" i="0" u="none" strike="noStrike" cap="none" normalizeH="0" baseline="0" dirty="0" smtClean="0">
+                <a:ln>
+                  <a:noFill/>
+                </a:ln>
+                <a:solidFill>
+                  <a:srgbClr val="0000FF"/>
+                </a:solidFill>
+                <a:effectLst/>
+                <a:latin typeface="Courier New" panose="02070309020205020404" pitchFamily="49" charset="0"/>
+                <a:cs typeface="Courier New" panose="02070309020205020404" pitchFamily="49" charset="0"/>
+              </a:rPr>
+              <a:t>0</a:t>
+            </a:r>
+            <a:r>
+              <a:rPr kumimoji="0" lang="en-US" altLang="en-US" sz="1300" b="0" i="0" u="none" strike="noStrike" cap="none" normalizeH="0" baseline="0" dirty="0" smtClean="0">
+                <a:ln>
+                  <a:noFill/>
+                </a:ln>
+                <a:solidFill>
+                  <a:srgbClr val="000000"/>
+                </a:solidFill>
+                <a:effectLst/>
+                <a:latin typeface="Courier New" panose="02070309020205020404" pitchFamily="49" charset="0"/>
+                <a:cs typeface="Courier New" panose="02070309020205020404" pitchFamily="49" charset="0"/>
+              </a:rPr>
+              <a:t>);</a:t>
+            </a:r>
+            <a:br>
+              <a:rPr kumimoji="0" lang="en-US" altLang="en-US" sz="1300" b="0" i="0" u="none" strike="noStrike" cap="none" normalizeH="0" baseline="0" dirty="0" smtClean="0">
+                <a:ln>
+                  <a:noFill/>
+                </a:ln>
+                <a:solidFill>
+                  <a:srgbClr val="000000"/>
+                </a:solidFill>
+                <a:effectLst/>
+                <a:latin typeface="Courier New" panose="02070309020205020404" pitchFamily="49" charset="0"/>
+                <a:cs typeface="Courier New" panose="02070309020205020404" pitchFamily="49" charset="0"/>
+              </a:rPr>
+            </a:br>
+            <a:r>
+              <a:rPr kumimoji="0" lang="en-US" altLang="en-US" sz="1300" b="0" i="0" u="none" strike="noStrike" cap="none" normalizeH="0" baseline="0" dirty="0" err="1" smtClean="0">
+                <a:ln>
+                  <a:noFill/>
+                </a:ln>
+                <a:solidFill>
+                  <a:srgbClr val="000000"/>
+                </a:solidFill>
+                <a:effectLst/>
+                <a:latin typeface="Courier New" panose="02070309020205020404" pitchFamily="49" charset="0"/>
+                <a:cs typeface="Courier New" panose="02070309020205020404" pitchFamily="49" charset="0"/>
+              </a:rPr>
+              <a:t>resolver.update</a:t>
+            </a:r>
+            <a:r>
+              <a:rPr kumimoji="0" lang="en-US" altLang="en-US" sz="1300" b="0" i="0" u="none" strike="noStrike" cap="none" normalizeH="0" baseline="0" dirty="0" smtClean="0">
+                <a:ln>
+                  <a:noFill/>
+                </a:ln>
+                <a:solidFill>
+                  <a:srgbClr val="000000"/>
+                </a:solidFill>
+                <a:effectLst/>
+                <a:latin typeface="Courier New" panose="02070309020205020404" pitchFamily="49" charset="0"/>
+                <a:cs typeface="Courier New" panose="02070309020205020404" pitchFamily="49" charset="0"/>
+              </a:rPr>
+              <a:t>(item, values, </a:t>
+            </a:r>
+            <a:r>
+              <a:rPr kumimoji="0" lang="en-US" altLang="en-US" sz="1300" b="1" i="0" u="none" strike="noStrike" cap="none" normalizeH="0" baseline="0" dirty="0" smtClean="0">
+                <a:ln>
+                  <a:noFill/>
+                </a:ln>
+                <a:solidFill>
+                  <a:srgbClr val="000080"/>
+                </a:solidFill>
+                <a:effectLst/>
+                <a:latin typeface="Courier New" panose="02070309020205020404" pitchFamily="49" charset="0"/>
+                <a:cs typeface="Courier New" panose="02070309020205020404" pitchFamily="49" charset="0"/>
+              </a:rPr>
+              <a:t>null</a:t>
+            </a:r>
+            <a:r>
+              <a:rPr kumimoji="0" lang="en-US" altLang="en-US" sz="1300" b="0" i="0" u="none" strike="noStrike" cap="none" normalizeH="0" baseline="0" dirty="0" smtClean="0">
+                <a:ln>
+                  <a:noFill/>
+                </a:ln>
+                <a:solidFill>
+                  <a:srgbClr val="000000"/>
+                </a:solidFill>
+                <a:effectLst/>
+                <a:latin typeface="Courier New" panose="02070309020205020404" pitchFamily="49" charset="0"/>
+                <a:cs typeface="Courier New" panose="02070309020205020404" pitchFamily="49" charset="0"/>
+              </a:rPr>
+              <a:t>, </a:t>
+            </a:r>
+            <a:r>
+              <a:rPr kumimoji="0" lang="en-US" altLang="en-US" sz="1300" b="1" i="0" u="none" strike="noStrike" cap="none" normalizeH="0" baseline="0" dirty="0" smtClean="0">
+                <a:ln>
+                  <a:noFill/>
+                </a:ln>
+                <a:solidFill>
+                  <a:srgbClr val="000080"/>
+                </a:solidFill>
+                <a:effectLst/>
+                <a:latin typeface="Courier New" panose="02070309020205020404" pitchFamily="49" charset="0"/>
+                <a:cs typeface="Courier New" panose="02070309020205020404" pitchFamily="49" charset="0"/>
+              </a:rPr>
+              <a:t>null</a:t>
+            </a:r>
+            <a:r>
+              <a:rPr kumimoji="0" lang="en-US" altLang="en-US" sz="1300" b="0" i="0" u="none" strike="noStrike" cap="none" normalizeH="0" baseline="0" dirty="0" smtClean="0">
+                <a:ln>
+                  <a:noFill/>
+                </a:ln>
+                <a:solidFill>
+                  <a:srgbClr val="000000"/>
+                </a:solidFill>
+                <a:effectLst/>
+                <a:latin typeface="Courier New" panose="02070309020205020404" pitchFamily="49" charset="0"/>
+                <a:cs typeface="Courier New" panose="02070309020205020404" pitchFamily="49" charset="0"/>
+              </a:rPr>
+              <a:t>);</a:t>
+            </a:r>
+            <a:endParaRPr kumimoji="0" lang="en-US" altLang="en-US" sz="1300" b="0" i="0" u="none" strike="noStrike" cap="none" normalizeH="0" baseline="0" dirty="0" smtClean="0">
+              <a:ln>
+                <a:noFill/>
+              </a:ln>
+              <a:solidFill>
+                <a:schemeClr val="tx1"/>
+              </a:solidFill>
+              <a:effectLst/>
+              <a:latin typeface="Arial" panose="020B0604020202020204" pitchFamily="34" charset="0"/>
+            </a:endParaRPr>
+          </a:p>
+        </p:txBody>
+      </p:sp>
     </p:spTree>
     <p:extLst>
       <p:ext uri="{BB962C8B-B14F-4D97-AF65-F5344CB8AC3E}">
         <p14:creationId xmlns:p14="http://schemas.microsoft.com/office/powerpoint/2010/main" val="1579391644"/>
+      </p:ext>
+    </p:extLst>
+  </p:cSld>
+  <p:clrMapOvr>
+    <a:masterClrMapping/>
+  </p:clrMapOvr>
+  <p:timing>
+    <p:tnLst>
+      <p:par>
+        <p:cTn id="1" dur="indefinite" restart="never" nodeType="tmRoot"/>
+      </p:par>
+    </p:tnLst>
+  </p:timing>
+</p:sld>
+</file>
+
+<file path=ppt/slides/slide28.xml><?xml version="1.0" encoding="utf-8"?>
+<p:sld xmlns:a="http://schemas.openxmlformats.org/drawingml/2006/main" xmlns:r="http://schemas.openxmlformats.org/officeDocument/2006/relationships" xmlns:p="http://schemas.openxmlformats.org/presentationml/2006/main">
+  <p:cSld>
+    <p:spTree>
+      <p:nvGrpSpPr>
+        <p:cNvPr id="1" name=""/>
+        <p:cNvGrpSpPr/>
+        <p:nvPr/>
+      </p:nvGrpSpPr>
+      <p:grpSpPr>
+        <a:xfrm>
+          <a:off x="0" y="0"/>
+          <a:ext cx="0" cy="0"/>
+          <a:chOff x="0" y="0"/>
+          <a:chExt cx="0" cy="0"/>
+        </a:xfrm>
+      </p:grpSpPr>
+      <p:sp>
+        <p:nvSpPr>
+          <p:cNvPr id="2" name="Title 1"/>
+          <p:cNvSpPr>
+            <a:spLocks noGrp="1"/>
+          </p:cNvSpPr>
+          <p:nvPr>
+            <p:ph type="title"/>
+          </p:nvPr>
+        </p:nvSpPr>
+        <p:spPr>
+          <a:xfrm>
+            <a:off x="0" y="0"/>
+            <a:ext cx="10515600" cy="845127"/>
+          </a:xfrm>
+        </p:spPr>
+        <p:txBody>
+          <a:bodyPr/>
+          <a:lstStyle/>
+          <a:p>
+            <a:r>
+              <a:rPr lang="en-CA" dirty="0" smtClean="0"/>
+              <a:t>Update another app’s media files</a:t>
+            </a:r>
+            <a:endParaRPr lang="en-CA" dirty="0"/>
+          </a:p>
+        </p:txBody>
+      </p:sp>
+      <p:sp>
+        <p:nvSpPr>
+          <p:cNvPr id="3" name="Content Placeholder 2"/>
+          <p:cNvSpPr>
+            <a:spLocks noGrp="1"/>
+          </p:cNvSpPr>
+          <p:nvPr>
+            <p:ph idx="1"/>
+          </p:nvPr>
+        </p:nvSpPr>
+        <p:spPr>
+          <a:xfrm>
+            <a:off x="0" y="869660"/>
+            <a:ext cx="12192000" cy="2164485"/>
+          </a:xfrm>
+        </p:spPr>
+        <p:txBody>
+          <a:bodyPr/>
+          <a:lstStyle/>
+          <a:p>
+            <a:r>
+              <a:rPr lang="en-CA" dirty="0" smtClean="0"/>
+              <a:t>If your app uses scoped storage, ordinarily it cannot update a 	media file that a different app contributed to medi</a:t>
+            </a:r>
+            <a:r>
+              <a:rPr lang="en-CA" dirty="0" smtClean="0"/>
+              <a:t>a store</a:t>
+            </a:r>
+            <a:endParaRPr lang="en-CA" dirty="0" smtClean="0"/>
+          </a:p>
+          <a:p>
+            <a:r>
+              <a:rPr lang="en-CA" dirty="0" smtClean="0"/>
+              <a:t>To get user consent to modify file, c</a:t>
+            </a:r>
+            <a:r>
+              <a:rPr lang="en-CA" dirty="0" smtClean="0"/>
+              <a:t>atch the </a:t>
+            </a:r>
+            <a:r>
+              <a:rPr lang="en-CA" dirty="0" err="1" smtClean="0"/>
+              <a:t>RecoverableSecurity</a:t>
+            </a:r>
+            <a:r>
+              <a:rPr lang="en-CA" dirty="0" err="1" smtClean="0"/>
+              <a:t>Exception</a:t>
+            </a:r>
+            <a:r>
+              <a:rPr lang="en-CA" dirty="0" smtClean="0"/>
+              <a:t> and the request that the user grant your app write access to a specific item</a:t>
+            </a:r>
+            <a:endParaRPr lang="en-CA" dirty="0"/>
+          </a:p>
+        </p:txBody>
+      </p:sp>
+      <p:sp>
+        <p:nvSpPr>
+          <p:cNvPr id="4" name="Rectangle 3"/>
+          <p:cNvSpPr/>
+          <p:nvPr/>
+        </p:nvSpPr>
+        <p:spPr>
+          <a:xfrm>
+            <a:off x="0" y="6488668"/>
+            <a:ext cx="9144000" cy="369332"/>
+          </a:xfrm>
+          <a:prstGeom prst="rect">
+            <a:avLst/>
+          </a:prstGeom>
+        </p:spPr>
+        <p:txBody>
+          <a:bodyPr wrap="square">
+            <a:spAutoFit/>
+          </a:bodyPr>
+          <a:lstStyle/>
+          <a:p>
+            <a:r>
+              <a:rPr lang="en-CA">
+                <a:hlinkClick r:id="rId2"/>
+              </a:rPr>
+              <a:t>https://developer.android.com/training/data-storage/files/media</a:t>
+            </a:r>
+            <a:endParaRPr lang="en-CA"/>
+          </a:p>
+        </p:txBody>
+      </p:sp>
+      <p:sp>
+        <p:nvSpPr>
+          <p:cNvPr id="5" name="Rectangle 1"/>
+          <p:cNvSpPr>
+            <a:spLocks noChangeArrowheads="1"/>
+          </p:cNvSpPr>
+          <p:nvPr/>
+        </p:nvSpPr>
+        <p:spPr bwMode="auto">
+          <a:xfrm>
+            <a:off x="841996" y="3099321"/>
+            <a:ext cx="10508007" cy="2400657"/>
+          </a:xfrm>
+          <a:prstGeom prst="rect">
+            <a:avLst/>
+          </a:prstGeom>
+          <a:solidFill>
+            <a:srgbClr val="FFFFFF"/>
+          </a:solidFill>
+          <a:ln>
+            <a:noFill/>
+          </a:ln>
+          <a:effectLst/>
+          <a:extLst>
+            <a:ext uri="{91240B29-F687-4F45-9708-019B960494DF}">
+              <a14:hiddenLine xmlns:a14="http://schemas.microsoft.com/office/drawing/2010/main" w="9525">
+                <a:solidFill>
+                  <a:schemeClr val="tx1"/>
+                </a:solidFill>
+                <a:miter lim="800000"/>
+                <a:headEnd/>
+                <a:tailEnd/>
+              </a14:hiddenLine>
+            </a:ext>
+            <a:ext uri="{AF507438-7753-43E0-B8FC-AC1667EBCBE1}">
+              <a14:hiddenEffects xmlns:a14="http://schemas.microsoft.com/office/drawing/2010/main">
+                <a:effectLst>
+                  <a:outerShdw dist="35921" dir="2700000" algn="ctr" rotWithShape="0">
+                    <a:schemeClr val="bg2"/>
+                  </a:outerShdw>
+                </a:effectLst>
+              </a14:hiddenEffects>
+            </a:ext>
+          </a:extLst>
+        </p:spPr>
+        <p:txBody>
+          <a:bodyPr vert="horz" wrap="square" lIns="91440" tIns="45720" rIns="91440" bIns="45720" numCol="1" anchor="ctr" anchorCtr="0" compatLnSpc="1">
+            <a:prstTxWarp prst="textNoShape">
+              <a:avLst/>
+            </a:prstTxWarp>
+            <a:spAutoFit/>
+          </a:bodyPr>
+          <a:lstStyle/>
+          <a:p>
+            <a:pPr marL="0" marR="0" lvl="0" indent="0" algn="l" defTabSz="914400" rtl="0" eaLnBrk="0" fontAlgn="base" latinLnBrk="0" hangingPunct="0">
+              <a:lnSpc>
+                <a:spcPct val="100000"/>
+              </a:lnSpc>
+              <a:spcBef>
+                <a:spcPct val="0"/>
+              </a:spcBef>
+              <a:spcAft>
+                <a:spcPct val="0"/>
+              </a:spcAft>
+              <a:buClrTx/>
+              <a:buSzTx/>
+              <a:buFontTx/>
+              <a:buNone/>
+              <a:tabLst/>
+            </a:pPr>
+            <a:r>
+              <a:rPr kumimoji="0" lang="en-US" altLang="en-US" sz="1500" b="1" i="0" u="none" strike="noStrike" cap="none" normalizeH="0" baseline="0" dirty="0" smtClean="0">
+                <a:ln>
+                  <a:noFill/>
+                </a:ln>
+                <a:solidFill>
+                  <a:srgbClr val="000080"/>
+                </a:solidFill>
+                <a:effectLst/>
+                <a:latin typeface="Courier New" panose="02070309020205020404" pitchFamily="49" charset="0"/>
+                <a:cs typeface="Courier New" panose="02070309020205020404" pitchFamily="49" charset="0"/>
+              </a:rPr>
+              <a:t>try </a:t>
+            </a:r>
+            <a:r>
+              <a:rPr kumimoji="0" lang="en-US" altLang="en-US" sz="1500" b="0" i="0" u="none" strike="noStrike" cap="none" normalizeH="0" baseline="0" dirty="0" smtClean="0">
+                <a:ln>
+                  <a:noFill/>
+                </a:ln>
+                <a:solidFill>
+                  <a:srgbClr val="000000"/>
+                </a:solidFill>
+                <a:effectLst/>
+                <a:latin typeface="Courier New" panose="02070309020205020404" pitchFamily="49" charset="0"/>
+                <a:cs typeface="Courier New" panose="02070309020205020404" pitchFamily="49" charset="0"/>
+              </a:rPr>
+              <a:t>{</a:t>
+            </a:r>
+            <a:br>
+              <a:rPr kumimoji="0" lang="en-US" altLang="en-US" sz="1500" b="0" i="0" u="none" strike="noStrike" cap="none" normalizeH="0" baseline="0" dirty="0" smtClean="0">
+                <a:ln>
+                  <a:noFill/>
+                </a:ln>
+                <a:solidFill>
+                  <a:srgbClr val="000000"/>
+                </a:solidFill>
+                <a:effectLst/>
+                <a:latin typeface="Courier New" panose="02070309020205020404" pitchFamily="49" charset="0"/>
+                <a:cs typeface="Courier New" panose="02070309020205020404" pitchFamily="49" charset="0"/>
+              </a:rPr>
+            </a:br>
+            <a:r>
+              <a:rPr kumimoji="0" lang="en-US" altLang="en-US" sz="1500" b="0" i="0" u="none" strike="noStrike" cap="none" normalizeH="0" baseline="0" dirty="0" smtClean="0">
+                <a:ln>
+                  <a:noFill/>
+                </a:ln>
+                <a:solidFill>
+                  <a:srgbClr val="000000"/>
+                </a:solidFill>
+                <a:effectLst/>
+                <a:latin typeface="Courier New" panose="02070309020205020404" pitchFamily="49" charset="0"/>
+                <a:cs typeface="Courier New" panose="02070309020205020404" pitchFamily="49" charset="0"/>
+              </a:rPr>
+              <a:t>    </a:t>
+            </a:r>
+            <a:r>
+              <a:rPr kumimoji="0" lang="en-US" altLang="en-US" sz="1500" b="0" i="1" u="none" strike="noStrike" cap="none" normalizeH="0" baseline="0" dirty="0" smtClean="0">
+                <a:ln>
+                  <a:noFill/>
+                </a:ln>
+                <a:solidFill>
+                  <a:srgbClr val="808080"/>
+                </a:solidFill>
+                <a:effectLst/>
+                <a:latin typeface="Courier New" panose="02070309020205020404" pitchFamily="49" charset="0"/>
+                <a:cs typeface="Courier New" panose="02070309020205020404" pitchFamily="49" charset="0"/>
+              </a:rPr>
+              <a:t>// ...</a:t>
+            </a:r>
+            <a:br>
+              <a:rPr kumimoji="0" lang="en-US" altLang="en-US" sz="1500" b="0" i="1" u="none" strike="noStrike" cap="none" normalizeH="0" baseline="0" dirty="0" smtClean="0">
+                <a:ln>
+                  <a:noFill/>
+                </a:ln>
+                <a:solidFill>
+                  <a:srgbClr val="808080"/>
+                </a:solidFill>
+                <a:effectLst/>
+                <a:latin typeface="Courier New" panose="02070309020205020404" pitchFamily="49" charset="0"/>
+                <a:cs typeface="Courier New" panose="02070309020205020404" pitchFamily="49" charset="0"/>
+              </a:rPr>
+            </a:br>
+            <a:r>
+              <a:rPr kumimoji="0" lang="en-US" altLang="en-US" sz="1500" b="0" i="1" u="none" strike="noStrike" cap="none" normalizeH="0" baseline="0" dirty="0" smtClean="0">
+                <a:ln>
+                  <a:noFill/>
+                </a:ln>
+                <a:solidFill>
+                  <a:srgbClr val="808080"/>
+                </a:solidFill>
+                <a:effectLst/>
+                <a:latin typeface="Courier New" panose="02070309020205020404" pitchFamily="49" charset="0"/>
+                <a:cs typeface="Courier New" panose="02070309020205020404" pitchFamily="49" charset="0"/>
+              </a:rPr>
+              <a:t>    </a:t>
+            </a:r>
+            <a:r>
+              <a:rPr kumimoji="0" lang="en-US" altLang="en-US" sz="1500" b="0" i="0" u="none" strike="noStrike" cap="none" normalizeH="0" baseline="0" dirty="0" smtClean="0">
+                <a:ln>
+                  <a:noFill/>
+                </a:ln>
+                <a:solidFill>
+                  <a:srgbClr val="000000"/>
+                </a:solidFill>
+                <a:effectLst/>
+                <a:latin typeface="Courier New" panose="02070309020205020404" pitchFamily="49" charset="0"/>
+                <a:cs typeface="Courier New" panose="02070309020205020404" pitchFamily="49" charset="0"/>
+              </a:rPr>
+              <a:t>} </a:t>
+            </a:r>
+            <a:r>
+              <a:rPr kumimoji="0" lang="en-US" altLang="en-US" sz="1500" b="1" i="0" u="none" strike="noStrike" cap="none" normalizeH="0" baseline="0" dirty="0" smtClean="0">
+                <a:ln>
+                  <a:noFill/>
+                </a:ln>
+                <a:solidFill>
+                  <a:srgbClr val="000080"/>
+                </a:solidFill>
+                <a:effectLst/>
+                <a:latin typeface="Courier New" panose="02070309020205020404" pitchFamily="49" charset="0"/>
+                <a:cs typeface="Courier New" panose="02070309020205020404" pitchFamily="49" charset="0"/>
+              </a:rPr>
+              <a:t>catch </a:t>
+            </a:r>
+            <a:r>
+              <a:rPr kumimoji="0" lang="en-US" altLang="en-US" sz="1500" b="0" i="0" u="none" strike="noStrike" cap="none" normalizeH="0" baseline="0" dirty="0" smtClean="0">
+                <a:ln>
+                  <a:noFill/>
+                </a:ln>
+                <a:solidFill>
+                  <a:srgbClr val="000000"/>
+                </a:solidFill>
+                <a:effectLst/>
+                <a:latin typeface="Courier New" panose="02070309020205020404" pitchFamily="49" charset="0"/>
+                <a:cs typeface="Courier New" panose="02070309020205020404" pitchFamily="49" charset="0"/>
+              </a:rPr>
+              <a:t>(</a:t>
+            </a:r>
+            <a:r>
+              <a:rPr kumimoji="0" lang="en-US" altLang="en-US" sz="1500" b="0" i="0" u="none" strike="noStrike" cap="none" normalizeH="0" baseline="0" dirty="0" err="1" smtClean="0">
+                <a:ln>
+                  <a:noFill/>
+                </a:ln>
+                <a:solidFill>
+                  <a:srgbClr val="000000"/>
+                </a:solidFill>
+                <a:effectLst/>
+                <a:latin typeface="Courier New" panose="02070309020205020404" pitchFamily="49" charset="0"/>
+                <a:cs typeface="Courier New" panose="02070309020205020404" pitchFamily="49" charset="0"/>
+              </a:rPr>
+              <a:t>RecoverableSecurityException</a:t>
+            </a:r>
+            <a:r>
+              <a:rPr kumimoji="0" lang="en-US" altLang="en-US" sz="1500" b="0" i="0" u="none" strike="noStrike" cap="none" normalizeH="0" baseline="0" dirty="0" smtClean="0">
+                <a:ln>
+                  <a:noFill/>
+                </a:ln>
+                <a:solidFill>
+                  <a:srgbClr val="000000"/>
+                </a:solidFill>
+                <a:effectLst/>
+                <a:latin typeface="Courier New" panose="02070309020205020404" pitchFamily="49" charset="0"/>
+                <a:cs typeface="Courier New" panose="02070309020205020404" pitchFamily="49" charset="0"/>
+              </a:rPr>
+              <a:t> </a:t>
+            </a:r>
+            <a:r>
+              <a:rPr kumimoji="0" lang="en-US" altLang="en-US" sz="1500" b="0" i="0" u="none" strike="noStrike" cap="none" normalizeH="0" baseline="0" dirty="0" err="1" smtClean="0">
+                <a:ln>
+                  <a:noFill/>
+                </a:ln>
+                <a:solidFill>
+                  <a:srgbClr val="000000"/>
+                </a:solidFill>
+                <a:effectLst/>
+                <a:latin typeface="Courier New" panose="02070309020205020404" pitchFamily="49" charset="0"/>
+                <a:cs typeface="Courier New" panose="02070309020205020404" pitchFamily="49" charset="0"/>
+              </a:rPr>
+              <a:t>rse</a:t>
+            </a:r>
+            <a:r>
+              <a:rPr kumimoji="0" lang="en-US" altLang="en-US" sz="1500" b="0" i="0" u="none" strike="noStrike" cap="none" normalizeH="0" baseline="0" dirty="0" smtClean="0">
+                <a:ln>
+                  <a:noFill/>
+                </a:ln>
+                <a:solidFill>
+                  <a:srgbClr val="000000"/>
+                </a:solidFill>
+                <a:effectLst/>
+                <a:latin typeface="Courier New" panose="02070309020205020404" pitchFamily="49" charset="0"/>
+                <a:cs typeface="Courier New" panose="02070309020205020404" pitchFamily="49" charset="0"/>
+              </a:rPr>
+              <a:t>) {</a:t>
+            </a:r>
+            <a:br>
+              <a:rPr kumimoji="0" lang="en-US" altLang="en-US" sz="1500" b="0" i="0" u="none" strike="noStrike" cap="none" normalizeH="0" baseline="0" dirty="0" smtClean="0">
+                <a:ln>
+                  <a:noFill/>
+                </a:ln>
+                <a:solidFill>
+                  <a:srgbClr val="000000"/>
+                </a:solidFill>
+                <a:effectLst/>
+                <a:latin typeface="Courier New" panose="02070309020205020404" pitchFamily="49" charset="0"/>
+                <a:cs typeface="Courier New" panose="02070309020205020404" pitchFamily="49" charset="0"/>
+              </a:rPr>
+            </a:br>
+            <a:r>
+              <a:rPr kumimoji="0" lang="en-US" altLang="en-US" sz="1500" b="0" i="0" u="none" strike="noStrike" cap="none" normalizeH="0" baseline="0" dirty="0" smtClean="0">
+                <a:ln>
+                  <a:noFill/>
+                </a:ln>
+                <a:solidFill>
+                  <a:srgbClr val="000000"/>
+                </a:solidFill>
+                <a:effectLst/>
+                <a:latin typeface="Courier New" panose="02070309020205020404" pitchFamily="49" charset="0"/>
+                <a:cs typeface="Courier New" panose="02070309020205020404" pitchFamily="49" charset="0"/>
+              </a:rPr>
+              <a:t>    </a:t>
+            </a:r>
+            <a:r>
+              <a:rPr kumimoji="0" lang="en-US" altLang="en-US" sz="1500" b="0" i="0" u="none" strike="noStrike" cap="none" normalizeH="0" baseline="0" dirty="0" err="1" smtClean="0">
+                <a:ln>
+                  <a:noFill/>
+                </a:ln>
+                <a:solidFill>
+                  <a:srgbClr val="000000"/>
+                </a:solidFill>
+                <a:effectLst/>
+                <a:latin typeface="Courier New" panose="02070309020205020404" pitchFamily="49" charset="0"/>
+                <a:cs typeface="Courier New" panose="02070309020205020404" pitchFamily="49" charset="0"/>
+              </a:rPr>
+              <a:t>IntentSender</a:t>
+            </a:r>
+            <a:r>
+              <a:rPr kumimoji="0" lang="en-US" altLang="en-US" sz="1500" b="0" i="0" u="none" strike="noStrike" cap="none" normalizeH="0" baseline="0" dirty="0" smtClean="0">
+                <a:ln>
+                  <a:noFill/>
+                </a:ln>
+                <a:solidFill>
+                  <a:srgbClr val="000000"/>
+                </a:solidFill>
+                <a:effectLst/>
+                <a:latin typeface="Courier New" panose="02070309020205020404" pitchFamily="49" charset="0"/>
+                <a:cs typeface="Courier New" panose="02070309020205020404" pitchFamily="49" charset="0"/>
+              </a:rPr>
+              <a:t> </a:t>
+            </a:r>
+            <a:r>
+              <a:rPr kumimoji="0" lang="en-US" altLang="en-US" sz="1500" b="0" i="0" u="none" strike="noStrike" cap="none" normalizeH="0" baseline="0" dirty="0" err="1" smtClean="0">
+                <a:ln>
+                  <a:noFill/>
+                </a:ln>
+                <a:solidFill>
+                  <a:srgbClr val="000000"/>
+                </a:solidFill>
+                <a:effectLst/>
+                <a:latin typeface="Courier New" panose="02070309020205020404" pitchFamily="49" charset="0"/>
+                <a:cs typeface="Courier New" panose="02070309020205020404" pitchFamily="49" charset="0"/>
+              </a:rPr>
+              <a:t>requestAccessIntentSender</a:t>
+            </a:r>
+            <a:r>
+              <a:rPr kumimoji="0" lang="en-US" altLang="en-US" sz="1500" b="0" i="0" u="none" strike="noStrike" cap="none" normalizeH="0" baseline="0" dirty="0" smtClean="0">
+                <a:ln>
+                  <a:noFill/>
+                </a:ln>
+                <a:solidFill>
+                  <a:srgbClr val="000000"/>
+                </a:solidFill>
+                <a:effectLst/>
+                <a:latin typeface="Courier New" panose="02070309020205020404" pitchFamily="49" charset="0"/>
+                <a:cs typeface="Courier New" panose="02070309020205020404" pitchFamily="49" charset="0"/>
+              </a:rPr>
+              <a:t> = </a:t>
+            </a:r>
+            <a:r>
+              <a:rPr kumimoji="0" lang="en-US" altLang="en-US" sz="1500" b="0" i="0" u="none" strike="noStrike" cap="none" normalizeH="0" baseline="0" dirty="0" err="1" smtClean="0">
+                <a:ln>
+                  <a:noFill/>
+                </a:ln>
+                <a:solidFill>
+                  <a:srgbClr val="000000"/>
+                </a:solidFill>
+                <a:effectLst/>
+                <a:latin typeface="Courier New" panose="02070309020205020404" pitchFamily="49" charset="0"/>
+                <a:cs typeface="Courier New" panose="02070309020205020404" pitchFamily="49" charset="0"/>
+              </a:rPr>
+              <a:t>rse.getUserAction</a:t>
+            </a:r>
+            <a:r>
+              <a:rPr kumimoji="0" lang="en-US" altLang="en-US" sz="1500" b="0" i="0" u="none" strike="noStrike" cap="none" normalizeH="0" baseline="0" dirty="0" smtClean="0">
+                <a:ln>
+                  <a:noFill/>
+                </a:ln>
+                <a:solidFill>
+                  <a:srgbClr val="000000"/>
+                </a:solidFill>
+                <a:effectLst/>
+                <a:latin typeface="Courier New" panose="02070309020205020404" pitchFamily="49" charset="0"/>
+                <a:cs typeface="Courier New" panose="02070309020205020404" pitchFamily="49" charset="0"/>
+              </a:rPr>
+              <a:t>()</a:t>
+            </a:r>
+            <a:br>
+              <a:rPr kumimoji="0" lang="en-US" altLang="en-US" sz="1500" b="0" i="0" u="none" strike="noStrike" cap="none" normalizeH="0" baseline="0" dirty="0" smtClean="0">
+                <a:ln>
+                  <a:noFill/>
+                </a:ln>
+                <a:solidFill>
+                  <a:srgbClr val="000000"/>
+                </a:solidFill>
+                <a:effectLst/>
+                <a:latin typeface="Courier New" panose="02070309020205020404" pitchFamily="49" charset="0"/>
+                <a:cs typeface="Courier New" panose="02070309020205020404" pitchFamily="49" charset="0"/>
+              </a:rPr>
+            </a:br>
+            <a:r>
+              <a:rPr kumimoji="0" lang="en-US" altLang="en-US" sz="1500" b="0" i="0" u="none" strike="noStrike" cap="none" normalizeH="0" baseline="0" dirty="0" smtClean="0">
+                <a:ln>
+                  <a:noFill/>
+                </a:ln>
+                <a:solidFill>
+                  <a:srgbClr val="000000"/>
+                </a:solidFill>
+                <a:effectLst/>
+                <a:latin typeface="Courier New" panose="02070309020205020404" pitchFamily="49" charset="0"/>
+                <a:cs typeface="Courier New" panose="02070309020205020404" pitchFamily="49" charset="0"/>
+              </a:rPr>
+              <a:t>    .</a:t>
+            </a:r>
+            <a:r>
+              <a:rPr kumimoji="0" lang="en-US" altLang="en-US" sz="1500" b="0" i="0" u="none" strike="noStrike" cap="none" normalizeH="0" baseline="0" dirty="0" err="1" smtClean="0">
+                <a:ln>
+                  <a:noFill/>
+                </a:ln>
+                <a:solidFill>
+                  <a:srgbClr val="000000"/>
+                </a:solidFill>
+                <a:effectLst/>
+                <a:latin typeface="Courier New" panose="02070309020205020404" pitchFamily="49" charset="0"/>
+                <a:cs typeface="Courier New" panose="02070309020205020404" pitchFamily="49" charset="0"/>
+              </a:rPr>
+              <a:t>getActionIntent</a:t>
+            </a:r>
+            <a:r>
+              <a:rPr kumimoji="0" lang="en-US" altLang="en-US" sz="1500" b="0" i="0" u="none" strike="noStrike" cap="none" normalizeH="0" baseline="0" dirty="0" smtClean="0">
+                <a:ln>
+                  <a:noFill/>
+                </a:ln>
+                <a:solidFill>
+                  <a:srgbClr val="000000"/>
+                </a:solidFill>
+                <a:effectLst/>
+                <a:latin typeface="Courier New" panose="02070309020205020404" pitchFamily="49" charset="0"/>
+                <a:cs typeface="Courier New" panose="02070309020205020404" pitchFamily="49" charset="0"/>
+              </a:rPr>
+              <a:t>().</a:t>
+            </a:r>
+            <a:r>
+              <a:rPr kumimoji="0" lang="en-US" altLang="en-US" sz="1500" b="0" i="0" u="none" strike="noStrike" cap="none" normalizeH="0" baseline="0" dirty="0" err="1" smtClean="0">
+                <a:ln>
+                  <a:noFill/>
+                </a:ln>
+                <a:solidFill>
+                  <a:srgbClr val="000000"/>
+                </a:solidFill>
+                <a:effectLst/>
+                <a:latin typeface="Courier New" panose="02070309020205020404" pitchFamily="49" charset="0"/>
+                <a:cs typeface="Courier New" panose="02070309020205020404" pitchFamily="49" charset="0"/>
+              </a:rPr>
+              <a:t>getIntentSender</a:t>
+            </a:r>
+            <a:r>
+              <a:rPr kumimoji="0" lang="en-US" altLang="en-US" sz="1500" b="0" i="0" u="none" strike="noStrike" cap="none" normalizeH="0" baseline="0" dirty="0" smtClean="0">
+                <a:ln>
+                  <a:noFill/>
+                </a:ln>
+                <a:solidFill>
+                  <a:srgbClr val="000000"/>
+                </a:solidFill>
+                <a:effectLst/>
+                <a:latin typeface="Courier New" panose="02070309020205020404" pitchFamily="49" charset="0"/>
+                <a:cs typeface="Courier New" panose="02070309020205020404" pitchFamily="49" charset="0"/>
+              </a:rPr>
+              <a:t>();</a:t>
+            </a:r>
+            <a:br>
+              <a:rPr kumimoji="0" lang="en-US" altLang="en-US" sz="1500" b="0" i="0" u="none" strike="noStrike" cap="none" normalizeH="0" baseline="0" dirty="0" smtClean="0">
+                <a:ln>
+                  <a:noFill/>
+                </a:ln>
+                <a:solidFill>
+                  <a:srgbClr val="000000"/>
+                </a:solidFill>
+                <a:effectLst/>
+                <a:latin typeface="Courier New" panose="02070309020205020404" pitchFamily="49" charset="0"/>
+                <a:cs typeface="Courier New" panose="02070309020205020404" pitchFamily="49" charset="0"/>
+              </a:rPr>
+            </a:br>
+            <a:r>
+              <a:rPr kumimoji="0" lang="en-US" altLang="en-US" sz="1500" b="0" i="0" u="none" strike="noStrike" cap="none" normalizeH="0" baseline="0" dirty="0" smtClean="0">
+                <a:ln>
+                  <a:noFill/>
+                </a:ln>
+                <a:solidFill>
+                  <a:srgbClr val="000000"/>
+                </a:solidFill>
+                <a:effectLst/>
+                <a:latin typeface="Courier New" panose="02070309020205020404" pitchFamily="49" charset="0"/>
+                <a:cs typeface="Courier New" panose="02070309020205020404" pitchFamily="49" charset="0"/>
+              </a:rPr>
+              <a:t/>
+            </a:r>
+            <a:br>
+              <a:rPr kumimoji="0" lang="en-US" altLang="en-US" sz="1500" b="0" i="0" u="none" strike="noStrike" cap="none" normalizeH="0" baseline="0" dirty="0" smtClean="0">
+                <a:ln>
+                  <a:noFill/>
+                </a:ln>
+                <a:solidFill>
+                  <a:srgbClr val="000000"/>
+                </a:solidFill>
+                <a:effectLst/>
+                <a:latin typeface="Courier New" panose="02070309020205020404" pitchFamily="49" charset="0"/>
+                <a:cs typeface="Courier New" panose="02070309020205020404" pitchFamily="49" charset="0"/>
+              </a:rPr>
+            </a:br>
+            <a:r>
+              <a:rPr kumimoji="0" lang="en-US" altLang="en-US" sz="1500" b="0" i="0" u="none" strike="noStrike" cap="none" normalizeH="0" baseline="0" dirty="0" smtClean="0">
+                <a:ln>
+                  <a:noFill/>
+                </a:ln>
+                <a:solidFill>
+                  <a:srgbClr val="000000"/>
+                </a:solidFill>
+                <a:effectLst/>
+                <a:latin typeface="Courier New" panose="02070309020205020404" pitchFamily="49" charset="0"/>
+                <a:cs typeface="Courier New" panose="02070309020205020404" pitchFamily="49" charset="0"/>
+              </a:rPr>
+              <a:t>    </a:t>
+            </a:r>
+            <a:r>
+              <a:rPr kumimoji="0" lang="en-US" altLang="en-US" sz="1500" b="0" i="1" u="none" strike="noStrike" cap="none" normalizeH="0" baseline="0" dirty="0" smtClean="0">
+                <a:ln>
+                  <a:noFill/>
+                </a:ln>
+                <a:solidFill>
+                  <a:srgbClr val="808080"/>
+                </a:solidFill>
+                <a:effectLst/>
+                <a:latin typeface="Courier New" panose="02070309020205020404" pitchFamily="49" charset="0"/>
+                <a:cs typeface="Courier New" panose="02070309020205020404" pitchFamily="49" charset="0"/>
+              </a:rPr>
+              <a:t>// In your code, handle </a:t>
+            </a:r>
+            <a:r>
+              <a:rPr kumimoji="0" lang="en-US" altLang="en-US" sz="1500" b="0" i="1" u="none" strike="noStrike" cap="none" normalizeH="0" baseline="0" dirty="0" err="1" smtClean="0">
+                <a:ln>
+                  <a:noFill/>
+                </a:ln>
+                <a:solidFill>
+                  <a:srgbClr val="808080"/>
+                </a:solidFill>
+                <a:effectLst/>
+                <a:latin typeface="Courier New" panose="02070309020205020404" pitchFamily="49" charset="0"/>
+                <a:cs typeface="Courier New" panose="02070309020205020404" pitchFamily="49" charset="0"/>
+              </a:rPr>
+              <a:t>IntentSender.SendIntentException</a:t>
+            </a:r>
+            <a:r>
+              <a:rPr kumimoji="0" lang="en-US" altLang="en-US" sz="1500" b="0" i="1" u="none" strike="noStrike" cap="none" normalizeH="0" baseline="0" dirty="0" smtClean="0">
+                <a:ln>
+                  <a:noFill/>
+                </a:ln>
+                <a:solidFill>
+                  <a:srgbClr val="808080"/>
+                </a:solidFill>
+                <a:effectLst/>
+                <a:latin typeface="Courier New" panose="02070309020205020404" pitchFamily="49" charset="0"/>
+                <a:cs typeface="Courier New" panose="02070309020205020404" pitchFamily="49" charset="0"/>
+              </a:rPr>
+              <a:t>.</a:t>
+            </a:r>
+            <a:br>
+              <a:rPr kumimoji="0" lang="en-US" altLang="en-US" sz="1500" b="0" i="1" u="none" strike="noStrike" cap="none" normalizeH="0" baseline="0" dirty="0" smtClean="0">
+                <a:ln>
+                  <a:noFill/>
+                </a:ln>
+                <a:solidFill>
+                  <a:srgbClr val="808080"/>
+                </a:solidFill>
+                <a:effectLst/>
+                <a:latin typeface="Courier New" panose="02070309020205020404" pitchFamily="49" charset="0"/>
+                <a:cs typeface="Courier New" panose="02070309020205020404" pitchFamily="49" charset="0"/>
+              </a:rPr>
+            </a:br>
+            <a:r>
+              <a:rPr kumimoji="0" lang="en-US" altLang="en-US" sz="1500" b="0" i="1" u="none" strike="noStrike" cap="none" normalizeH="0" baseline="0" dirty="0" smtClean="0">
+                <a:ln>
+                  <a:noFill/>
+                </a:ln>
+                <a:solidFill>
+                  <a:srgbClr val="808080"/>
+                </a:solidFill>
+                <a:effectLst/>
+                <a:latin typeface="Courier New" panose="02070309020205020404" pitchFamily="49" charset="0"/>
+                <a:cs typeface="Courier New" panose="02070309020205020404" pitchFamily="49" charset="0"/>
+              </a:rPr>
+              <a:t>    </a:t>
+            </a:r>
+            <a:r>
+              <a:rPr kumimoji="0" lang="en-US" altLang="en-US" sz="1500" b="0" i="0" u="none" strike="noStrike" cap="none" normalizeH="0" baseline="0" dirty="0" err="1" smtClean="0">
+                <a:ln>
+                  <a:noFill/>
+                </a:ln>
+                <a:solidFill>
+                  <a:srgbClr val="000000"/>
+                </a:solidFill>
+                <a:effectLst/>
+                <a:latin typeface="Courier New" panose="02070309020205020404" pitchFamily="49" charset="0"/>
+                <a:cs typeface="Courier New" panose="02070309020205020404" pitchFamily="49" charset="0"/>
+              </a:rPr>
+              <a:t>startIntentSenderForResult</a:t>
+            </a:r>
+            <a:r>
+              <a:rPr kumimoji="0" lang="en-US" altLang="en-US" sz="1500" b="0" i="0" u="none" strike="noStrike" cap="none" normalizeH="0" baseline="0" dirty="0" smtClean="0">
+                <a:ln>
+                  <a:noFill/>
+                </a:ln>
+                <a:solidFill>
+                  <a:srgbClr val="000000"/>
+                </a:solidFill>
+                <a:effectLst/>
+                <a:latin typeface="Courier New" panose="02070309020205020404" pitchFamily="49" charset="0"/>
+                <a:cs typeface="Courier New" panose="02070309020205020404" pitchFamily="49" charset="0"/>
+              </a:rPr>
+              <a:t>(</a:t>
+            </a:r>
+            <a:r>
+              <a:rPr kumimoji="0" lang="en-US" altLang="en-US" sz="1500" b="0" i="0" u="none" strike="noStrike" cap="none" normalizeH="0" baseline="0" dirty="0" err="1" smtClean="0">
+                <a:ln>
+                  <a:noFill/>
+                </a:ln>
+                <a:solidFill>
+                  <a:srgbClr val="000000"/>
+                </a:solidFill>
+                <a:effectLst/>
+                <a:latin typeface="Courier New" panose="02070309020205020404" pitchFamily="49" charset="0"/>
+                <a:cs typeface="Courier New" panose="02070309020205020404" pitchFamily="49" charset="0"/>
+              </a:rPr>
+              <a:t>requestAccessIntentSender</a:t>
+            </a:r>
+            <a:r>
+              <a:rPr kumimoji="0" lang="en-US" altLang="en-US" sz="1500" b="0" i="0" u="none" strike="noStrike" cap="none" normalizeH="0" baseline="0" dirty="0" smtClean="0">
+                <a:ln>
+                  <a:noFill/>
+                </a:ln>
+                <a:solidFill>
+                  <a:srgbClr val="000000"/>
+                </a:solidFill>
+                <a:effectLst/>
+                <a:latin typeface="Courier New" panose="02070309020205020404" pitchFamily="49" charset="0"/>
+                <a:cs typeface="Courier New" panose="02070309020205020404" pitchFamily="49" charset="0"/>
+              </a:rPr>
+              <a:t>, your-request-code,</a:t>
+            </a:r>
+            <a:br>
+              <a:rPr kumimoji="0" lang="en-US" altLang="en-US" sz="1500" b="0" i="0" u="none" strike="noStrike" cap="none" normalizeH="0" baseline="0" dirty="0" smtClean="0">
+                <a:ln>
+                  <a:noFill/>
+                </a:ln>
+                <a:solidFill>
+                  <a:srgbClr val="000000"/>
+                </a:solidFill>
+                <a:effectLst/>
+                <a:latin typeface="Courier New" panose="02070309020205020404" pitchFamily="49" charset="0"/>
+                <a:cs typeface="Courier New" panose="02070309020205020404" pitchFamily="49" charset="0"/>
+              </a:rPr>
+            </a:br>
+            <a:r>
+              <a:rPr kumimoji="0" lang="en-US" altLang="en-US" sz="1500" b="0" i="0" u="none" strike="noStrike" cap="none" normalizeH="0" baseline="0" dirty="0" smtClean="0">
+                <a:ln>
+                  <a:noFill/>
+                </a:ln>
+                <a:solidFill>
+                  <a:srgbClr val="000000"/>
+                </a:solidFill>
+                <a:effectLst/>
+                <a:latin typeface="Courier New" panose="02070309020205020404" pitchFamily="49" charset="0"/>
+                <a:cs typeface="Courier New" panose="02070309020205020404" pitchFamily="49" charset="0"/>
+              </a:rPr>
+              <a:t>    </a:t>
+            </a:r>
+            <a:r>
+              <a:rPr kumimoji="0" lang="en-US" altLang="en-US" sz="1500" b="1" i="0" u="none" strike="noStrike" cap="none" normalizeH="0" baseline="0" dirty="0" smtClean="0">
+                <a:ln>
+                  <a:noFill/>
+                </a:ln>
+                <a:solidFill>
+                  <a:srgbClr val="000080"/>
+                </a:solidFill>
+                <a:effectLst/>
+                <a:latin typeface="Courier New" panose="02070309020205020404" pitchFamily="49" charset="0"/>
+                <a:cs typeface="Courier New" panose="02070309020205020404" pitchFamily="49" charset="0"/>
+              </a:rPr>
+              <a:t>null</a:t>
+            </a:r>
+            <a:r>
+              <a:rPr kumimoji="0" lang="en-US" altLang="en-US" sz="1500" b="0" i="0" u="none" strike="noStrike" cap="none" normalizeH="0" baseline="0" dirty="0" smtClean="0">
+                <a:ln>
+                  <a:noFill/>
+                </a:ln>
+                <a:solidFill>
+                  <a:srgbClr val="000000"/>
+                </a:solidFill>
+                <a:effectLst/>
+                <a:latin typeface="Courier New" panose="02070309020205020404" pitchFamily="49" charset="0"/>
+                <a:cs typeface="Courier New" panose="02070309020205020404" pitchFamily="49" charset="0"/>
+              </a:rPr>
+              <a:t>, </a:t>
+            </a:r>
+            <a:r>
+              <a:rPr kumimoji="0" lang="en-US" altLang="en-US" sz="1500" b="0" i="0" u="none" strike="noStrike" cap="none" normalizeH="0" baseline="0" dirty="0" smtClean="0">
+                <a:ln>
+                  <a:noFill/>
+                </a:ln>
+                <a:solidFill>
+                  <a:srgbClr val="0000FF"/>
+                </a:solidFill>
+                <a:effectLst/>
+                <a:latin typeface="Courier New" panose="02070309020205020404" pitchFamily="49" charset="0"/>
+                <a:cs typeface="Courier New" panose="02070309020205020404" pitchFamily="49" charset="0"/>
+              </a:rPr>
+              <a:t>0</a:t>
+            </a:r>
+            <a:r>
+              <a:rPr kumimoji="0" lang="en-US" altLang="en-US" sz="1500" b="0" i="0" u="none" strike="noStrike" cap="none" normalizeH="0" baseline="0" dirty="0" smtClean="0">
+                <a:ln>
+                  <a:noFill/>
+                </a:ln>
+                <a:solidFill>
+                  <a:srgbClr val="000000"/>
+                </a:solidFill>
+                <a:effectLst/>
+                <a:latin typeface="Courier New" panose="02070309020205020404" pitchFamily="49" charset="0"/>
+                <a:cs typeface="Courier New" panose="02070309020205020404" pitchFamily="49" charset="0"/>
+              </a:rPr>
+              <a:t>, </a:t>
+            </a:r>
+            <a:r>
+              <a:rPr kumimoji="0" lang="en-US" altLang="en-US" sz="1500" b="0" i="0" u="none" strike="noStrike" cap="none" normalizeH="0" baseline="0" dirty="0" smtClean="0">
+                <a:ln>
+                  <a:noFill/>
+                </a:ln>
+                <a:solidFill>
+                  <a:srgbClr val="0000FF"/>
+                </a:solidFill>
+                <a:effectLst/>
+                <a:latin typeface="Courier New" panose="02070309020205020404" pitchFamily="49" charset="0"/>
+                <a:cs typeface="Courier New" panose="02070309020205020404" pitchFamily="49" charset="0"/>
+              </a:rPr>
+              <a:t>0</a:t>
+            </a:r>
+            <a:r>
+              <a:rPr kumimoji="0" lang="en-US" altLang="en-US" sz="1500" b="0" i="0" u="none" strike="noStrike" cap="none" normalizeH="0" baseline="0" dirty="0" smtClean="0">
+                <a:ln>
+                  <a:noFill/>
+                </a:ln>
+                <a:solidFill>
+                  <a:srgbClr val="000000"/>
+                </a:solidFill>
+                <a:effectLst/>
+                <a:latin typeface="Courier New" panose="02070309020205020404" pitchFamily="49" charset="0"/>
+                <a:cs typeface="Courier New" panose="02070309020205020404" pitchFamily="49" charset="0"/>
+              </a:rPr>
+              <a:t>, </a:t>
+            </a:r>
+            <a:r>
+              <a:rPr kumimoji="0" lang="en-US" altLang="en-US" sz="1500" b="0" i="0" u="none" strike="noStrike" cap="none" normalizeH="0" baseline="0" dirty="0" smtClean="0">
+                <a:ln>
+                  <a:noFill/>
+                </a:ln>
+                <a:solidFill>
+                  <a:srgbClr val="0000FF"/>
+                </a:solidFill>
+                <a:effectLst/>
+                <a:latin typeface="Courier New" panose="02070309020205020404" pitchFamily="49" charset="0"/>
+                <a:cs typeface="Courier New" panose="02070309020205020404" pitchFamily="49" charset="0"/>
+              </a:rPr>
+              <a:t>0</a:t>
+            </a:r>
+            <a:r>
+              <a:rPr kumimoji="0" lang="en-US" altLang="en-US" sz="1500" b="0" i="0" u="none" strike="noStrike" cap="none" normalizeH="0" baseline="0" dirty="0" smtClean="0">
+                <a:ln>
+                  <a:noFill/>
+                </a:ln>
+                <a:solidFill>
+                  <a:srgbClr val="000000"/>
+                </a:solidFill>
+                <a:effectLst/>
+                <a:latin typeface="Courier New" panose="02070309020205020404" pitchFamily="49" charset="0"/>
+                <a:cs typeface="Courier New" panose="02070309020205020404" pitchFamily="49" charset="0"/>
+              </a:rPr>
+              <a:t>, </a:t>
+            </a:r>
+            <a:r>
+              <a:rPr kumimoji="0" lang="en-US" altLang="en-US" sz="1500" b="1" i="0" u="none" strike="noStrike" cap="none" normalizeH="0" baseline="0" dirty="0" smtClean="0">
+                <a:ln>
+                  <a:noFill/>
+                </a:ln>
+                <a:solidFill>
+                  <a:srgbClr val="000080"/>
+                </a:solidFill>
+                <a:effectLst/>
+                <a:latin typeface="Courier New" panose="02070309020205020404" pitchFamily="49" charset="0"/>
+                <a:cs typeface="Courier New" panose="02070309020205020404" pitchFamily="49" charset="0"/>
+              </a:rPr>
+              <a:t>null</a:t>
+            </a:r>
+            <a:r>
+              <a:rPr kumimoji="0" lang="en-US" altLang="en-US" sz="1500" b="0" i="0" u="none" strike="noStrike" cap="none" normalizeH="0" baseline="0" dirty="0" smtClean="0">
+                <a:ln>
+                  <a:noFill/>
+                </a:ln>
+                <a:solidFill>
+                  <a:srgbClr val="000000"/>
+                </a:solidFill>
+                <a:effectLst/>
+                <a:latin typeface="Courier New" panose="02070309020205020404" pitchFamily="49" charset="0"/>
+                <a:cs typeface="Courier New" panose="02070309020205020404" pitchFamily="49" charset="0"/>
+              </a:rPr>
+              <a:t>);</a:t>
+            </a:r>
+            <a:br>
+              <a:rPr kumimoji="0" lang="en-US" altLang="en-US" sz="1500" b="0" i="0" u="none" strike="noStrike" cap="none" normalizeH="0" baseline="0" dirty="0" smtClean="0">
+                <a:ln>
+                  <a:noFill/>
+                </a:ln>
+                <a:solidFill>
+                  <a:srgbClr val="000000"/>
+                </a:solidFill>
+                <a:effectLst/>
+                <a:latin typeface="Courier New" panose="02070309020205020404" pitchFamily="49" charset="0"/>
+                <a:cs typeface="Courier New" panose="02070309020205020404" pitchFamily="49" charset="0"/>
+              </a:rPr>
+            </a:br>
+            <a:r>
+              <a:rPr kumimoji="0" lang="en-US" altLang="en-US" sz="1500" b="0" i="0" u="none" strike="noStrike" cap="none" normalizeH="0" baseline="0" dirty="0" smtClean="0">
+                <a:ln>
+                  <a:noFill/>
+                </a:ln>
+                <a:solidFill>
+                  <a:srgbClr val="000000"/>
+                </a:solidFill>
+                <a:effectLst/>
+                <a:latin typeface="Courier New" panose="02070309020205020404" pitchFamily="49" charset="0"/>
+                <a:cs typeface="Courier New" panose="02070309020205020404" pitchFamily="49" charset="0"/>
+              </a:rPr>
+              <a:t>    }</a:t>
+            </a:r>
+            <a:endParaRPr kumimoji="0" lang="en-US" altLang="en-US" sz="1500" b="0" i="0" u="none" strike="noStrike" cap="none" normalizeH="0" baseline="0" dirty="0" smtClean="0">
+              <a:ln>
+                <a:noFill/>
+              </a:ln>
+              <a:solidFill>
+                <a:schemeClr val="tx1"/>
+              </a:solidFill>
+              <a:effectLst/>
+              <a:latin typeface="Arial" panose="020B0604020202020204" pitchFamily="34" charset="0"/>
+            </a:endParaRPr>
+          </a:p>
+        </p:txBody>
+      </p:sp>
+    </p:spTree>
+    <p:extLst>
+      <p:ext uri="{BB962C8B-B14F-4D97-AF65-F5344CB8AC3E}">
+        <p14:creationId xmlns:p14="http://schemas.microsoft.com/office/powerpoint/2010/main" val="570037472"/>
+      </p:ext>
+    </p:extLst>
+  </p:cSld>
+  <p:clrMapOvr>
+    <a:masterClrMapping/>
+  </p:clrMapOvr>
+  <p:timing>
+    <p:tnLst>
+      <p:par>
+        <p:cTn id="1" dur="indefinite" restart="never" nodeType="tmRoot"/>
+      </p:par>
+    </p:tnLst>
+  </p:timing>
+</p:sld>
+</file>
+
+<file path=ppt/slides/slide29.xml><?xml version="1.0" encoding="utf-8"?>
+<p:sld xmlns:a="http://schemas.openxmlformats.org/drawingml/2006/main" xmlns:r="http://schemas.openxmlformats.org/officeDocument/2006/relationships" xmlns:p="http://schemas.openxmlformats.org/presentationml/2006/main">
+  <p:cSld>
+    <p:spTree>
+      <p:nvGrpSpPr>
+        <p:cNvPr id="1" name=""/>
+        <p:cNvGrpSpPr/>
+        <p:nvPr/>
+      </p:nvGrpSpPr>
+      <p:grpSpPr>
+        <a:xfrm>
+          <a:off x="0" y="0"/>
+          <a:ext cx="0" cy="0"/>
+          <a:chOff x="0" y="0"/>
+          <a:chExt cx="0" cy="0"/>
+        </a:xfrm>
+      </p:grpSpPr>
+      <p:sp>
+        <p:nvSpPr>
+          <p:cNvPr id="2" name="Title 1"/>
+          <p:cNvSpPr>
+            <a:spLocks noGrp="1"/>
+          </p:cNvSpPr>
+          <p:nvPr>
+            <p:ph type="title"/>
+          </p:nvPr>
+        </p:nvSpPr>
+        <p:spPr>
+          <a:xfrm>
+            <a:off x="0" y="0"/>
+            <a:ext cx="10515600" cy="845127"/>
+          </a:xfrm>
+        </p:spPr>
+        <p:txBody>
+          <a:bodyPr/>
+          <a:lstStyle/>
+          <a:p>
+            <a:r>
+              <a:rPr lang="en-CA" dirty="0" smtClean="0"/>
+              <a:t>Common use cases:</a:t>
+            </a:r>
+            <a:endParaRPr lang="en-CA" dirty="0"/>
+          </a:p>
+        </p:txBody>
+      </p:sp>
+      <p:sp>
+        <p:nvSpPr>
+          <p:cNvPr id="3" name="Content Placeholder 2"/>
+          <p:cNvSpPr>
+            <a:spLocks noGrp="1"/>
+          </p:cNvSpPr>
+          <p:nvPr>
+            <p:ph idx="1"/>
+          </p:nvPr>
+        </p:nvSpPr>
+        <p:spPr>
+          <a:xfrm>
+            <a:off x="0" y="869660"/>
+            <a:ext cx="12192000" cy="5619007"/>
+          </a:xfrm>
+        </p:spPr>
+        <p:txBody>
+          <a:bodyPr>
+            <a:normAutofit fontScale="85000" lnSpcReduction="20000"/>
+          </a:bodyPr>
+          <a:lstStyle/>
+          <a:p>
+            <a:r>
+              <a:rPr lang="en-CA" b="1" dirty="0" smtClean="0"/>
+              <a:t>Share media files: </a:t>
+            </a:r>
+          </a:p>
+          <a:p>
+            <a:r>
+              <a:rPr lang="en-CA" dirty="0" smtClean="0"/>
+              <a:t>Some apps (social media apps) allow users to share media files with each other</a:t>
+            </a:r>
+          </a:p>
+          <a:p>
+            <a:r>
+              <a:rPr lang="en-CA" dirty="0" smtClean="0"/>
+              <a:t>To access media files the user wants to share, use </a:t>
+            </a:r>
+            <a:r>
+              <a:rPr lang="en-CA" dirty="0" err="1" smtClean="0"/>
+              <a:t>getContentResolver</a:t>
+            </a:r>
+            <a:r>
+              <a:rPr lang="en-CA" dirty="0"/>
+              <a:t> </a:t>
+            </a:r>
+            <a:r>
+              <a:rPr lang="en-CA" dirty="0" smtClean="0"/>
+              <a:t>as described in previous slide</a:t>
+            </a:r>
+          </a:p>
+          <a:p>
+            <a:r>
+              <a:rPr lang="en-CA" b="1" dirty="0" smtClean="0"/>
+              <a:t>Work in documents:</a:t>
+            </a:r>
+          </a:p>
+          <a:p>
+            <a:r>
+              <a:rPr lang="en-CA" dirty="0" smtClean="0"/>
+              <a:t>Some apps use documents as unit of storage in which user enters data they may want to share or import to other documents</a:t>
+            </a:r>
+          </a:p>
+          <a:p>
+            <a:pPr lvl="1"/>
+            <a:r>
+              <a:rPr lang="en-CA" dirty="0" smtClean="0"/>
+              <a:t>Example: user opening a business productivity document, or book saved as EPUB</a:t>
+            </a:r>
+          </a:p>
+          <a:p>
+            <a:r>
+              <a:rPr lang="en-CA" dirty="0" smtClean="0"/>
+              <a:t>In these cases, allow user to select file to open by invoking ACTION_OPEN_DOCUMENT intent, which opens system’s file picker app. Include the </a:t>
+            </a:r>
+            <a:r>
+              <a:rPr lang="en-CA" dirty="0" err="1" smtClean="0"/>
+              <a:t>Intent.EXTRA_MIME_TYPES</a:t>
+            </a:r>
+            <a:r>
+              <a:rPr lang="en-CA" dirty="0"/>
+              <a:t> </a:t>
+            </a:r>
+            <a:r>
+              <a:rPr lang="en-CA" dirty="0" smtClean="0"/>
+              <a:t>extra to show only files your app supports</a:t>
+            </a:r>
+          </a:p>
+          <a:p>
+            <a:r>
+              <a:rPr lang="en-CA" b="1" dirty="0" smtClean="0"/>
+              <a:t>Manage groups of files:</a:t>
+            </a:r>
+          </a:p>
+          <a:p>
+            <a:r>
+              <a:rPr lang="en-CA" dirty="0" smtClean="0"/>
+              <a:t>File management and media creation apps typically manage groups of files in a directory hierarchy </a:t>
+            </a:r>
+          </a:p>
+          <a:p>
+            <a:r>
+              <a:rPr lang="en-CA" dirty="0" smtClean="0"/>
+              <a:t>These apps can invoke the ACTION_OPEN_DOCUMENT_TREE intent to grant access to an entire directory. </a:t>
+            </a:r>
+            <a:endParaRPr lang="en-CA" dirty="0"/>
+          </a:p>
+          <a:p>
+            <a:pPr lvl="1"/>
+            <a:r>
+              <a:rPr lang="en-CA" dirty="0" smtClean="0"/>
+              <a:t>This allows users to decide exactly what content they’re comfortable sharing with your app.</a:t>
+            </a:r>
+          </a:p>
+          <a:p>
+            <a:endParaRPr lang="en-CA" dirty="0" smtClean="0"/>
+          </a:p>
+          <a:p>
+            <a:pPr lvl="1"/>
+            <a:endParaRPr lang="en-CA" dirty="0"/>
+          </a:p>
+        </p:txBody>
+      </p:sp>
+      <p:sp>
+        <p:nvSpPr>
+          <p:cNvPr id="4" name="Rectangle 3"/>
+          <p:cNvSpPr/>
+          <p:nvPr/>
+        </p:nvSpPr>
+        <p:spPr>
+          <a:xfrm>
+            <a:off x="0" y="6488668"/>
+            <a:ext cx="9144000" cy="369332"/>
+          </a:xfrm>
+          <a:prstGeom prst="rect">
+            <a:avLst/>
+          </a:prstGeom>
+        </p:spPr>
+        <p:txBody>
+          <a:bodyPr wrap="square">
+            <a:spAutoFit/>
+          </a:bodyPr>
+          <a:lstStyle/>
+          <a:p>
+            <a:r>
+              <a:rPr lang="en-CA">
+                <a:hlinkClick r:id="rId2"/>
+              </a:rPr>
+              <a:t>https://developer.android.com/training/data-storage/files/media</a:t>
+            </a:r>
+            <a:endParaRPr lang="en-CA"/>
+          </a:p>
+        </p:txBody>
+      </p:sp>
+    </p:spTree>
+    <p:extLst>
+      <p:ext uri="{BB962C8B-B14F-4D97-AF65-F5344CB8AC3E}">
+        <p14:creationId xmlns:p14="http://schemas.microsoft.com/office/powerpoint/2010/main" val="876361490"/>
       </p:ext>
     </p:extLst>
   </p:cSld>
@@ -14454,6 +18490,2392 @@
     <p:extLst>
       <p:ext uri="{BB962C8B-B14F-4D97-AF65-F5344CB8AC3E}">
         <p14:creationId xmlns:p14="http://schemas.microsoft.com/office/powerpoint/2010/main" val="107460864"/>
+      </p:ext>
+    </p:extLst>
+  </p:cSld>
+  <p:clrMapOvr>
+    <a:masterClrMapping/>
+  </p:clrMapOvr>
+  <p:timing>
+    <p:tnLst>
+      <p:par>
+        <p:cTn id="1" dur="indefinite" restart="never" nodeType="tmRoot"/>
+      </p:par>
+    </p:tnLst>
+  </p:timing>
+</p:sld>
+</file>
+
+<file path=ppt/slides/slide30.xml><?xml version="1.0" encoding="utf-8"?>
+<p:sld xmlns:a="http://schemas.openxmlformats.org/drawingml/2006/main" xmlns:r="http://schemas.openxmlformats.org/officeDocument/2006/relationships" xmlns:p="http://schemas.openxmlformats.org/presentationml/2006/main">
+  <p:cSld>
+    <p:spTree>
+      <p:nvGrpSpPr>
+        <p:cNvPr id="1" name=""/>
+        <p:cNvGrpSpPr/>
+        <p:nvPr/>
+      </p:nvGrpSpPr>
+      <p:grpSpPr>
+        <a:xfrm>
+          <a:off x="0" y="0"/>
+          <a:ext cx="0" cy="0"/>
+          <a:chOff x="0" y="0"/>
+          <a:chExt cx="0" cy="0"/>
+        </a:xfrm>
+      </p:grpSpPr>
+      <p:sp>
+        <p:nvSpPr>
+          <p:cNvPr id="2" name="Title 1"/>
+          <p:cNvSpPr>
+            <a:spLocks noGrp="1"/>
+          </p:cNvSpPr>
+          <p:nvPr>
+            <p:ph type="title"/>
+          </p:nvPr>
+        </p:nvSpPr>
+        <p:spPr>
+          <a:xfrm>
+            <a:off x="0" y="0"/>
+            <a:ext cx="10515600" cy="845127"/>
+          </a:xfrm>
+        </p:spPr>
+        <p:txBody>
+          <a:bodyPr/>
+          <a:lstStyle/>
+          <a:p>
+            <a:r>
+              <a:rPr lang="en-CA" dirty="0" smtClean="0"/>
+              <a:t>Save key-value data</a:t>
+            </a:r>
+            <a:endParaRPr lang="en-CA" dirty="0"/>
+          </a:p>
+        </p:txBody>
+      </p:sp>
+      <p:sp>
+        <p:nvSpPr>
+          <p:cNvPr id="3" name="Content Placeholder 2"/>
+          <p:cNvSpPr>
+            <a:spLocks noGrp="1"/>
+          </p:cNvSpPr>
+          <p:nvPr>
+            <p:ph idx="1"/>
+          </p:nvPr>
+        </p:nvSpPr>
+        <p:spPr>
+          <a:xfrm>
+            <a:off x="0" y="869660"/>
+            <a:ext cx="12192000" cy="4644449"/>
+          </a:xfrm>
+        </p:spPr>
+        <p:txBody>
+          <a:bodyPr>
+            <a:normAutofit lnSpcReduction="10000"/>
+          </a:bodyPr>
+          <a:lstStyle/>
+          <a:p>
+            <a:r>
+              <a:rPr lang="en-CA" dirty="0" smtClean="0"/>
+              <a:t>Use </a:t>
+            </a:r>
+            <a:r>
+              <a:rPr lang="en-CA" dirty="0" err="1" smtClean="0"/>
+              <a:t>SharedPreferences</a:t>
+            </a:r>
+            <a:r>
+              <a:rPr lang="en-CA" dirty="0" smtClean="0"/>
+              <a:t> API to save small collection of key-values to save</a:t>
+            </a:r>
+          </a:p>
+          <a:p>
+            <a:r>
+              <a:rPr lang="en-CA" dirty="0" err="1" smtClean="0"/>
+              <a:t>SharedPreferences</a:t>
+            </a:r>
+            <a:r>
+              <a:rPr lang="en-CA" dirty="0" smtClean="0"/>
+              <a:t> object points to a file containing key-value pairs, providing simple methods to read/write the pairs</a:t>
+            </a:r>
+          </a:p>
+          <a:p>
+            <a:r>
+              <a:rPr lang="en-CA" b="1" dirty="0" smtClean="0"/>
+              <a:t>Get a handle to shared preferences:</a:t>
+            </a:r>
+          </a:p>
+          <a:p>
+            <a:r>
+              <a:rPr lang="en-CA" dirty="0" smtClean="0"/>
+              <a:t>Can create new shared preference file or access existing one by calling either:</a:t>
+            </a:r>
+          </a:p>
+          <a:p>
+            <a:pPr lvl="1"/>
+            <a:r>
+              <a:rPr lang="en-CA" dirty="0" err="1" smtClean="0"/>
+              <a:t>getSharedPreferences</a:t>
+            </a:r>
+            <a:r>
+              <a:rPr lang="en-CA" dirty="0" smtClean="0"/>
+              <a:t>() – if you need multiple shared preference files identified by name, which you specify with first parameter; can be called from any Context within app</a:t>
+            </a:r>
+          </a:p>
+          <a:p>
+            <a:pPr lvl="1"/>
+            <a:r>
+              <a:rPr lang="en-CA" dirty="0" err="1" smtClean="0"/>
+              <a:t>getPreferences</a:t>
+            </a:r>
+            <a:r>
+              <a:rPr lang="en-CA" dirty="0" smtClean="0"/>
+              <a:t>() – use from a specific Activity to get only shared preference file for that specific activity. Retrieve’s the activity’s default shared preference file, no parameters.</a:t>
+            </a:r>
+          </a:p>
+          <a:p>
+            <a:r>
+              <a:rPr lang="en-CA" dirty="0" smtClean="0"/>
+              <a:t>Example: access shared preferences file identified by resource string </a:t>
+            </a:r>
+            <a:r>
+              <a:rPr lang="en-CA" dirty="0" err="1" smtClean="0"/>
+              <a:t>R.string.preference_file_key</a:t>
+            </a:r>
+            <a:r>
+              <a:rPr lang="en-CA" dirty="0" smtClean="0"/>
+              <a:t>, and open it using private mode (only accessible to your app)</a:t>
+            </a:r>
+          </a:p>
+          <a:p>
+            <a:pPr lvl="1"/>
+            <a:endParaRPr lang="en-CA" dirty="0"/>
+          </a:p>
+        </p:txBody>
+      </p:sp>
+      <p:sp>
+        <p:nvSpPr>
+          <p:cNvPr id="4" name="Rectangle 3"/>
+          <p:cNvSpPr/>
+          <p:nvPr/>
+        </p:nvSpPr>
+        <p:spPr>
+          <a:xfrm>
+            <a:off x="0" y="6488668"/>
+            <a:ext cx="9144000" cy="369332"/>
+          </a:xfrm>
+          <a:prstGeom prst="rect">
+            <a:avLst/>
+          </a:prstGeom>
+        </p:spPr>
+        <p:txBody>
+          <a:bodyPr wrap="square">
+            <a:spAutoFit/>
+          </a:bodyPr>
+          <a:lstStyle/>
+          <a:p>
+            <a:r>
+              <a:rPr lang="en-CA" dirty="0">
+                <a:hlinkClick r:id="rId2"/>
+              </a:rPr>
+              <a:t>https://developer.android.com/training/data-storage/shared-preferences</a:t>
+            </a:r>
+            <a:endParaRPr lang="en-CA" dirty="0"/>
+          </a:p>
+        </p:txBody>
+      </p:sp>
+      <p:sp>
+        <p:nvSpPr>
+          <p:cNvPr id="5" name="Rectangle 1"/>
+          <p:cNvSpPr>
+            <a:spLocks noChangeArrowheads="1"/>
+          </p:cNvSpPr>
+          <p:nvPr/>
+        </p:nvSpPr>
+        <p:spPr bwMode="auto">
+          <a:xfrm>
+            <a:off x="1911928" y="5304196"/>
+            <a:ext cx="9972602" cy="923330"/>
+          </a:xfrm>
+          <a:prstGeom prst="rect">
+            <a:avLst/>
+          </a:prstGeom>
+          <a:solidFill>
+            <a:srgbClr val="FFFFFF"/>
+          </a:solidFill>
+          <a:ln>
+            <a:noFill/>
+          </a:ln>
+          <a:effectLst/>
+          <a:extLst>
+            <a:ext uri="{91240B29-F687-4F45-9708-019B960494DF}">
+              <a14:hiddenLine xmlns:a14="http://schemas.microsoft.com/office/drawing/2010/main" w="9525">
+                <a:solidFill>
+                  <a:schemeClr val="tx1"/>
+                </a:solidFill>
+                <a:miter lim="800000"/>
+                <a:headEnd/>
+                <a:tailEnd/>
+              </a14:hiddenLine>
+            </a:ext>
+            <a:ext uri="{AF507438-7753-43E0-B8FC-AC1667EBCBE1}">
+              <a14:hiddenEffects xmlns:a14="http://schemas.microsoft.com/office/drawing/2010/main">
+                <a:effectLst>
+                  <a:outerShdw dist="35921" dir="2700000" algn="ctr" rotWithShape="0">
+                    <a:schemeClr val="bg2"/>
+                  </a:outerShdw>
+                </a:effectLst>
+              </a14:hiddenEffects>
+            </a:ext>
+          </a:extLst>
+        </p:spPr>
+        <p:txBody>
+          <a:bodyPr vert="horz" wrap="none" lIns="91440" tIns="45720" rIns="91440" bIns="45720" numCol="1" anchor="ctr" anchorCtr="0" compatLnSpc="1">
+            <a:prstTxWarp prst="textNoShape">
+              <a:avLst/>
+            </a:prstTxWarp>
+            <a:spAutoFit/>
+          </a:bodyPr>
+          <a:lstStyle/>
+          <a:p>
+            <a:pPr marL="0" marR="0" lvl="0" indent="0" algn="l" defTabSz="914400" rtl="0" eaLnBrk="0" fontAlgn="base" latinLnBrk="0" hangingPunct="0">
+              <a:lnSpc>
+                <a:spcPct val="100000"/>
+              </a:lnSpc>
+              <a:spcBef>
+                <a:spcPct val="0"/>
+              </a:spcBef>
+              <a:spcAft>
+                <a:spcPct val="0"/>
+              </a:spcAft>
+              <a:buClrTx/>
+              <a:buSzTx/>
+              <a:buFontTx/>
+              <a:buNone/>
+              <a:tabLst/>
+            </a:pPr>
+            <a:r>
+              <a:rPr kumimoji="0" lang="en-US" altLang="en-US" b="0" i="0" u="none" strike="noStrike" cap="none" normalizeH="0" baseline="0" dirty="0" smtClean="0">
+                <a:ln>
+                  <a:noFill/>
+                </a:ln>
+                <a:solidFill>
+                  <a:srgbClr val="000000"/>
+                </a:solidFill>
+                <a:effectLst/>
+                <a:latin typeface="Courier New" panose="02070309020205020404" pitchFamily="49" charset="0"/>
+                <a:cs typeface="Courier New" panose="02070309020205020404" pitchFamily="49" charset="0"/>
+              </a:rPr>
+              <a:t>Context </a:t>
+            </a:r>
+            <a:r>
+              <a:rPr kumimoji="0" lang="en-US" altLang="en-US" b="1" i="0" u="none" strike="noStrike" cap="none" normalizeH="0" baseline="0" dirty="0" err="1" smtClean="0">
+                <a:ln>
+                  <a:noFill/>
+                </a:ln>
+                <a:solidFill>
+                  <a:srgbClr val="660E7A"/>
+                </a:solidFill>
+                <a:effectLst/>
+                <a:latin typeface="Courier New" panose="02070309020205020404" pitchFamily="49" charset="0"/>
+                <a:cs typeface="Courier New" panose="02070309020205020404" pitchFamily="49" charset="0"/>
+              </a:rPr>
+              <a:t>context</a:t>
+            </a:r>
+            <a:r>
+              <a:rPr kumimoji="0" lang="en-US" altLang="en-US" b="1" i="0" u="none" strike="noStrike" cap="none" normalizeH="0" baseline="0" dirty="0" smtClean="0">
+                <a:ln>
+                  <a:noFill/>
+                </a:ln>
+                <a:solidFill>
+                  <a:srgbClr val="660E7A"/>
+                </a:solidFill>
+                <a:effectLst/>
+                <a:latin typeface="Courier New" panose="02070309020205020404" pitchFamily="49" charset="0"/>
+                <a:cs typeface="Courier New" panose="02070309020205020404" pitchFamily="49" charset="0"/>
+              </a:rPr>
+              <a:t> </a:t>
+            </a:r>
+            <a:r>
+              <a:rPr kumimoji="0" lang="en-US" altLang="en-US" b="0" i="0" u="none" strike="noStrike" cap="none" normalizeH="0" baseline="0" dirty="0" smtClean="0">
+                <a:ln>
+                  <a:noFill/>
+                </a:ln>
+                <a:solidFill>
+                  <a:srgbClr val="000000"/>
+                </a:solidFill>
+                <a:effectLst/>
+                <a:latin typeface="Courier New" panose="02070309020205020404" pitchFamily="49" charset="0"/>
+                <a:cs typeface="Courier New" panose="02070309020205020404" pitchFamily="49" charset="0"/>
+              </a:rPr>
+              <a:t>= </a:t>
+            </a:r>
+            <a:r>
+              <a:rPr kumimoji="0" lang="en-US" altLang="en-US" b="0" i="0" u="none" strike="noStrike" cap="none" normalizeH="0" baseline="0" dirty="0" err="1" smtClean="0">
+                <a:ln>
+                  <a:noFill/>
+                </a:ln>
+                <a:solidFill>
+                  <a:srgbClr val="000000"/>
+                </a:solidFill>
+                <a:effectLst/>
+                <a:latin typeface="Courier New" panose="02070309020205020404" pitchFamily="49" charset="0"/>
+                <a:cs typeface="Courier New" panose="02070309020205020404" pitchFamily="49" charset="0"/>
+              </a:rPr>
+              <a:t>getActivity</a:t>
+            </a:r>
+            <a:r>
+              <a:rPr kumimoji="0" lang="en-US" altLang="en-US" b="0" i="0" u="none" strike="noStrike" cap="none" normalizeH="0" baseline="0" dirty="0" smtClean="0">
+                <a:ln>
+                  <a:noFill/>
+                </a:ln>
+                <a:solidFill>
+                  <a:srgbClr val="000000"/>
+                </a:solidFill>
+                <a:effectLst/>
+                <a:latin typeface="Courier New" panose="02070309020205020404" pitchFamily="49" charset="0"/>
+                <a:cs typeface="Courier New" panose="02070309020205020404" pitchFamily="49" charset="0"/>
+              </a:rPr>
+              <a:t>();</a:t>
+            </a:r>
+            <a:br>
+              <a:rPr kumimoji="0" lang="en-US" altLang="en-US" b="0" i="0" u="none" strike="noStrike" cap="none" normalizeH="0" baseline="0" dirty="0" smtClean="0">
+                <a:ln>
+                  <a:noFill/>
+                </a:ln>
+                <a:solidFill>
+                  <a:srgbClr val="000000"/>
+                </a:solidFill>
+                <a:effectLst/>
+                <a:latin typeface="Courier New" panose="02070309020205020404" pitchFamily="49" charset="0"/>
+                <a:cs typeface="Courier New" panose="02070309020205020404" pitchFamily="49" charset="0"/>
+              </a:rPr>
+            </a:br>
+            <a:r>
+              <a:rPr kumimoji="0" lang="en-US" altLang="en-US" b="0" i="0" u="none" strike="noStrike" cap="none" normalizeH="0" baseline="0" dirty="0" err="1" smtClean="0">
+                <a:ln>
+                  <a:noFill/>
+                </a:ln>
+                <a:solidFill>
+                  <a:srgbClr val="000000"/>
+                </a:solidFill>
+                <a:effectLst/>
+                <a:latin typeface="Courier New" panose="02070309020205020404" pitchFamily="49" charset="0"/>
+                <a:cs typeface="Courier New" panose="02070309020205020404" pitchFamily="49" charset="0"/>
+              </a:rPr>
+              <a:t>SharedPreferences</a:t>
+            </a:r>
+            <a:r>
+              <a:rPr kumimoji="0" lang="en-US" altLang="en-US" b="0" i="0" u="none" strike="noStrike" cap="none" normalizeH="0" baseline="0" dirty="0" smtClean="0">
+                <a:ln>
+                  <a:noFill/>
+                </a:ln>
+                <a:solidFill>
+                  <a:srgbClr val="000000"/>
+                </a:solidFill>
+                <a:effectLst/>
+                <a:latin typeface="Courier New" panose="02070309020205020404" pitchFamily="49" charset="0"/>
+                <a:cs typeface="Courier New" panose="02070309020205020404" pitchFamily="49" charset="0"/>
+              </a:rPr>
+              <a:t> </a:t>
+            </a:r>
+            <a:r>
+              <a:rPr kumimoji="0" lang="en-US" altLang="en-US" b="1" i="0" u="none" strike="noStrike" cap="none" normalizeH="0" baseline="0" dirty="0" err="1" smtClean="0">
+                <a:ln>
+                  <a:noFill/>
+                </a:ln>
+                <a:solidFill>
+                  <a:srgbClr val="660E7A"/>
+                </a:solidFill>
+                <a:effectLst/>
+                <a:latin typeface="Courier New" panose="02070309020205020404" pitchFamily="49" charset="0"/>
+                <a:cs typeface="Courier New" panose="02070309020205020404" pitchFamily="49" charset="0"/>
+              </a:rPr>
+              <a:t>sharedPref</a:t>
+            </a:r>
+            <a:r>
+              <a:rPr kumimoji="0" lang="en-US" altLang="en-US" b="1" i="0" u="none" strike="noStrike" cap="none" normalizeH="0" baseline="0" dirty="0" smtClean="0">
+                <a:ln>
+                  <a:noFill/>
+                </a:ln>
+                <a:solidFill>
+                  <a:srgbClr val="660E7A"/>
+                </a:solidFill>
+                <a:effectLst/>
+                <a:latin typeface="Courier New" panose="02070309020205020404" pitchFamily="49" charset="0"/>
+                <a:cs typeface="Courier New" panose="02070309020205020404" pitchFamily="49" charset="0"/>
+              </a:rPr>
+              <a:t> </a:t>
+            </a:r>
+            <a:r>
+              <a:rPr kumimoji="0" lang="en-US" altLang="en-US" b="0" i="0" u="none" strike="noStrike" cap="none" normalizeH="0" baseline="0" dirty="0" smtClean="0">
+                <a:ln>
+                  <a:noFill/>
+                </a:ln>
+                <a:solidFill>
+                  <a:srgbClr val="000000"/>
+                </a:solidFill>
+                <a:effectLst/>
+                <a:latin typeface="Courier New" panose="02070309020205020404" pitchFamily="49" charset="0"/>
+                <a:cs typeface="Courier New" panose="02070309020205020404" pitchFamily="49" charset="0"/>
+              </a:rPr>
+              <a:t>= </a:t>
+            </a:r>
+            <a:r>
+              <a:rPr kumimoji="0" lang="en-US" altLang="en-US" b="1" i="0" u="none" strike="noStrike" cap="none" normalizeH="0" baseline="0" dirty="0" err="1" smtClean="0">
+                <a:ln>
+                  <a:noFill/>
+                </a:ln>
+                <a:solidFill>
+                  <a:srgbClr val="660E7A"/>
+                </a:solidFill>
+                <a:effectLst/>
+                <a:latin typeface="Courier New" panose="02070309020205020404" pitchFamily="49" charset="0"/>
+                <a:cs typeface="Courier New" panose="02070309020205020404" pitchFamily="49" charset="0"/>
+              </a:rPr>
+              <a:t>context</a:t>
+            </a:r>
+            <a:r>
+              <a:rPr kumimoji="0" lang="en-US" altLang="en-US" b="0" i="0" u="none" strike="noStrike" cap="none" normalizeH="0" baseline="0" dirty="0" err="1" smtClean="0">
+                <a:ln>
+                  <a:noFill/>
+                </a:ln>
+                <a:solidFill>
+                  <a:srgbClr val="000000"/>
+                </a:solidFill>
+                <a:effectLst/>
+                <a:latin typeface="Courier New" panose="02070309020205020404" pitchFamily="49" charset="0"/>
+                <a:cs typeface="Courier New" panose="02070309020205020404" pitchFamily="49" charset="0"/>
+              </a:rPr>
+              <a:t>.getSharedPreferences</a:t>
+            </a:r>
+            <a:r>
+              <a:rPr kumimoji="0" lang="en-US" altLang="en-US" b="0" i="0" u="none" strike="noStrike" cap="none" normalizeH="0" baseline="0" dirty="0" smtClean="0">
+                <a:ln>
+                  <a:noFill/>
+                </a:ln>
+                <a:solidFill>
+                  <a:srgbClr val="000000"/>
+                </a:solidFill>
+                <a:effectLst/>
+                <a:latin typeface="Courier New" panose="02070309020205020404" pitchFamily="49" charset="0"/>
+                <a:cs typeface="Courier New" panose="02070309020205020404" pitchFamily="49" charset="0"/>
+              </a:rPr>
+              <a:t>(</a:t>
+            </a:r>
+            <a:br>
+              <a:rPr kumimoji="0" lang="en-US" altLang="en-US" b="0" i="0" u="none" strike="noStrike" cap="none" normalizeH="0" baseline="0" dirty="0" smtClean="0">
+                <a:ln>
+                  <a:noFill/>
+                </a:ln>
+                <a:solidFill>
+                  <a:srgbClr val="000000"/>
+                </a:solidFill>
+                <a:effectLst/>
+                <a:latin typeface="Courier New" panose="02070309020205020404" pitchFamily="49" charset="0"/>
+                <a:cs typeface="Courier New" panose="02070309020205020404" pitchFamily="49" charset="0"/>
+              </a:rPr>
+            </a:br>
+            <a:r>
+              <a:rPr kumimoji="0" lang="en-US" altLang="en-US" b="0" i="0" u="none" strike="noStrike" cap="none" normalizeH="0" baseline="0" dirty="0" smtClean="0">
+                <a:ln>
+                  <a:noFill/>
+                </a:ln>
+                <a:solidFill>
+                  <a:srgbClr val="000000"/>
+                </a:solidFill>
+                <a:effectLst/>
+                <a:latin typeface="Courier New" panose="02070309020205020404" pitchFamily="49" charset="0"/>
+                <a:cs typeface="Courier New" panose="02070309020205020404" pitchFamily="49" charset="0"/>
+              </a:rPr>
+              <a:t>        </a:t>
+            </a:r>
+            <a:r>
+              <a:rPr kumimoji="0" lang="en-US" altLang="en-US" b="0" i="0" u="none" strike="noStrike" cap="none" normalizeH="0" baseline="0" dirty="0" err="1" smtClean="0">
+                <a:ln>
+                  <a:noFill/>
+                </a:ln>
+                <a:solidFill>
+                  <a:srgbClr val="000000"/>
+                </a:solidFill>
+                <a:effectLst/>
+                <a:latin typeface="Courier New" panose="02070309020205020404" pitchFamily="49" charset="0"/>
+                <a:cs typeface="Courier New" panose="02070309020205020404" pitchFamily="49" charset="0"/>
+              </a:rPr>
+              <a:t>getString</a:t>
+            </a:r>
+            <a:r>
+              <a:rPr kumimoji="0" lang="en-US" altLang="en-US" b="0" i="0" u="none" strike="noStrike" cap="none" normalizeH="0" baseline="0" dirty="0" smtClean="0">
+                <a:ln>
+                  <a:noFill/>
+                </a:ln>
+                <a:solidFill>
+                  <a:srgbClr val="000000"/>
+                </a:solidFill>
+                <a:effectLst/>
+                <a:latin typeface="Courier New" panose="02070309020205020404" pitchFamily="49" charset="0"/>
+                <a:cs typeface="Courier New" panose="02070309020205020404" pitchFamily="49" charset="0"/>
+              </a:rPr>
+              <a:t>(</a:t>
+            </a:r>
+            <a:r>
+              <a:rPr kumimoji="0" lang="en-US" altLang="en-US" b="0" i="0" u="none" strike="noStrike" cap="none" normalizeH="0" baseline="0" dirty="0" err="1" smtClean="0">
+                <a:ln>
+                  <a:noFill/>
+                </a:ln>
+                <a:solidFill>
+                  <a:srgbClr val="000000"/>
+                </a:solidFill>
+                <a:effectLst/>
+                <a:latin typeface="Courier New" panose="02070309020205020404" pitchFamily="49" charset="0"/>
+                <a:cs typeface="Courier New" panose="02070309020205020404" pitchFamily="49" charset="0"/>
+              </a:rPr>
+              <a:t>R.string.preference_file_key</a:t>
+            </a:r>
+            <a:r>
+              <a:rPr kumimoji="0" lang="en-US" altLang="en-US" b="0" i="0" u="none" strike="noStrike" cap="none" normalizeH="0" baseline="0" dirty="0" smtClean="0">
+                <a:ln>
+                  <a:noFill/>
+                </a:ln>
+                <a:solidFill>
+                  <a:srgbClr val="000000"/>
+                </a:solidFill>
+                <a:effectLst/>
+                <a:latin typeface="Courier New" panose="02070309020205020404" pitchFamily="49" charset="0"/>
+                <a:cs typeface="Courier New" panose="02070309020205020404" pitchFamily="49" charset="0"/>
+              </a:rPr>
+              <a:t>), </a:t>
+            </a:r>
+            <a:r>
+              <a:rPr kumimoji="0" lang="en-US" altLang="en-US" b="0" i="0" u="none" strike="noStrike" cap="none" normalizeH="0" baseline="0" dirty="0" err="1" smtClean="0">
+                <a:ln>
+                  <a:noFill/>
+                </a:ln>
+                <a:solidFill>
+                  <a:srgbClr val="000000"/>
+                </a:solidFill>
+                <a:effectLst/>
+                <a:latin typeface="Courier New" panose="02070309020205020404" pitchFamily="49" charset="0"/>
+                <a:cs typeface="Courier New" panose="02070309020205020404" pitchFamily="49" charset="0"/>
+              </a:rPr>
+              <a:t>Context.</a:t>
+            </a:r>
+            <a:r>
+              <a:rPr kumimoji="0" lang="en-US" altLang="en-US" b="1" i="1" u="none" strike="noStrike" cap="none" normalizeH="0" baseline="0" dirty="0" err="1" smtClean="0">
+                <a:ln>
+                  <a:noFill/>
+                </a:ln>
+                <a:solidFill>
+                  <a:srgbClr val="660E7A"/>
+                </a:solidFill>
+                <a:effectLst/>
+                <a:latin typeface="Courier New" panose="02070309020205020404" pitchFamily="49" charset="0"/>
+                <a:cs typeface="Courier New" panose="02070309020205020404" pitchFamily="49" charset="0"/>
+              </a:rPr>
+              <a:t>MODE_PRIVATE</a:t>
+            </a:r>
+            <a:r>
+              <a:rPr kumimoji="0" lang="en-US" altLang="en-US" b="0" i="0" u="none" strike="noStrike" cap="none" normalizeH="0" baseline="0" dirty="0" smtClean="0">
+                <a:ln>
+                  <a:noFill/>
+                </a:ln>
+                <a:solidFill>
+                  <a:srgbClr val="000000"/>
+                </a:solidFill>
+                <a:effectLst/>
+                <a:latin typeface="Courier New" panose="02070309020205020404" pitchFamily="49" charset="0"/>
+                <a:cs typeface="Courier New" panose="02070309020205020404" pitchFamily="49" charset="0"/>
+              </a:rPr>
+              <a:t>);</a:t>
+            </a:r>
+            <a:endParaRPr kumimoji="0" lang="en-US" altLang="en-US" b="0" i="0" u="none" strike="noStrike" cap="none" normalizeH="0" baseline="0" dirty="0" smtClean="0">
+              <a:ln>
+                <a:noFill/>
+              </a:ln>
+              <a:solidFill>
+                <a:schemeClr val="tx1"/>
+              </a:solidFill>
+              <a:effectLst/>
+              <a:latin typeface="Arial" panose="020B0604020202020204" pitchFamily="34" charset="0"/>
+            </a:endParaRPr>
+          </a:p>
+        </p:txBody>
+      </p:sp>
+    </p:spTree>
+    <p:extLst>
+      <p:ext uri="{BB962C8B-B14F-4D97-AF65-F5344CB8AC3E}">
+        <p14:creationId xmlns:p14="http://schemas.microsoft.com/office/powerpoint/2010/main" val="2414331260"/>
+      </p:ext>
+    </p:extLst>
+  </p:cSld>
+  <p:clrMapOvr>
+    <a:masterClrMapping/>
+  </p:clrMapOvr>
+  <p:timing>
+    <p:tnLst>
+      <p:par>
+        <p:cTn id="1" dur="indefinite" restart="never" nodeType="tmRoot"/>
+      </p:par>
+    </p:tnLst>
+  </p:timing>
+</p:sld>
+</file>
+
+<file path=ppt/slides/slide31.xml><?xml version="1.0" encoding="utf-8"?>
+<p:sld xmlns:a="http://schemas.openxmlformats.org/drawingml/2006/main" xmlns:r="http://schemas.openxmlformats.org/officeDocument/2006/relationships" xmlns:p="http://schemas.openxmlformats.org/presentationml/2006/main">
+  <p:cSld>
+    <p:spTree>
+      <p:nvGrpSpPr>
+        <p:cNvPr id="1" name=""/>
+        <p:cNvGrpSpPr/>
+        <p:nvPr/>
+      </p:nvGrpSpPr>
+      <p:grpSpPr>
+        <a:xfrm>
+          <a:off x="0" y="0"/>
+          <a:ext cx="0" cy="0"/>
+          <a:chOff x="0" y="0"/>
+          <a:chExt cx="0" cy="0"/>
+        </a:xfrm>
+      </p:grpSpPr>
+      <p:sp>
+        <p:nvSpPr>
+          <p:cNvPr id="2" name="Title 1"/>
+          <p:cNvSpPr>
+            <a:spLocks noGrp="1"/>
+          </p:cNvSpPr>
+          <p:nvPr>
+            <p:ph type="title"/>
+          </p:nvPr>
+        </p:nvSpPr>
+        <p:spPr>
+          <a:xfrm>
+            <a:off x="0" y="0"/>
+            <a:ext cx="10515600" cy="845127"/>
+          </a:xfrm>
+        </p:spPr>
+        <p:txBody>
+          <a:bodyPr/>
+          <a:lstStyle/>
+          <a:p>
+            <a:r>
+              <a:rPr lang="en-CA" dirty="0" smtClean="0"/>
+              <a:t>Read/Write to shared preferences</a:t>
+            </a:r>
+            <a:endParaRPr lang="en-CA" dirty="0"/>
+          </a:p>
+        </p:txBody>
+      </p:sp>
+      <p:sp>
+        <p:nvSpPr>
+          <p:cNvPr id="3" name="Content Placeholder 2"/>
+          <p:cNvSpPr>
+            <a:spLocks noGrp="1"/>
+          </p:cNvSpPr>
+          <p:nvPr>
+            <p:ph idx="1"/>
+          </p:nvPr>
+        </p:nvSpPr>
+        <p:spPr>
+          <a:xfrm>
+            <a:off x="0" y="869661"/>
+            <a:ext cx="12192000" cy="4661596"/>
+          </a:xfrm>
+        </p:spPr>
+        <p:txBody>
+          <a:bodyPr>
+            <a:normAutofit fontScale="92500" lnSpcReduction="20000"/>
+          </a:bodyPr>
+          <a:lstStyle/>
+          <a:p>
+            <a:r>
+              <a:rPr lang="en-CA" dirty="0" smtClean="0"/>
+              <a:t>To write to shared preferences, create a </a:t>
+            </a:r>
+            <a:r>
+              <a:rPr lang="en-CA" dirty="0" err="1" smtClean="0"/>
+              <a:t>SharedPreferences.Editor</a:t>
+            </a:r>
+            <a:r>
+              <a:rPr lang="en-CA" dirty="0" smtClean="0"/>
+              <a:t> by calling edit() on your handle to </a:t>
+            </a:r>
+            <a:r>
+              <a:rPr lang="en-CA" dirty="0" err="1" smtClean="0"/>
+              <a:t>SharedPreferences</a:t>
+            </a:r>
+            <a:endParaRPr lang="en-CA" dirty="0" smtClean="0"/>
+          </a:p>
+          <a:p>
+            <a:r>
+              <a:rPr lang="en-CA" dirty="0" smtClean="0"/>
+              <a:t>Pass the keys and values you want to write with methods such as </a:t>
+            </a:r>
+            <a:r>
+              <a:rPr lang="en-CA" dirty="0" err="1" smtClean="0"/>
+              <a:t>putInt</a:t>
+            </a:r>
+            <a:r>
+              <a:rPr lang="en-CA" dirty="0" smtClean="0"/>
+              <a:t>() and </a:t>
+            </a:r>
+            <a:r>
+              <a:rPr lang="en-CA" dirty="0" err="1" smtClean="0"/>
+              <a:t>putString</a:t>
+            </a:r>
+            <a:r>
+              <a:rPr lang="en-CA" dirty="0" smtClean="0"/>
+              <a:t>(), then call apply() or commit() to save changes:</a:t>
+            </a:r>
+          </a:p>
+          <a:p>
+            <a:endParaRPr lang="en-CA" dirty="0"/>
+          </a:p>
+          <a:p>
+            <a:endParaRPr lang="en-CA" dirty="0" smtClean="0"/>
+          </a:p>
+          <a:p>
+            <a:endParaRPr lang="en-CA" dirty="0"/>
+          </a:p>
+          <a:p>
+            <a:r>
+              <a:rPr lang="en-CA" dirty="0" smtClean="0"/>
+              <a:t>apply() – changes in-memory </a:t>
+            </a:r>
+            <a:r>
+              <a:rPr lang="en-CA" dirty="0" err="1" smtClean="0"/>
+              <a:t>SharedPreference</a:t>
+            </a:r>
+            <a:r>
+              <a:rPr lang="en-CA" dirty="0" smtClean="0"/>
+              <a:t> object immediately, but writes update to disk asynchronously</a:t>
+            </a:r>
+          </a:p>
+          <a:p>
+            <a:r>
+              <a:rPr lang="en-CA" dirty="0" smtClean="0"/>
+              <a:t>commit() – writes the data to disk synchronously </a:t>
+            </a:r>
+          </a:p>
+          <a:p>
+            <a:pPr lvl="1"/>
+            <a:r>
+              <a:rPr lang="en-CA" dirty="0" smtClean="0"/>
+              <a:t>Avoid calling commit() from UI thread</a:t>
+            </a:r>
+          </a:p>
+          <a:p>
+            <a:r>
+              <a:rPr lang="fr-CA" dirty="0" smtClean="0"/>
+              <a:t>To </a:t>
+            </a:r>
+            <a:r>
+              <a:rPr lang="fr-CA" dirty="0" err="1" smtClean="0"/>
+              <a:t>retrieve</a:t>
+            </a:r>
+            <a:r>
+              <a:rPr lang="fr-CA" dirty="0" smtClean="0"/>
+              <a:t> values </a:t>
+            </a:r>
+            <a:r>
+              <a:rPr lang="en-CA" dirty="0" smtClean="0"/>
+              <a:t>from </a:t>
+            </a:r>
+            <a:r>
+              <a:rPr lang="en-CA" dirty="0" err="1" smtClean="0"/>
+              <a:t>sharedPreferences</a:t>
+            </a:r>
+            <a:r>
+              <a:rPr lang="en-CA" dirty="0" smtClean="0"/>
+              <a:t> file, call methods such as </a:t>
+            </a:r>
+            <a:r>
+              <a:rPr lang="en-CA" dirty="0" err="1" smtClean="0"/>
+              <a:t>getInt</a:t>
+            </a:r>
+            <a:r>
+              <a:rPr lang="en-CA" dirty="0" smtClean="0"/>
+              <a:t>() and </a:t>
+            </a:r>
+            <a:r>
+              <a:rPr lang="en-CA" dirty="0" err="1" smtClean="0"/>
+              <a:t>getString</a:t>
+            </a:r>
+            <a:r>
+              <a:rPr lang="en-CA" dirty="0" smtClean="0"/>
+              <a:t>(), providing key for value you want and optionally, default retur</a:t>
+            </a:r>
+            <a:r>
+              <a:rPr lang="en-CA" dirty="0" smtClean="0"/>
+              <a:t>n value:</a:t>
+            </a:r>
+            <a:endParaRPr lang="en-CA" dirty="0"/>
+          </a:p>
+        </p:txBody>
+      </p:sp>
+      <p:sp>
+        <p:nvSpPr>
+          <p:cNvPr id="4" name="Rectangle 3"/>
+          <p:cNvSpPr/>
+          <p:nvPr/>
+        </p:nvSpPr>
+        <p:spPr>
+          <a:xfrm>
+            <a:off x="0" y="6488668"/>
+            <a:ext cx="9144000" cy="369332"/>
+          </a:xfrm>
+          <a:prstGeom prst="rect">
+            <a:avLst/>
+          </a:prstGeom>
+        </p:spPr>
+        <p:txBody>
+          <a:bodyPr wrap="square">
+            <a:spAutoFit/>
+          </a:bodyPr>
+          <a:lstStyle/>
+          <a:p>
+            <a:r>
+              <a:rPr lang="en-CA" dirty="0">
+                <a:hlinkClick r:id="rId2"/>
+              </a:rPr>
+              <a:t>https://developer.android.com/training/data-storage/shared-preferences</a:t>
+            </a:r>
+            <a:endParaRPr lang="en-CA" dirty="0"/>
+          </a:p>
+        </p:txBody>
+      </p:sp>
+      <p:sp>
+        <p:nvSpPr>
+          <p:cNvPr id="5" name="Rectangle 1"/>
+          <p:cNvSpPr>
+            <a:spLocks noChangeArrowheads="1"/>
+          </p:cNvSpPr>
+          <p:nvPr/>
+        </p:nvSpPr>
+        <p:spPr bwMode="auto">
+          <a:xfrm>
+            <a:off x="946382" y="2283860"/>
+            <a:ext cx="9648795" cy="1015663"/>
+          </a:xfrm>
+          <a:prstGeom prst="rect">
+            <a:avLst/>
+          </a:prstGeom>
+          <a:solidFill>
+            <a:srgbClr val="FFFFFF"/>
+          </a:solidFill>
+          <a:ln>
+            <a:noFill/>
+          </a:ln>
+          <a:effectLst/>
+          <a:extLst>
+            <a:ext uri="{91240B29-F687-4F45-9708-019B960494DF}">
+              <a14:hiddenLine xmlns:a14="http://schemas.microsoft.com/office/drawing/2010/main" w="9525">
+                <a:solidFill>
+                  <a:schemeClr val="tx1"/>
+                </a:solidFill>
+                <a:miter lim="800000"/>
+                <a:headEnd/>
+                <a:tailEnd/>
+              </a14:hiddenLine>
+            </a:ext>
+            <a:ext uri="{AF507438-7753-43E0-B8FC-AC1667EBCBE1}">
+              <a14:hiddenEffects xmlns:a14="http://schemas.microsoft.com/office/drawing/2010/main">
+                <a:effectLst>
+                  <a:outerShdw dist="35921" dir="2700000" algn="ctr" rotWithShape="0">
+                    <a:schemeClr val="bg2"/>
+                  </a:outerShdw>
+                </a:effectLst>
+              </a14:hiddenEffects>
+            </a:ext>
+          </a:extLst>
+        </p:spPr>
+        <p:txBody>
+          <a:bodyPr vert="horz" wrap="none" lIns="91440" tIns="45720" rIns="91440" bIns="45720" numCol="1" anchor="ctr" anchorCtr="0" compatLnSpc="1">
+            <a:prstTxWarp prst="textNoShape">
+              <a:avLst/>
+            </a:prstTxWarp>
+            <a:spAutoFit/>
+          </a:bodyPr>
+          <a:lstStyle/>
+          <a:p>
+            <a:pPr marL="0" marR="0" lvl="0" indent="0" algn="l" defTabSz="914400" rtl="0" eaLnBrk="0" fontAlgn="base" latinLnBrk="0" hangingPunct="0">
+              <a:lnSpc>
+                <a:spcPct val="100000"/>
+              </a:lnSpc>
+              <a:spcBef>
+                <a:spcPct val="0"/>
+              </a:spcBef>
+              <a:spcAft>
+                <a:spcPct val="0"/>
+              </a:spcAft>
+              <a:buClrTx/>
+              <a:buSzTx/>
+              <a:buFontTx/>
+              <a:buNone/>
+              <a:tabLst/>
+            </a:pPr>
+            <a:r>
+              <a:rPr kumimoji="0" lang="en-US" altLang="en-US" sz="1500" b="0" i="0" u="none" strike="noStrike" cap="none" normalizeH="0" baseline="0" dirty="0" err="1" smtClean="0">
+                <a:ln>
+                  <a:noFill/>
+                </a:ln>
+                <a:solidFill>
+                  <a:srgbClr val="000000"/>
+                </a:solidFill>
+                <a:effectLst/>
+                <a:latin typeface="Courier New" panose="02070309020205020404" pitchFamily="49" charset="0"/>
+                <a:cs typeface="Courier New" panose="02070309020205020404" pitchFamily="49" charset="0"/>
+              </a:rPr>
+              <a:t>SharedPreferences</a:t>
+            </a:r>
+            <a:r>
+              <a:rPr kumimoji="0" lang="en-US" altLang="en-US" sz="1500" b="0" i="0" u="none" strike="noStrike" cap="none" normalizeH="0" baseline="0" dirty="0" smtClean="0">
+                <a:ln>
+                  <a:noFill/>
+                </a:ln>
+                <a:solidFill>
+                  <a:srgbClr val="000000"/>
+                </a:solidFill>
+                <a:effectLst/>
+                <a:latin typeface="Courier New" panose="02070309020205020404" pitchFamily="49" charset="0"/>
+                <a:cs typeface="Courier New" panose="02070309020205020404" pitchFamily="49" charset="0"/>
+              </a:rPr>
+              <a:t> </a:t>
+            </a:r>
+            <a:r>
+              <a:rPr kumimoji="0" lang="en-US" altLang="en-US" sz="1500" b="1" i="0" u="none" strike="noStrike" cap="none" normalizeH="0" baseline="0" dirty="0" err="1" smtClean="0">
+                <a:ln>
+                  <a:noFill/>
+                </a:ln>
+                <a:solidFill>
+                  <a:srgbClr val="660E7A"/>
+                </a:solidFill>
+                <a:effectLst/>
+                <a:latin typeface="Courier New" panose="02070309020205020404" pitchFamily="49" charset="0"/>
+                <a:cs typeface="Courier New" panose="02070309020205020404" pitchFamily="49" charset="0"/>
+              </a:rPr>
+              <a:t>sharedPref</a:t>
+            </a:r>
+            <a:r>
+              <a:rPr kumimoji="0" lang="en-US" altLang="en-US" sz="1500" b="1" i="0" u="none" strike="noStrike" cap="none" normalizeH="0" baseline="0" dirty="0" smtClean="0">
+                <a:ln>
+                  <a:noFill/>
+                </a:ln>
+                <a:solidFill>
+                  <a:srgbClr val="660E7A"/>
+                </a:solidFill>
+                <a:effectLst/>
+                <a:latin typeface="Courier New" panose="02070309020205020404" pitchFamily="49" charset="0"/>
+                <a:cs typeface="Courier New" panose="02070309020205020404" pitchFamily="49" charset="0"/>
+              </a:rPr>
+              <a:t> </a:t>
+            </a:r>
+            <a:r>
+              <a:rPr kumimoji="0" lang="en-US" altLang="en-US" sz="1500" b="0" i="0" u="none" strike="noStrike" cap="none" normalizeH="0" baseline="0" dirty="0" smtClean="0">
+                <a:ln>
+                  <a:noFill/>
+                </a:ln>
+                <a:solidFill>
+                  <a:srgbClr val="000000"/>
+                </a:solidFill>
+                <a:effectLst/>
+                <a:latin typeface="Courier New" panose="02070309020205020404" pitchFamily="49" charset="0"/>
+                <a:cs typeface="Courier New" panose="02070309020205020404" pitchFamily="49" charset="0"/>
+              </a:rPr>
+              <a:t>= </a:t>
+            </a:r>
+            <a:r>
+              <a:rPr kumimoji="0" lang="en-US" altLang="en-US" sz="1500" b="0" i="0" u="none" strike="noStrike" cap="none" normalizeH="0" baseline="0" dirty="0" err="1" smtClean="0">
+                <a:ln>
+                  <a:noFill/>
+                </a:ln>
+                <a:solidFill>
+                  <a:srgbClr val="000000"/>
+                </a:solidFill>
+                <a:effectLst/>
+                <a:latin typeface="Courier New" panose="02070309020205020404" pitchFamily="49" charset="0"/>
+                <a:cs typeface="Courier New" panose="02070309020205020404" pitchFamily="49" charset="0"/>
+              </a:rPr>
+              <a:t>getActivity</a:t>
+            </a:r>
+            <a:r>
+              <a:rPr kumimoji="0" lang="en-US" altLang="en-US" sz="1500" b="0" i="0" u="none" strike="noStrike" cap="none" normalizeH="0" baseline="0" dirty="0" smtClean="0">
+                <a:ln>
+                  <a:noFill/>
+                </a:ln>
+                <a:solidFill>
+                  <a:srgbClr val="000000"/>
+                </a:solidFill>
+                <a:effectLst/>
+                <a:latin typeface="Courier New" panose="02070309020205020404" pitchFamily="49" charset="0"/>
+                <a:cs typeface="Courier New" panose="02070309020205020404" pitchFamily="49" charset="0"/>
+              </a:rPr>
+              <a:t>().</a:t>
+            </a:r>
+            <a:r>
+              <a:rPr kumimoji="0" lang="en-US" altLang="en-US" sz="1500" b="0" i="0" u="none" strike="noStrike" cap="none" normalizeH="0" baseline="0" dirty="0" err="1" smtClean="0">
+                <a:ln>
+                  <a:noFill/>
+                </a:ln>
+                <a:solidFill>
+                  <a:srgbClr val="000000"/>
+                </a:solidFill>
+                <a:effectLst/>
+                <a:latin typeface="Courier New" panose="02070309020205020404" pitchFamily="49" charset="0"/>
+                <a:cs typeface="Courier New" panose="02070309020205020404" pitchFamily="49" charset="0"/>
+              </a:rPr>
+              <a:t>getPreferences</a:t>
+            </a:r>
+            <a:r>
+              <a:rPr kumimoji="0" lang="en-US" altLang="en-US" sz="1500" b="0" i="0" u="none" strike="noStrike" cap="none" normalizeH="0" baseline="0" dirty="0" smtClean="0">
+                <a:ln>
+                  <a:noFill/>
+                </a:ln>
+                <a:solidFill>
+                  <a:srgbClr val="000000"/>
+                </a:solidFill>
+                <a:effectLst/>
+                <a:latin typeface="Courier New" panose="02070309020205020404" pitchFamily="49" charset="0"/>
+                <a:cs typeface="Courier New" panose="02070309020205020404" pitchFamily="49" charset="0"/>
+              </a:rPr>
+              <a:t>(</a:t>
+            </a:r>
+            <a:r>
+              <a:rPr kumimoji="0" lang="en-US" altLang="en-US" sz="1500" b="0" i="0" u="none" strike="noStrike" cap="none" normalizeH="0" baseline="0" dirty="0" err="1" smtClean="0">
+                <a:ln>
+                  <a:noFill/>
+                </a:ln>
+                <a:solidFill>
+                  <a:srgbClr val="000000"/>
+                </a:solidFill>
+                <a:effectLst/>
+                <a:latin typeface="Courier New" panose="02070309020205020404" pitchFamily="49" charset="0"/>
+                <a:cs typeface="Courier New" panose="02070309020205020404" pitchFamily="49" charset="0"/>
+              </a:rPr>
+              <a:t>Context.</a:t>
+            </a:r>
+            <a:r>
+              <a:rPr kumimoji="0" lang="en-US" altLang="en-US" sz="1500" b="1" i="1" u="none" strike="noStrike" cap="none" normalizeH="0" baseline="0" dirty="0" err="1" smtClean="0">
+                <a:ln>
+                  <a:noFill/>
+                </a:ln>
+                <a:solidFill>
+                  <a:srgbClr val="660E7A"/>
+                </a:solidFill>
+                <a:effectLst/>
+                <a:latin typeface="Courier New" panose="02070309020205020404" pitchFamily="49" charset="0"/>
+                <a:cs typeface="Courier New" panose="02070309020205020404" pitchFamily="49" charset="0"/>
+              </a:rPr>
+              <a:t>MODE_PRIVATE</a:t>
+            </a:r>
+            <a:r>
+              <a:rPr kumimoji="0" lang="en-US" altLang="en-US" sz="1500" b="0" i="0" u="none" strike="noStrike" cap="none" normalizeH="0" baseline="0" dirty="0" smtClean="0">
+                <a:ln>
+                  <a:noFill/>
+                </a:ln>
+                <a:solidFill>
+                  <a:srgbClr val="000000"/>
+                </a:solidFill>
+                <a:effectLst/>
+                <a:latin typeface="Courier New" panose="02070309020205020404" pitchFamily="49" charset="0"/>
+                <a:cs typeface="Courier New" panose="02070309020205020404" pitchFamily="49" charset="0"/>
+              </a:rPr>
+              <a:t>);</a:t>
+            </a:r>
+            <a:br>
+              <a:rPr kumimoji="0" lang="en-US" altLang="en-US" sz="1500" b="0" i="0" u="none" strike="noStrike" cap="none" normalizeH="0" baseline="0" dirty="0" smtClean="0">
+                <a:ln>
+                  <a:noFill/>
+                </a:ln>
+                <a:solidFill>
+                  <a:srgbClr val="000000"/>
+                </a:solidFill>
+                <a:effectLst/>
+                <a:latin typeface="Courier New" panose="02070309020205020404" pitchFamily="49" charset="0"/>
+                <a:cs typeface="Courier New" panose="02070309020205020404" pitchFamily="49" charset="0"/>
+              </a:rPr>
+            </a:br>
+            <a:r>
+              <a:rPr kumimoji="0" lang="en-US" altLang="en-US" sz="1500" b="0" i="0" u="none" strike="noStrike" cap="none" normalizeH="0" baseline="0" dirty="0" err="1" smtClean="0">
+                <a:ln>
+                  <a:noFill/>
+                </a:ln>
+                <a:solidFill>
+                  <a:srgbClr val="000000"/>
+                </a:solidFill>
+                <a:effectLst/>
+                <a:latin typeface="Courier New" panose="02070309020205020404" pitchFamily="49" charset="0"/>
+                <a:cs typeface="Courier New" panose="02070309020205020404" pitchFamily="49" charset="0"/>
+              </a:rPr>
+              <a:t>SharedPreferences.Editor</a:t>
+            </a:r>
+            <a:r>
+              <a:rPr kumimoji="0" lang="en-US" altLang="en-US" sz="1500" b="0" i="0" u="none" strike="noStrike" cap="none" normalizeH="0" baseline="0" dirty="0" smtClean="0">
+                <a:ln>
+                  <a:noFill/>
+                </a:ln>
+                <a:solidFill>
+                  <a:srgbClr val="000000"/>
+                </a:solidFill>
+                <a:effectLst/>
+                <a:latin typeface="Courier New" panose="02070309020205020404" pitchFamily="49" charset="0"/>
+                <a:cs typeface="Courier New" panose="02070309020205020404" pitchFamily="49" charset="0"/>
+              </a:rPr>
+              <a:t> </a:t>
+            </a:r>
+            <a:r>
+              <a:rPr kumimoji="0" lang="en-US" altLang="en-US" sz="1500" b="1" i="0" u="none" strike="noStrike" cap="none" normalizeH="0" baseline="0" dirty="0" smtClean="0">
+                <a:ln>
+                  <a:noFill/>
+                </a:ln>
+                <a:solidFill>
+                  <a:srgbClr val="660E7A"/>
+                </a:solidFill>
+                <a:effectLst/>
+                <a:latin typeface="Courier New" panose="02070309020205020404" pitchFamily="49" charset="0"/>
+                <a:cs typeface="Courier New" panose="02070309020205020404" pitchFamily="49" charset="0"/>
+              </a:rPr>
+              <a:t>editor </a:t>
+            </a:r>
+            <a:r>
+              <a:rPr kumimoji="0" lang="en-US" altLang="en-US" sz="1500" b="0" i="0" u="none" strike="noStrike" cap="none" normalizeH="0" baseline="0" dirty="0" smtClean="0">
+                <a:ln>
+                  <a:noFill/>
+                </a:ln>
+                <a:solidFill>
+                  <a:srgbClr val="000000"/>
+                </a:solidFill>
+                <a:effectLst/>
+                <a:latin typeface="Courier New" panose="02070309020205020404" pitchFamily="49" charset="0"/>
+                <a:cs typeface="Courier New" panose="02070309020205020404" pitchFamily="49" charset="0"/>
+              </a:rPr>
+              <a:t>= </a:t>
+            </a:r>
+            <a:r>
+              <a:rPr kumimoji="0" lang="en-US" altLang="en-US" sz="1500" b="1" i="0" u="none" strike="noStrike" cap="none" normalizeH="0" baseline="0" dirty="0" err="1" smtClean="0">
+                <a:ln>
+                  <a:noFill/>
+                </a:ln>
+                <a:solidFill>
+                  <a:srgbClr val="660E7A"/>
+                </a:solidFill>
+                <a:effectLst/>
+                <a:latin typeface="Courier New" panose="02070309020205020404" pitchFamily="49" charset="0"/>
+                <a:cs typeface="Courier New" panose="02070309020205020404" pitchFamily="49" charset="0"/>
+              </a:rPr>
+              <a:t>sharedPref</a:t>
+            </a:r>
+            <a:r>
+              <a:rPr kumimoji="0" lang="en-US" altLang="en-US" sz="1500" b="0" i="0" u="none" strike="noStrike" cap="none" normalizeH="0" baseline="0" dirty="0" err="1" smtClean="0">
+                <a:ln>
+                  <a:noFill/>
+                </a:ln>
+                <a:solidFill>
+                  <a:srgbClr val="000000"/>
+                </a:solidFill>
+                <a:effectLst/>
+                <a:latin typeface="Courier New" panose="02070309020205020404" pitchFamily="49" charset="0"/>
+                <a:cs typeface="Courier New" panose="02070309020205020404" pitchFamily="49" charset="0"/>
+              </a:rPr>
+              <a:t>.edit</a:t>
+            </a:r>
+            <a:r>
+              <a:rPr kumimoji="0" lang="en-US" altLang="en-US" sz="1500" b="0" i="0" u="none" strike="noStrike" cap="none" normalizeH="0" baseline="0" dirty="0" smtClean="0">
+                <a:ln>
+                  <a:noFill/>
+                </a:ln>
+                <a:solidFill>
+                  <a:srgbClr val="000000"/>
+                </a:solidFill>
+                <a:effectLst/>
+                <a:latin typeface="Courier New" panose="02070309020205020404" pitchFamily="49" charset="0"/>
+                <a:cs typeface="Courier New" panose="02070309020205020404" pitchFamily="49" charset="0"/>
+              </a:rPr>
+              <a:t>();</a:t>
+            </a:r>
+            <a:br>
+              <a:rPr kumimoji="0" lang="en-US" altLang="en-US" sz="1500" b="0" i="0" u="none" strike="noStrike" cap="none" normalizeH="0" baseline="0" dirty="0" smtClean="0">
+                <a:ln>
+                  <a:noFill/>
+                </a:ln>
+                <a:solidFill>
+                  <a:srgbClr val="000000"/>
+                </a:solidFill>
+                <a:effectLst/>
+                <a:latin typeface="Courier New" panose="02070309020205020404" pitchFamily="49" charset="0"/>
+                <a:cs typeface="Courier New" panose="02070309020205020404" pitchFamily="49" charset="0"/>
+              </a:rPr>
+            </a:br>
+            <a:r>
+              <a:rPr kumimoji="0" lang="en-US" altLang="en-US" sz="1500" b="1" i="0" u="none" strike="noStrike" cap="none" normalizeH="0" baseline="0" dirty="0" err="1" smtClean="0">
+                <a:ln>
+                  <a:noFill/>
+                </a:ln>
+                <a:solidFill>
+                  <a:srgbClr val="660E7A"/>
+                </a:solidFill>
+                <a:effectLst/>
+                <a:latin typeface="Courier New" panose="02070309020205020404" pitchFamily="49" charset="0"/>
+                <a:cs typeface="Courier New" panose="02070309020205020404" pitchFamily="49" charset="0"/>
+              </a:rPr>
+              <a:t>editor</a:t>
+            </a:r>
+            <a:r>
+              <a:rPr kumimoji="0" lang="en-US" altLang="en-US" sz="1500" b="0" i="0" u="none" strike="noStrike" cap="none" normalizeH="0" baseline="0" dirty="0" err="1" smtClean="0">
+                <a:ln>
+                  <a:noFill/>
+                </a:ln>
+                <a:solidFill>
+                  <a:srgbClr val="000000"/>
+                </a:solidFill>
+                <a:effectLst/>
+                <a:latin typeface="Courier New" panose="02070309020205020404" pitchFamily="49" charset="0"/>
+                <a:cs typeface="Courier New" panose="02070309020205020404" pitchFamily="49" charset="0"/>
+              </a:rPr>
+              <a:t>.putInt</a:t>
+            </a:r>
+            <a:r>
+              <a:rPr kumimoji="0" lang="en-US" altLang="en-US" sz="1500" b="0" i="0" u="none" strike="noStrike" cap="none" normalizeH="0" baseline="0" dirty="0" smtClean="0">
+                <a:ln>
+                  <a:noFill/>
+                </a:ln>
+                <a:solidFill>
+                  <a:srgbClr val="000000"/>
+                </a:solidFill>
+                <a:effectLst/>
+                <a:latin typeface="Courier New" panose="02070309020205020404" pitchFamily="49" charset="0"/>
+                <a:cs typeface="Courier New" panose="02070309020205020404" pitchFamily="49" charset="0"/>
+              </a:rPr>
+              <a:t>(</a:t>
+            </a:r>
+            <a:r>
+              <a:rPr kumimoji="0" lang="en-US" altLang="en-US" sz="1500" b="0" i="0" u="none" strike="noStrike" cap="none" normalizeH="0" baseline="0" dirty="0" err="1" smtClean="0">
+                <a:ln>
+                  <a:noFill/>
+                </a:ln>
+                <a:solidFill>
+                  <a:srgbClr val="000000"/>
+                </a:solidFill>
+                <a:effectLst/>
+                <a:latin typeface="Courier New" panose="02070309020205020404" pitchFamily="49" charset="0"/>
+                <a:cs typeface="Courier New" panose="02070309020205020404" pitchFamily="49" charset="0"/>
+              </a:rPr>
+              <a:t>getString</a:t>
+            </a:r>
+            <a:r>
+              <a:rPr kumimoji="0" lang="en-US" altLang="en-US" sz="1500" b="0" i="0" u="none" strike="noStrike" cap="none" normalizeH="0" baseline="0" dirty="0" smtClean="0">
+                <a:ln>
+                  <a:noFill/>
+                </a:ln>
+                <a:solidFill>
+                  <a:srgbClr val="000000"/>
+                </a:solidFill>
+                <a:effectLst/>
+                <a:latin typeface="Courier New" panose="02070309020205020404" pitchFamily="49" charset="0"/>
+                <a:cs typeface="Courier New" panose="02070309020205020404" pitchFamily="49" charset="0"/>
+              </a:rPr>
+              <a:t>(</a:t>
+            </a:r>
+            <a:r>
+              <a:rPr kumimoji="0" lang="en-US" altLang="en-US" sz="1500" b="0" i="0" u="none" strike="noStrike" cap="none" normalizeH="0" baseline="0" dirty="0" err="1" smtClean="0">
+                <a:ln>
+                  <a:noFill/>
+                </a:ln>
+                <a:solidFill>
+                  <a:srgbClr val="000000"/>
+                </a:solidFill>
+                <a:effectLst/>
+                <a:latin typeface="Courier New" panose="02070309020205020404" pitchFamily="49" charset="0"/>
+                <a:cs typeface="Courier New" panose="02070309020205020404" pitchFamily="49" charset="0"/>
+              </a:rPr>
+              <a:t>R.string.saved_high_score_key</a:t>
+            </a:r>
+            <a:r>
+              <a:rPr kumimoji="0" lang="en-US" altLang="en-US" sz="1500" b="0" i="0" u="none" strike="noStrike" cap="none" normalizeH="0" baseline="0" dirty="0" smtClean="0">
+                <a:ln>
+                  <a:noFill/>
+                </a:ln>
+                <a:solidFill>
+                  <a:srgbClr val="000000"/>
+                </a:solidFill>
+                <a:effectLst/>
+                <a:latin typeface="Courier New" panose="02070309020205020404" pitchFamily="49" charset="0"/>
+                <a:cs typeface="Courier New" panose="02070309020205020404" pitchFamily="49" charset="0"/>
+              </a:rPr>
+              <a:t>), </a:t>
+            </a:r>
+            <a:r>
+              <a:rPr kumimoji="0" lang="en-US" altLang="en-US" sz="1500" b="0" i="0" u="none" strike="noStrike" cap="none" normalizeH="0" baseline="0" dirty="0" err="1" smtClean="0">
+                <a:ln>
+                  <a:noFill/>
+                </a:ln>
+                <a:solidFill>
+                  <a:srgbClr val="000000"/>
+                </a:solidFill>
+                <a:effectLst/>
+                <a:latin typeface="Courier New" panose="02070309020205020404" pitchFamily="49" charset="0"/>
+                <a:cs typeface="Courier New" panose="02070309020205020404" pitchFamily="49" charset="0"/>
+              </a:rPr>
+              <a:t>newHighScore</a:t>
+            </a:r>
+            <a:r>
+              <a:rPr kumimoji="0" lang="en-US" altLang="en-US" sz="1500" b="0" i="0" u="none" strike="noStrike" cap="none" normalizeH="0" baseline="0" dirty="0" smtClean="0">
+                <a:ln>
+                  <a:noFill/>
+                </a:ln>
+                <a:solidFill>
+                  <a:srgbClr val="000000"/>
+                </a:solidFill>
+                <a:effectLst/>
+                <a:latin typeface="Courier New" panose="02070309020205020404" pitchFamily="49" charset="0"/>
+                <a:cs typeface="Courier New" panose="02070309020205020404" pitchFamily="49" charset="0"/>
+              </a:rPr>
+              <a:t>);</a:t>
+            </a:r>
+            <a:br>
+              <a:rPr kumimoji="0" lang="en-US" altLang="en-US" sz="1500" b="0" i="0" u="none" strike="noStrike" cap="none" normalizeH="0" baseline="0" dirty="0" smtClean="0">
+                <a:ln>
+                  <a:noFill/>
+                </a:ln>
+                <a:solidFill>
+                  <a:srgbClr val="000000"/>
+                </a:solidFill>
+                <a:effectLst/>
+                <a:latin typeface="Courier New" panose="02070309020205020404" pitchFamily="49" charset="0"/>
+                <a:cs typeface="Courier New" panose="02070309020205020404" pitchFamily="49" charset="0"/>
+              </a:rPr>
+            </a:br>
+            <a:r>
+              <a:rPr kumimoji="0" lang="en-US" altLang="en-US" sz="1500" b="1" i="0" u="none" strike="noStrike" cap="none" normalizeH="0" baseline="0" dirty="0" err="1" smtClean="0">
+                <a:ln>
+                  <a:noFill/>
+                </a:ln>
+                <a:solidFill>
+                  <a:srgbClr val="660E7A"/>
+                </a:solidFill>
+                <a:effectLst/>
+                <a:latin typeface="Courier New" panose="02070309020205020404" pitchFamily="49" charset="0"/>
+                <a:cs typeface="Courier New" panose="02070309020205020404" pitchFamily="49" charset="0"/>
+              </a:rPr>
+              <a:t>editor</a:t>
+            </a:r>
+            <a:r>
+              <a:rPr kumimoji="0" lang="en-US" altLang="en-US" sz="1500" b="0" i="0" u="none" strike="noStrike" cap="none" normalizeH="0" baseline="0" dirty="0" err="1" smtClean="0">
+                <a:ln>
+                  <a:noFill/>
+                </a:ln>
+                <a:solidFill>
+                  <a:srgbClr val="000000"/>
+                </a:solidFill>
+                <a:effectLst/>
+                <a:latin typeface="Courier New" panose="02070309020205020404" pitchFamily="49" charset="0"/>
+                <a:cs typeface="Courier New" panose="02070309020205020404" pitchFamily="49" charset="0"/>
+              </a:rPr>
+              <a:t>.commit</a:t>
+            </a:r>
+            <a:r>
+              <a:rPr kumimoji="0" lang="en-US" altLang="en-US" sz="1500" b="0" i="0" u="none" strike="noStrike" cap="none" normalizeH="0" baseline="0" dirty="0" smtClean="0">
+                <a:ln>
+                  <a:noFill/>
+                </a:ln>
+                <a:solidFill>
+                  <a:srgbClr val="000000"/>
+                </a:solidFill>
+                <a:effectLst/>
+                <a:latin typeface="Courier New" panose="02070309020205020404" pitchFamily="49" charset="0"/>
+                <a:cs typeface="Courier New" panose="02070309020205020404" pitchFamily="49" charset="0"/>
+              </a:rPr>
+              <a:t>();</a:t>
+            </a:r>
+            <a:endParaRPr kumimoji="0" lang="en-US" altLang="en-US" sz="1500" b="0" i="0" u="none" strike="noStrike" cap="none" normalizeH="0" baseline="0" dirty="0" smtClean="0">
+              <a:ln>
+                <a:noFill/>
+              </a:ln>
+              <a:solidFill>
+                <a:schemeClr val="tx1"/>
+              </a:solidFill>
+              <a:effectLst/>
+              <a:latin typeface="Arial" panose="020B0604020202020204" pitchFamily="34" charset="0"/>
+            </a:endParaRPr>
+          </a:p>
+        </p:txBody>
+      </p:sp>
+      <p:sp>
+        <p:nvSpPr>
+          <p:cNvPr id="6" name="Rectangle 2"/>
+          <p:cNvSpPr>
+            <a:spLocks noChangeArrowheads="1"/>
+          </p:cNvSpPr>
+          <p:nvPr/>
+        </p:nvSpPr>
+        <p:spPr bwMode="auto">
+          <a:xfrm>
+            <a:off x="946382" y="5555909"/>
+            <a:ext cx="10572125" cy="784830"/>
+          </a:xfrm>
+          <a:prstGeom prst="rect">
+            <a:avLst/>
+          </a:prstGeom>
+          <a:solidFill>
+            <a:srgbClr val="FFFFFF"/>
+          </a:solidFill>
+          <a:ln>
+            <a:noFill/>
+          </a:ln>
+          <a:effectLst/>
+          <a:extLst>
+            <a:ext uri="{91240B29-F687-4F45-9708-019B960494DF}">
+              <a14:hiddenLine xmlns:a14="http://schemas.microsoft.com/office/drawing/2010/main" w="9525">
+                <a:solidFill>
+                  <a:schemeClr val="tx1"/>
+                </a:solidFill>
+                <a:miter lim="800000"/>
+                <a:headEnd/>
+                <a:tailEnd/>
+              </a14:hiddenLine>
+            </a:ext>
+            <a:ext uri="{AF507438-7753-43E0-B8FC-AC1667EBCBE1}">
+              <a14:hiddenEffects xmlns:a14="http://schemas.microsoft.com/office/drawing/2010/main">
+                <a:effectLst>
+                  <a:outerShdw dist="35921" dir="2700000" algn="ctr" rotWithShape="0">
+                    <a:schemeClr val="bg2"/>
+                  </a:outerShdw>
+                </a:effectLst>
+              </a14:hiddenEffects>
+            </a:ext>
+          </a:extLst>
+        </p:spPr>
+        <p:txBody>
+          <a:bodyPr vert="horz" wrap="none" lIns="91440" tIns="45720" rIns="91440" bIns="45720" numCol="1" anchor="ctr" anchorCtr="0" compatLnSpc="1">
+            <a:prstTxWarp prst="textNoShape">
+              <a:avLst/>
+            </a:prstTxWarp>
+            <a:spAutoFit/>
+          </a:bodyPr>
+          <a:lstStyle/>
+          <a:p>
+            <a:pPr marL="0" marR="0" lvl="0" indent="0" algn="l" defTabSz="914400" rtl="0" eaLnBrk="0" fontAlgn="base" latinLnBrk="0" hangingPunct="0">
+              <a:lnSpc>
+                <a:spcPct val="100000"/>
+              </a:lnSpc>
+              <a:spcBef>
+                <a:spcPct val="0"/>
+              </a:spcBef>
+              <a:spcAft>
+                <a:spcPct val="0"/>
+              </a:spcAft>
+              <a:buClrTx/>
+              <a:buSzTx/>
+              <a:buFontTx/>
+              <a:buNone/>
+              <a:tabLst/>
+            </a:pPr>
+            <a:r>
+              <a:rPr kumimoji="0" lang="en-US" altLang="en-US" sz="1500" b="0" i="0" u="none" strike="noStrike" cap="none" normalizeH="0" baseline="0" dirty="0" err="1" smtClean="0">
+                <a:ln>
+                  <a:noFill/>
+                </a:ln>
+                <a:solidFill>
+                  <a:srgbClr val="000000"/>
+                </a:solidFill>
+                <a:effectLst/>
+                <a:latin typeface="Courier New" panose="02070309020205020404" pitchFamily="49" charset="0"/>
+                <a:cs typeface="Courier New" panose="02070309020205020404" pitchFamily="49" charset="0"/>
+              </a:rPr>
+              <a:t>SharedPreferences</a:t>
+            </a:r>
+            <a:r>
+              <a:rPr kumimoji="0" lang="en-US" altLang="en-US" sz="1500" b="0" i="0" u="none" strike="noStrike" cap="none" normalizeH="0" baseline="0" dirty="0" smtClean="0">
+                <a:ln>
+                  <a:noFill/>
+                </a:ln>
+                <a:solidFill>
+                  <a:srgbClr val="000000"/>
+                </a:solidFill>
+                <a:effectLst/>
+                <a:latin typeface="Courier New" panose="02070309020205020404" pitchFamily="49" charset="0"/>
+                <a:cs typeface="Courier New" panose="02070309020205020404" pitchFamily="49" charset="0"/>
+              </a:rPr>
+              <a:t> </a:t>
+            </a:r>
+            <a:r>
+              <a:rPr kumimoji="0" lang="en-US" altLang="en-US" sz="1500" b="1" i="0" u="none" strike="noStrike" cap="none" normalizeH="0" baseline="0" dirty="0" err="1" smtClean="0">
+                <a:ln>
+                  <a:noFill/>
+                </a:ln>
+                <a:solidFill>
+                  <a:srgbClr val="660E7A"/>
+                </a:solidFill>
+                <a:effectLst/>
+                <a:latin typeface="Courier New" panose="02070309020205020404" pitchFamily="49" charset="0"/>
+                <a:cs typeface="Courier New" panose="02070309020205020404" pitchFamily="49" charset="0"/>
+              </a:rPr>
+              <a:t>sharedPref</a:t>
+            </a:r>
+            <a:r>
+              <a:rPr kumimoji="0" lang="en-US" altLang="en-US" sz="1500" b="1" i="0" u="none" strike="noStrike" cap="none" normalizeH="0" baseline="0" dirty="0" smtClean="0">
+                <a:ln>
+                  <a:noFill/>
+                </a:ln>
+                <a:solidFill>
+                  <a:srgbClr val="660E7A"/>
+                </a:solidFill>
+                <a:effectLst/>
+                <a:latin typeface="Courier New" panose="02070309020205020404" pitchFamily="49" charset="0"/>
+                <a:cs typeface="Courier New" panose="02070309020205020404" pitchFamily="49" charset="0"/>
+              </a:rPr>
+              <a:t> </a:t>
+            </a:r>
+            <a:r>
+              <a:rPr kumimoji="0" lang="en-US" altLang="en-US" sz="1500" b="0" i="0" u="none" strike="noStrike" cap="none" normalizeH="0" baseline="0" dirty="0" smtClean="0">
+                <a:ln>
+                  <a:noFill/>
+                </a:ln>
+                <a:solidFill>
+                  <a:srgbClr val="000000"/>
+                </a:solidFill>
+                <a:effectLst/>
+                <a:latin typeface="Courier New" panose="02070309020205020404" pitchFamily="49" charset="0"/>
+                <a:cs typeface="Courier New" panose="02070309020205020404" pitchFamily="49" charset="0"/>
+              </a:rPr>
+              <a:t>= </a:t>
+            </a:r>
+            <a:r>
+              <a:rPr kumimoji="0" lang="en-US" altLang="en-US" sz="1500" b="0" i="0" u="none" strike="noStrike" cap="none" normalizeH="0" baseline="0" dirty="0" err="1" smtClean="0">
+                <a:ln>
+                  <a:noFill/>
+                </a:ln>
+                <a:solidFill>
+                  <a:srgbClr val="000000"/>
+                </a:solidFill>
+                <a:effectLst/>
+                <a:latin typeface="Courier New" panose="02070309020205020404" pitchFamily="49" charset="0"/>
+                <a:cs typeface="Courier New" panose="02070309020205020404" pitchFamily="49" charset="0"/>
+              </a:rPr>
+              <a:t>getActivity</a:t>
+            </a:r>
+            <a:r>
+              <a:rPr kumimoji="0" lang="en-US" altLang="en-US" sz="1500" b="0" i="0" u="none" strike="noStrike" cap="none" normalizeH="0" baseline="0" dirty="0" smtClean="0">
+                <a:ln>
+                  <a:noFill/>
+                </a:ln>
+                <a:solidFill>
+                  <a:srgbClr val="000000"/>
+                </a:solidFill>
+                <a:effectLst/>
+                <a:latin typeface="Courier New" panose="02070309020205020404" pitchFamily="49" charset="0"/>
+                <a:cs typeface="Courier New" panose="02070309020205020404" pitchFamily="49" charset="0"/>
+              </a:rPr>
+              <a:t>().</a:t>
+            </a:r>
+            <a:r>
+              <a:rPr kumimoji="0" lang="en-US" altLang="en-US" sz="1500" b="0" i="0" u="none" strike="noStrike" cap="none" normalizeH="0" baseline="0" dirty="0" err="1" smtClean="0">
+                <a:ln>
+                  <a:noFill/>
+                </a:ln>
+                <a:solidFill>
+                  <a:srgbClr val="000000"/>
+                </a:solidFill>
+                <a:effectLst/>
+                <a:latin typeface="Courier New" panose="02070309020205020404" pitchFamily="49" charset="0"/>
+                <a:cs typeface="Courier New" panose="02070309020205020404" pitchFamily="49" charset="0"/>
+              </a:rPr>
+              <a:t>getPreferences</a:t>
+            </a:r>
+            <a:r>
+              <a:rPr kumimoji="0" lang="en-US" altLang="en-US" sz="1500" b="0" i="0" u="none" strike="noStrike" cap="none" normalizeH="0" baseline="0" dirty="0" smtClean="0">
+                <a:ln>
+                  <a:noFill/>
+                </a:ln>
+                <a:solidFill>
+                  <a:srgbClr val="000000"/>
+                </a:solidFill>
+                <a:effectLst/>
+                <a:latin typeface="Courier New" panose="02070309020205020404" pitchFamily="49" charset="0"/>
+                <a:cs typeface="Courier New" panose="02070309020205020404" pitchFamily="49" charset="0"/>
+              </a:rPr>
+              <a:t>(</a:t>
+            </a:r>
+            <a:r>
+              <a:rPr kumimoji="0" lang="en-US" altLang="en-US" sz="1500" b="0" i="0" u="none" strike="noStrike" cap="none" normalizeH="0" baseline="0" dirty="0" err="1" smtClean="0">
+                <a:ln>
+                  <a:noFill/>
+                </a:ln>
+                <a:solidFill>
+                  <a:srgbClr val="000000"/>
+                </a:solidFill>
+                <a:effectLst/>
+                <a:latin typeface="Courier New" panose="02070309020205020404" pitchFamily="49" charset="0"/>
+                <a:cs typeface="Courier New" panose="02070309020205020404" pitchFamily="49" charset="0"/>
+              </a:rPr>
+              <a:t>Context.</a:t>
+            </a:r>
+            <a:r>
+              <a:rPr kumimoji="0" lang="en-US" altLang="en-US" sz="1500" b="1" i="1" u="none" strike="noStrike" cap="none" normalizeH="0" baseline="0" dirty="0" err="1" smtClean="0">
+                <a:ln>
+                  <a:noFill/>
+                </a:ln>
+                <a:solidFill>
+                  <a:srgbClr val="660E7A"/>
+                </a:solidFill>
+                <a:effectLst/>
+                <a:latin typeface="Courier New" panose="02070309020205020404" pitchFamily="49" charset="0"/>
+                <a:cs typeface="Courier New" panose="02070309020205020404" pitchFamily="49" charset="0"/>
+              </a:rPr>
+              <a:t>MODE_PRIVATE</a:t>
+            </a:r>
+            <a:r>
+              <a:rPr kumimoji="0" lang="en-US" altLang="en-US" sz="1500" b="0" i="0" u="none" strike="noStrike" cap="none" normalizeH="0" baseline="0" dirty="0" smtClean="0">
+                <a:ln>
+                  <a:noFill/>
+                </a:ln>
+                <a:solidFill>
+                  <a:srgbClr val="000000"/>
+                </a:solidFill>
+                <a:effectLst/>
+                <a:latin typeface="Courier New" panose="02070309020205020404" pitchFamily="49" charset="0"/>
+                <a:cs typeface="Courier New" panose="02070309020205020404" pitchFamily="49" charset="0"/>
+              </a:rPr>
+              <a:t>);</a:t>
+            </a:r>
+            <a:br>
+              <a:rPr kumimoji="0" lang="en-US" altLang="en-US" sz="1500" b="0" i="0" u="none" strike="noStrike" cap="none" normalizeH="0" baseline="0" dirty="0" smtClean="0">
+                <a:ln>
+                  <a:noFill/>
+                </a:ln>
+                <a:solidFill>
+                  <a:srgbClr val="000000"/>
+                </a:solidFill>
+                <a:effectLst/>
+                <a:latin typeface="Courier New" panose="02070309020205020404" pitchFamily="49" charset="0"/>
+                <a:cs typeface="Courier New" panose="02070309020205020404" pitchFamily="49" charset="0"/>
+              </a:rPr>
+            </a:br>
+            <a:r>
+              <a:rPr kumimoji="0" lang="en-US" altLang="en-US" sz="1500" b="1" i="0" u="none" strike="noStrike" cap="none" normalizeH="0" baseline="0" dirty="0" err="1" smtClean="0">
+                <a:ln>
+                  <a:noFill/>
+                </a:ln>
+                <a:solidFill>
+                  <a:srgbClr val="000080"/>
+                </a:solidFill>
+                <a:effectLst/>
+                <a:latin typeface="Courier New" panose="02070309020205020404" pitchFamily="49" charset="0"/>
+                <a:cs typeface="Courier New" panose="02070309020205020404" pitchFamily="49" charset="0"/>
+              </a:rPr>
+              <a:t>int</a:t>
+            </a:r>
+            <a:r>
+              <a:rPr kumimoji="0" lang="en-US" altLang="en-US" sz="1500" b="1" i="0" u="none" strike="noStrike" cap="none" normalizeH="0" baseline="0" dirty="0" smtClean="0">
+                <a:ln>
+                  <a:noFill/>
+                </a:ln>
+                <a:solidFill>
+                  <a:srgbClr val="000080"/>
+                </a:solidFill>
+                <a:effectLst/>
+                <a:latin typeface="Courier New" panose="02070309020205020404" pitchFamily="49" charset="0"/>
+                <a:cs typeface="Courier New" panose="02070309020205020404" pitchFamily="49" charset="0"/>
+              </a:rPr>
+              <a:t> </a:t>
+            </a:r>
+            <a:r>
+              <a:rPr kumimoji="0" lang="en-US" altLang="en-US" sz="1500" b="1" i="0" u="none" strike="noStrike" cap="none" normalizeH="0" baseline="0" dirty="0" err="1" smtClean="0">
+                <a:ln>
+                  <a:noFill/>
+                </a:ln>
+                <a:solidFill>
+                  <a:srgbClr val="660E7A"/>
+                </a:solidFill>
+                <a:effectLst/>
+                <a:latin typeface="Courier New" panose="02070309020205020404" pitchFamily="49" charset="0"/>
+                <a:cs typeface="Courier New" panose="02070309020205020404" pitchFamily="49" charset="0"/>
+              </a:rPr>
+              <a:t>defaultValue</a:t>
+            </a:r>
+            <a:r>
+              <a:rPr kumimoji="0" lang="en-US" altLang="en-US" sz="1500" b="1" i="0" u="none" strike="noStrike" cap="none" normalizeH="0" baseline="0" dirty="0" smtClean="0">
+                <a:ln>
+                  <a:noFill/>
+                </a:ln>
+                <a:solidFill>
+                  <a:srgbClr val="660E7A"/>
+                </a:solidFill>
+                <a:effectLst/>
+                <a:latin typeface="Courier New" panose="02070309020205020404" pitchFamily="49" charset="0"/>
+                <a:cs typeface="Courier New" panose="02070309020205020404" pitchFamily="49" charset="0"/>
+              </a:rPr>
+              <a:t> </a:t>
+            </a:r>
+            <a:r>
+              <a:rPr kumimoji="0" lang="en-US" altLang="en-US" sz="1500" b="0" i="0" u="none" strike="noStrike" cap="none" normalizeH="0" baseline="0" dirty="0" smtClean="0">
+                <a:ln>
+                  <a:noFill/>
+                </a:ln>
+                <a:solidFill>
+                  <a:srgbClr val="000000"/>
+                </a:solidFill>
+                <a:effectLst/>
+                <a:latin typeface="Courier New" panose="02070309020205020404" pitchFamily="49" charset="0"/>
+                <a:cs typeface="Courier New" panose="02070309020205020404" pitchFamily="49" charset="0"/>
+              </a:rPr>
+              <a:t>= </a:t>
+            </a:r>
+            <a:r>
+              <a:rPr kumimoji="0" lang="en-US" altLang="en-US" sz="1500" b="0" i="0" u="none" strike="noStrike" cap="none" normalizeH="0" baseline="0" dirty="0" err="1" smtClean="0">
+                <a:ln>
+                  <a:noFill/>
+                </a:ln>
+                <a:solidFill>
+                  <a:srgbClr val="000000"/>
+                </a:solidFill>
+                <a:effectLst/>
+                <a:latin typeface="Courier New" panose="02070309020205020404" pitchFamily="49" charset="0"/>
+                <a:cs typeface="Courier New" panose="02070309020205020404" pitchFamily="49" charset="0"/>
+              </a:rPr>
+              <a:t>getResources</a:t>
+            </a:r>
+            <a:r>
+              <a:rPr kumimoji="0" lang="en-US" altLang="en-US" sz="1500" b="0" i="0" u="none" strike="noStrike" cap="none" normalizeH="0" baseline="0" dirty="0" smtClean="0">
+                <a:ln>
+                  <a:noFill/>
+                </a:ln>
+                <a:solidFill>
+                  <a:srgbClr val="000000"/>
+                </a:solidFill>
+                <a:effectLst/>
+                <a:latin typeface="Courier New" panose="02070309020205020404" pitchFamily="49" charset="0"/>
+                <a:cs typeface="Courier New" panose="02070309020205020404" pitchFamily="49" charset="0"/>
+              </a:rPr>
+              <a:t>().</a:t>
+            </a:r>
+            <a:r>
+              <a:rPr kumimoji="0" lang="en-US" altLang="en-US" sz="1500" b="0" i="0" u="none" strike="noStrike" cap="none" normalizeH="0" baseline="0" dirty="0" err="1" smtClean="0">
+                <a:ln>
+                  <a:noFill/>
+                </a:ln>
+                <a:solidFill>
+                  <a:srgbClr val="000000"/>
+                </a:solidFill>
+                <a:effectLst/>
+                <a:latin typeface="Courier New" panose="02070309020205020404" pitchFamily="49" charset="0"/>
+                <a:cs typeface="Courier New" panose="02070309020205020404" pitchFamily="49" charset="0"/>
+              </a:rPr>
+              <a:t>getInteger</a:t>
+            </a:r>
+            <a:r>
+              <a:rPr kumimoji="0" lang="en-US" altLang="en-US" sz="1500" b="0" i="0" u="none" strike="noStrike" cap="none" normalizeH="0" baseline="0" dirty="0" smtClean="0">
+                <a:ln>
+                  <a:noFill/>
+                </a:ln>
+                <a:solidFill>
+                  <a:srgbClr val="000000"/>
+                </a:solidFill>
+                <a:effectLst/>
+                <a:latin typeface="Courier New" panose="02070309020205020404" pitchFamily="49" charset="0"/>
+                <a:cs typeface="Courier New" panose="02070309020205020404" pitchFamily="49" charset="0"/>
+              </a:rPr>
+              <a:t>(</a:t>
+            </a:r>
+            <a:r>
+              <a:rPr kumimoji="0" lang="en-US" altLang="en-US" sz="1500" b="0" i="0" u="none" strike="noStrike" cap="none" normalizeH="0" baseline="0" dirty="0" err="1" smtClean="0">
+                <a:ln>
+                  <a:noFill/>
+                </a:ln>
+                <a:solidFill>
+                  <a:srgbClr val="000000"/>
+                </a:solidFill>
+                <a:effectLst/>
+                <a:latin typeface="Courier New" panose="02070309020205020404" pitchFamily="49" charset="0"/>
+                <a:cs typeface="Courier New" panose="02070309020205020404" pitchFamily="49" charset="0"/>
+              </a:rPr>
+              <a:t>R.integer.saved_high_score_default_key</a:t>
+            </a:r>
+            <a:r>
+              <a:rPr kumimoji="0" lang="en-US" altLang="en-US" sz="1500" b="0" i="0" u="none" strike="noStrike" cap="none" normalizeH="0" baseline="0" dirty="0" smtClean="0">
+                <a:ln>
+                  <a:noFill/>
+                </a:ln>
+                <a:solidFill>
+                  <a:srgbClr val="000000"/>
+                </a:solidFill>
+                <a:effectLst/>
+                <a:latin typeface="Courier New" panose="02070309020205020404" pitchFamily="49" charset="0"/>
+                <a:cs typeface="Courier New" panose="02070309020205020404" pitchFamily="49" charset="0"/>
+              </a:rPr>
+              <a:t>);</a:t>
+            </a:r>
+            <a:br>
+              <a:rPr kumimoji="0" lang="en-US" altLang="en-US" sz="1500" b="0" i="0" u="none" strike="noStrike" cap="none" normalizeH="0" baseline="0" dirty="0" smtClean="0">
+                <a:ln>
+                  <a:noFill/>
+                </a:ln>
+                <a:solidFill>
+                  <a:srgbClr val="000000"/>
+                </a:solidFill>
+                <a:effectLst/>
+                <a:latin typeface="Courier New" panose="02070309020205020404" pitchFamily="49" charset="0"/>
+                <a:cs typeface="Courier New" panose="02070309020205020404" pitchFamily="49" charset="0"/>
+              </a:rPr>
+            </a:br>
+            <a:r>
+              <a:rPr kumimoji="0" lang="en-US" altLang="en-US" sz="1500" b="1" i="0" u="none" strike="noStrike" cap="none" normalizeH="0" baseline="0" dirty="0" err="1" smtClean="0">
+                <a:ln>
+                  <a:noFill/>
+                </a:ln>
+                <a:solidFill>
+                  <a:srgbClr val="000080"/>
+                </a:solidFill>
+                <a:effectLst/>
+                <a:latin typeface="Courier New" panose="02070309020205020404" pitchFamily="49" charset="0"/>
+                <a:cs typeface="Courier New" panose="02070309020205020404" pitchFamily="49" charset="0"/>
+              </a:rPr>
+              <a:t>int</a:t>
+            </a:r>
+            <a:r>
+              <a:rPr kumimoji="0" lang="en-US" altLang="en-US" sz="1500" b="1" i="0" u="none" strike="noStrike" cap="none" normalizeH="0" baseline="0" dirty="0" smtClean="0">
+                <a:ln>
+                  <a:noFill/>
+                </a:ln>
+                <a:solidFill>
+                  <a:srgbClr val="000080"/>
+                </a:solidFill>
+                <a:effectLst/>
+                <a:latin typeface="Courier New" panose="02070309020205020404" pitchFamily="49" charset="0"/>
+                <a:cs typeface="Courier New" panose="02070309020205020404" pitchFamily="49" charset="0"/>
+              </a:rPr>
+              <a:t> </a:t>
+            </a:r>
+            <a:r>
+              <a:rPr kumimoji="0" lang="en-US" altLang="en-US" sz="1500" b="1" i="0" u="none" strike="noStrike" cap="none" normalizeH="0" baseline="0" dirty="0" err="1" smtClean="0">
+                <a:ln>
+                  <a:noFill/>
+                </a:ln>
+                <a:solidFill>
+                  <a:srgbClr val="660E7A"/>
+                </a:solidFill>
+                <a:effectLst/>
+                <a:latin typeface="Courier New" panose="02070309020205020404" pitchFamily="49" charset="0"/>
+                <a:cs typeface="Courier New" panose="02070309020205020404" pitchFamily="49" charset="0"/>
+              </a:rPr>
+              <a:t>highScore</a:t>
+            </a:r>
+            <a:r>
+              <a:rPr kumimoji="0" lang="en-US" altLang="en-US" sz="1500" b="1" i="0" u="none" strike="noStrike" cap="none" normalizeH="0" baseline="0" dirty="0" smtClean="0">
+                <a:ln>
+                  <a:noFill/>
+                </a:ln>
+                <a:solidFill>
+                  <a:srgbClr val="660E7A"/>
+                </a:solidFill>
+                <a:effectLst/>
+                <a:latin typeface="Courier New" panose="02070309020205020404" pitchFamily="49" charset="0"/>
+                <a:cs typeface="Courier New" panose="02070309020205020404" pitchFamily="49" charset="0"/>
+              </a:rPr>
+              <a:t> </a:t>
+            </a:r>
+            <a:r>
+              <a:rPr kumimoji="0" lang="en-US" altLang="en-US" sz="1500" b="0" i="0" u="none" strike="noStrike" cap="none" normalizeH="0" baseline="0" dirty="0" smtClean="0">
+                <a:ln>
+                  <a:noFill/>
+                </a:ln>
+                <a:solidFill>
+                  <a:srgbClr val="000000"/>
+                </a:solidFill>
+                <a:effectLst/>
+                <a:latin typeface="Courier New" panose="02070309020205020404" pitchFamily="49" charset="0"/>
+                <a:cs typeface="Courier New" panose="02070309020205020404" pitchFamily="49" charset="0"/>
+              </a:rPr>
+              <a:t>= </a:t>
+            </a:r>
+            <a:r>
+              <a:rPr kumimoji="0" lang="en-US" altLang="en-US" sz="1500" b="1" i="0" u="none" strike="noStrike" cap="none" normalizeH="0" baseline="0" dirty="0" err="1" smtClean="0">
+                <a:ln>
+                  <a:noFill/>
+                </a:ln>
+                <a:solidFill>
+                  <a:srgbClr val="660E7A"/>
+                </a:solidFill>
+                <a:effectLst/>
+                <a:latin typeface="Courier New" panose="02070309020205020404" pitchFamily="49" charset="0"/>
+                <a:cs typeface="Courier New" panose="02070309020205020404" pitchFamily="49" charset="0"/>
+              </a:rPr>
+              <a:t>sharedPref</a:t>
+            </a:r>
+            <a:r>
+              <a:rPr kumimoji="0" lang="en-US" altLang="en-US" sz="1500" b="0" i="0" u="none" strike="noStrike" cap="none" normalizeH="0" baseline="0" dirty="0" err="1" smtClean="0">
+                <a:ln>
+                  <a:noFill/>
+                </a:ln>
+                <a:solidFill>
+                  <a:srgbClr val="000000"/>
+                </a:solidFill>
+                <a:effectLst/>
+                <a:latin typeface="Courier New" panose="02070309020205020404" pitchFamily="49" charset="0"/>
+                <a:cs typeface="Courier New" panose="02070309020205020404" pitchFamily="49" charset="0"/>
+              </a:rPr>
+              <a:t>.getInt</a:t>
+            </a:r>
+            <a:r>
+              <a:rPr kumimoji="0" lang="en-US" altLang="en-US" sz="1500" b="0" i="0" u="none" strike="noStrike" cap="none" normalizeH="0" baseline="0" dirty="0" smtClean="0">
+                <a:ln>
+                  <a:noFill/>
+                </a:ln>
+                <a:solidFill>
+                  <a:srgbClr val="000000"/>
+                </a:solidFill>
+                <a:effectLst/>
+                <a:latin typeface="Courier New" panose="02070309020205020404" pitchFamily="49" charset="0"/>
+                <a:cs typeface="Courier New" panose="02070309020205020404" pitchFamily="49" charset="0"/>
+              </a:rPr>
+              <a:t>(</a:t>
+            </a:r>
+            <a:r>
+              <a:rPr kumimoji="0" lang="en-US" altLang="en-US" sz="1500" b="0" i="0" u="none" strike="noStrike" cap="none" normalizeH="0" baseline="0" dirty="0" err="1" smtClean="0">
+                <a:ln>
+                  <a:noFill/>
+                </a:ln>
+                <a:solidFill>
+                  <a:srgbClr val="000000"/>
+                </a:solidFill>
+                <a:effectLst/>
+                <a:latin typeface="Courier New" panose="02070309020205020404" pitchFamily="49" charset="0"/>
+                <a:cs typeface="Courier New" panose="02070309020205020404" pitchFamily="49" charset="0"/>
+              </a:rPr>
+              <a:t>getString</a:t>
+            </a:r>
+            <a:r>
+              <a:rPr kumimoji="0" lang="en-US" altLang="en-US" sz="1500" b="0" i="0" u="none" strike="noStrike" cap="none" normalizeH="0" baseline="0" dirty="0" smtClean="0">
+                <a:ln>
+                  <a:noFill/>
+                </a:ln>
+                <a:solidFill>
+                  <a:srgbClr val="000000"/>
+                </a:solidFill>
+                <a:effectLst/>
+                <a:latin typeface="Courier New" panose="02070309020205020404" pitchFamily="49" charset="0"/>
+                <a:cs typeface="Courier New" panose="02070309020205020404" pitchFamily="49" charset="0"/>
+              </a:rPr>
+              <a:t>(</a:t>
+            </a:r>
+            <a:r>
+              <a:rPr kumimoji="0" lang="en-US" altLang="en-US" sz="1500" b="0" i="0" u="none" strike="noStrike" cap="none" normalizeH="0" baseline="0" dirty="0" err="1" smtClean="0">
+                <a:ln>
+                  <a:noFill/>
+                </a:ln>
+                <a:solidFill>
+                  <a:srgbClr val="000000"/>
+                </a:solidFill>
+                <a:effectLst/>
+                <a:latin typeface="Courier New" panose="02070309020205020404" pitchFamily="49" charset="0"/>
+                <a:cs typeface="Courier New" panose="02070309020205020404" pitchFamily="49" charset="0"/>
+              </a:rPr>
+              <a:t>R.string.saved_high_score_key</a:t>
+            </a:r>
+            <a:r>
+              <a:rPr kumimoji="0" lang="en-US" altLang="en-US" sz="1500" b="0" i="0" u="none" strike="noStrike" cap="none" normalizeH="0" baseline="0" dirty="0" smtClean="0">
+                <a:ln>
+                  <a:noFill/>
+                </a:ln>
+                <a:solidFill>
+                  <a:srgbClr val="000000"/>
+                </a:solidFill>
+                <a:effectLst/>
+                <a:latin typeface="Courier New" panose="02070309020205020404" pitchFamily="49" charset="0"/>
+                <a:cs typeface="Courier New" panose="02070309020205020404" pitchFamily="49" charset="0"/>
+              </a:rPr>
+              <a:t>), </a:t>
+            </a:r>
+            <a:r>
+              <a:rPr kumimoji="0" lang="en-US" altLang="en-US" sz="1500" b="1" i="0" u="none" strike="noStrike" cap="none" normalizeH="0" baseline="0" dirty="0" err="1" smtClean="0">
+                <a:ln>
+                  <a:noFill/>
+                </a:ln>
+                <a:solidFill>
+                  <a:srgbClr val="660E7A"/>
+                </a:solidFill>
+                <a:effectLst/>
+                <a:latin typeface="Courier New" panose="02070309020205020404" pitchFamily="49" charset="0"/>
+                <a:cs typeface="Courier New" panose="02070309020205020404" pitchFamily="49" charset="0"/>
+              </a:rPr>
+              <a:t>defaultValue</a:t>
+            </a:r>
+            <a:r>
+              <a:rPr kumimoji="0" lang="en-US" altLang="en-US" sz="1500" b="0" i="0" u="none" strike="noStrike" cap="none" normalizeH="0" baseline="0" dirty="0" smtClean="0">
+                <a:ln>
+                  <a:noFill/>
+                </a:ln>
+                <a:solidFill>
+                  <a:srgbClr val="000000"/>
+                </a:solidFill>
+                <a:effectLst/>
+                <a:latin typeface="Courier New" panose="02070309020205020404" pitchFamily="49" charset="0"/>
+                <a:cs typeface="Courier New" panose="02070309020205020404" pitchFamily="49" charset="0"/>
+              </a:rPr>
+              <a:t>);</a:t>
+            </a:r>
+            <a:endParaRPr kumimoji="0" lang="en-US" altLang="en-US" sz="1500" b="0" i="0" u="none" strike="noStrike" cap="none" normalizeH="0" baseline="0" dirty="0" smtClean="0">
+              <a:ln>
+                <a:noFill/>
+              </a:ln>
+              <a:solidFill>
+                <a:schemeClr val="tx1"/>
+              </a:solidFill>
+              <a:effectLst/>
+              <a:latin typeface="Arial" panose="020B0604020202020204" pitchFamily="34" charset="0"/>
+            </a:endParaRPr>
+          </a:p>
+        </p:txBody>
+      </p:sp>
+    </p:spTree>
+    <p:extLst>
+      <p:ext uri="{BB962C8B-B14F-4D97-AF65-F5344CB8AC3E}">
+        <p14:creationId xmlns:p14="http://schemas.microsoft.com/office/powerpoint/2010/main" val="2822934220"/>
+      </p:ext>
+    </p:extLst>
+  </p:cSld>
+  <p:clrMapOvr>
+    <a:masterClrMapping/>
+  </p:clrMapOvr>
+  <p:timing>
+    <p:tnLst>
+      <p:par>
+        <p:cTn id="1" dur="indefinite" restart="never" nodeType="tmRoot"/>
+      </p:par>
+    </p:tnLst>
+  </p:timing>
+</p:sld>
+</file>
+
+<file path=ppt/slides/slide32.xml><?xml version="1.0" encoding="utf-8"?>
+<p:sld xmlns:a="http://schemas.openxmlformats.org/drawingml/2006/main" xmlns:r="http://schemas.openxmlformats.org/officeDocument/2006/relationships" xmlns:p="http://schemas.openxmlformats.org/presentationml/2006/main">
+  <p:cSld>
+    <p:spTree>
+      <p:nvGrpSpPr>
+        <p:cNvPr id="1" name=""/>
+        <p:cNvGrpSpPr/>
+        <p:nvPr/>
+      </p:nvGrpSpPr>
+      <p:grpSpPr>
+        <a:xfrm>
+          <a:off x="0" y="0"/>
+          <a:ext cx="0" cy="0"/>
+          <a:chOff x="0" y="0"/>
+          <a:chExt cx="0" cy="0"/>
+        </a:xfrm>
+      </p:grpSpPr>
+      <p:sp>
+        <p:nvSpPr>
+          <p:cNvPr id="2" name="Title 1"/>
+          <p:cNvSpPr>
+            <a:spLocks noGrp="1"/>
+          </p:cNvSpPr>
+          <p:nvPr>
+            <p:ph type="title"/>
+          </p:nvPr>
+        </p:nvSpPr>
+        <p:spPr>
+          <a:xfrm>
+            <a:off x="0" y="0"/>
+            <a:ext cx="10515600" cy="845127"/>
+          </a:xfrm>
+        </p:spPr>
+        <p:txBody>
+          <a:bodyPr/>
+          <a:lstStyle/>
+          <a:p>
+            <a:endParaRPr lang="en-CA" dirty="0"/>
+          </a:p>
+        </p:txBody>
+      </p:sp>
+      <p:sp>
+        <p:nvSpPr>
+          <p:cNvPr id="3" name="Content Placeholder 2"/>
+          <p:cNvSpPr>
+            <a:spLocks noGrp="1"/>
+          </p:cNvSpPr>
+          <p:nvPr>
+            <p:ph idx="1"/>
+          </p:nvPr>
+        </p:nvSpPr>
+        <p:spPr>
+          <a:xfrm>
+            <a:off x="0" y="869660"/>
+            <a:ext cx="12192000" cy="5619007"/>
+          </a:xfrm>
+        </p:spPr>
+        <p:txBody>
+          <a:bodyPr/>
+          <a:lstStyle/>
+          <a:p>
+            <a:endParaRPr lang="en-CA"/>
+          </a:p>
+        </p:txBody>
+      </p:sp>
+      <p:sp>
+        <p:nvSpPr>
+          <p:cNvPr id="4" name="Rectangle 3"/>
+          <p:cNvSpPr/>
+          <p:nvPr/>
+        </p:nvSpPr>
+        <p:spPr>
+          <a:xfrm>
+            <a:off x="0" y="6488668"/>
+            <a:ext cx="9144000" cy="369332"/>
+          </a:xfrm>
+          <a:prstGeom prst="rect">
+            <a:avLst/>
+          </a:prstGeom>
+        </p:spPr>
+        <p:txBody>
+          <a:bodyPr wrap="square">
+            <a:spAutoFit/>
+          </a:bodyPr>
+          <a:lstStyle/>
+          <a:p>
+            <a:r>
+              <a:rPr lang="en-CA" dirty="0">
+                <a:hlinkClick r:id="rId2"/>
+              </a:rPr>
+              <a:t>https://developer.android.com/training/data-storage/shared-preferences</a:t>
+            </a:r>
+            <a:endParaRPr lang="en-CA" dirty="0"/>
+          </a:p>
+        </p:txBody>
+      </p:sp>
+    </p:spTree>
+    <p:extLst>
+      <p:ext uri="{BB962C8B-B14F-4D97-AF65-F5344CB8AC3E}">
+        <p14:creationId xmlns:p14="http://schemas.microsoft.com/office/powerpoint/2010/main" val="4173478143"/>
+      </p:ext>
+    </p:extLst>
+  </p:cSld>
+  <p:clrMapOvr>
+    <a:masterClrMapping/>
+  </p:clrMapOvr>
+  <p:timing>
+    <p:tnLst>
+      <p:par>
+        <p:cTn id="1" dur="indefinite" restart="never" nodeType="tmRoot"/>
+      </p:par>
+    </p:tnLst>
+  </p:timing>
+</p:sld>
+</file>
+
+<file path=ppt/slides/slide33.xml><?xml version="1.0" encoding="utf-8"?>
+<p:sld xmlns:a="http://schemas.openxmlformats.org/drawingml/2006/main" xmlns:r="http://schemas.openxmlformats.org/officeDocument/2006/relationships" xmlns:p="http://schemas.openxmlformats.org/presentationml/2006/main">
+  <p:cSld>
+    <p:spTree>
+      <p:nvGrpSpPr>
+        <p:cNvPr id="1" name=""/>
+        <p:cNvGrpSpPr/>
+        <p:nvPr/>
+      </p:nvGrpSpPr>
+      <p:grpSpPr>
+        <a:xfrm>
+          <a:off x="0" y="0"/>
+          <a:ext cx="0" cy="0"/>
+          <a:chOff x="0" y="0"/>
+          <a:chExt cx="0" cy="0"/>
+        </a:xfrm>
+      </p:grpSpPr>
+      <p:sp>
+        <p:nvSpPr>
+          <p:cNvPr id="2" name="Title 1"/>
+          <p:cNvSpPr>
+            <a:spLocks noGrp="1"/>
+          </p:cNvSpPr>
+          <p:nvPr>
+            <p:ph type="title"/>
+          </p:nvPr>
+        </p:nvSpPr>
+        <p:spPr>
+          <a:xfrm>
+            <a:off x="0" y="0"/>
+            <a:ext cx="10515600" cy="845127"/>
+          </a:xfrm>
+        </p:spPr>
+        <p:txBody>
+          <a:bodyPr/>
+          <a:lstStyle/>
+          <a:p>
+            <a:endParaRPr lang="en-CA" dirty="0"/>
+          </a:p>
+        </p:txBody>
+      </p:sp>
+      <p:sp>
+        <p:nvSpPr>
+          <p:cNvPr id="3" name="Content Placeholder 2"/>
+          <p:cNvSpPr>
+            <a:spLocks noGrp="1"/>
+          </p:cNvSpPr>
+          <p:nvPr>
+            <p:ph idx="1"/>
+          </p:nvPr>
+        </p:nvSpPr>
+        <p:spPr>
+          <a:xfrm>
+            <a:off x="0" y="869660"/>
+            <a:ext cx="12192000" cy="5619007"/>
+          </a:xfrm>
+        </p:spPr>
+        <p:txBody>
+          <a:bodyPr/>
+          <a:lstStyle/>
+          <a:p>
+            <a:endParaRPr lang="en-CA"/>
+          </a:p>
+        </p:txBody>
+      </p:sp>
+      <p:sp>
+        <p:nvSpPr>
+          <p:cNvPr id="4" name="Rectangle 3"/>
+          <p:cNvSpPr/>
+          <p:nvPr/>
+        </p:nvSpPr>
+        <p:spPr>
+          <a:xfrm>
+            <a:off x="0" y="6488668"/>
+            <a:ext cx="9144000" cy="369332"/>
+          </a:xfrm>
+          <a:prstGeom prst="rect">
+            <a:avLst/>
+          </a:prstGeom>
+        </p:spPr>
+        <p:txBody>
+          <a:bodyPr wrap="square">
+            <a:spAutoFit/>
+          </a:bodyPr>
+          <a:lstStyle/>
+          <a:p>
+            <a:r>
+              <a:rPr lang="en-CA" dirty="0">
+                <a:hlinkClick r:id="rId2"/>
+              </a:rPr>
+              <a:t>https://developer.android.com/training/data-storage/shared-preferences</a:t>
+            </a:r>
+            <a:endParaRPr lang="en-CA" dirty="0"/>
+          </a:p>
+        </p:txBody>
+      </p:sp>
+    </p:spTree>
+    <p:extLst>
+      <p:ext uri="{BB962C8B-B14F-4D97-AF65-F5344CB8AC3E}">
+        <p14:creationId xmlns:p14="http://schemas.microsoft.com/office/powerpoint/2010/main" val="3986474190"/>
+      </p:ext>
+    </p:extLst>
+  </p:cSld>
+  <p:clrMapOvr>
+    <a:masterClrMapping/>
+  </p:clrMapOvr>
+  <p:timing>
+    <p:tnLst>
+      <p:par>
+        <p:cTn id="1" dur="indefinite" restart="never" nodeType="tmRoot"/>
+      </p:par>
+    </p:tnLst>
+  </p:timing>
+</p:sld>
+</file>
+
+<file path=ppt/slides/slide34.xml><?xml version="1.0" encoding="utf-8"?>
+<p:sld xmlns:a="http://schemas.openxmlformats.org/drawingml/2006/main" xmlns:r="http://schemas.openxmlformats.org/officeDocument/2006/relationships" xmlns:p="http://schemas.openxmlformats.org/presentationml/2006/main">
+  <p:cSld>
+    <p:spTree>
+      <p:nvGrpSpPr>
+        <p:cNvPr id="1" name=""/>
+        <p:cNvGrpSpPr/>
+        <p:nvPr/>
+      </p:nvGrpSpPr>
+      <p:grpSpPr>
+        <a:xfrm>
+          <a:off x="0" y="0"/>
+          <a:ext cx="0" cy="0"/>
+          <a:chOff x="0" y="0"/>
+          <a:chExt cx="0" cy="0"/>
+        </a:xfrm>
+      </p:grpSpPr>
+      <p:sp>
+        <p:nvSpPr>
+          <p:cNvPr id="2" name="Title 1"/>
+          <p:cNvSpPr>
+            <a:spLocks noGrp="1"/>
+          </p:cNvSpPr>
+          <p:nvPr>
+            <p:ph type="title"/>
+          </p:nvPr>
+        </p:nvSpPr>
+        <p:spPr>
+          <a:xfrm>
+            <a:off x="0" y="0"/>
+            <a:ext cx="10515600" cy="845127"/>
+          </a:xfrm>
+        </p:spPr>
+        <p:txBody>
+          <a:bodyPr/>
+          <a:lstStyle/>
+          <a:p>
+            <a:endParaRPr lang="en-CA" dirty="0"/>
+          </a:p>
+        </p:txBody>
+      </p:sp>
+      <p:sp>
+        <p:nvSpPr>
+          <p:cNvPr id="3" name="Content Placeholder 2"/>
+          <p:cNvSpPr>
+            <a:spLocks noGrp="1"/>
+          </p:cNvSpPr>
+          <p:nvPr>
+            <p:ph idx="1"/>
+          </p:nvPr>
+        </p:nvSpPr>
+        <p:spPr>
+          <a:xfrm>
+            <a:off x="0" y="869660"/>
+            <a:ext cx="12192000" cy="5619007"/>
+          </a:xfrm>
+        </p:spPr>
+        <p:txBody>
+          <a:bodyPr/>
+          <a:lstStyle/>
+          <a:p>
+            <a:endParaRPr lang="en-CA"/>
+          </a:p>
+        </p:txBody>
+      </p:sp>
+      <p:sp>
+        <p:nvSpPr>
+          <p:cNvPr id="4" name="Rectangle 3"/>
+          <p:cNvSpPr/>
+          <p:nvPr/>
+        </p:nvSpPr>
+        <p:spPr>
+          <a:xfrm>
+            <a:off x="0" y="6488668"/>
+            <a:ext cx="9144000" cy="369332"/>
+          </a:xfrm>
+          <a:prstGeom prst="rect">
+            <a:avLst/>
+          </a:prstGeom>
+        </p:spPr>
+        <p:txBody>
+          <a:bodyPr wrap="square">
+            <a:spAutoFit/>
+          </a:bodyPr>
+          <a:lstStyle/>
+          <a:p>
+            <a:r>
+              <a:rPr lang="en-CA" dirty="0">
+                <a:hlinkClick r:id="rId2"/>
+              </a:rPr>
+              <a:t>https://developer.android.com/training/data-storage/shared-preferences</a:t>
+            </a:r>
+            <a:endParaRPr lang="en-CA" dirty="0"/>
+          </a:p>
+        </p:txBody>
+      </p:sp>
+    </p:spTree>
+    <p:extLst>
+      <p:ext uri="{BB962C8B-B14F-4D97-AF65-F5344CB8AC3E}">
+        <p14:creationId xmlns:p14="http://schemas.microsoft.com/office/powerpoint/2010/main" val="1308120100"/>
       </p:ext>
     </p:extLst>
   </p:cSld>
